--- a/manuscript/figures/garry-heatmap/garry-heatmap.pptx
+++ b/manuscript/figures/garry-heatmap/garry-heatmap.pptx
@@ -265,7 +265,7 @@
           <a:p>
             <a:fld id="{EBAEE684-E7C7-AB40-9547-67D2F7A3A955}" type="datetimeFigureOut">
               <a:rPr lang="en-DK" smtClean="0"/>
-              <a:t>08/08/2023</a:t>
+              <a:t>10/08/2023</a:t>
             </a:fld>
             <a:endParaRPr lang="en-DK"/>
           </a:p>
@@ -465,7 +465,7 @@
           <a:p>
             <a:fld id="{EBAEE684-E7C7-AB40-9547-67D2F7A3A955}" type="datetimeFigureOut">
               <a:rPr lang="en-DK" smtClean="0"/>
-              <a:t>08/08/2023</a:t>
+              <a:t>10/08/2023</a:t>
             </a:fld>
             <a:endParaRPr lang="en-DK"/>
           </a:p>
@@ -675,7 +675,7 @@
           <a:p>
             <a:fld id="{EBAEE684-E7C7-AB40-9547-67D2F7A3A955}" type="datetimeFigureOut">
               <a:rPr lang="en-DK" smtClean="0"/>
-              <a:t>08/08/2023</a:t>
+              <a:t>10/08/2023</a:t>
             </a:fld>
             <a:endParaRPr lang="en-DK"/>
           </a:p>
@@ -875,7 +875,7 @@
           <a:p>
             <a:fld id="{EBAEE684-E7C7-AB40-9547-67D2F7A3A955}" type="datetimeFigureOut">
               <a:rPr lang="en-DK" smtClean="0"/>
-              <a:t>08/08/2023</a:t>
+              <a:t>10/08/2023</a:t>
             </a:fld>
             <a:endParaRPr lang="en-DK"/>
           </a:p>
@@ -1151,7 +1151,7 @@
           <a:p>
             <a:fld id="{EBAEE684-E7C7-AB40-9547-67D2F7A3A955}" type="datetimeFigureOut">
               <a:rPr lang="en-DK" smtClean="0"/>
-              <a:t>08/08/2023</a:t>
+              <a:t>10/08/2023</a:t>
             </a:fld>
             <a:endParaRPr lang="en-DK"/>
           </a:p>
@@ -1419,7 +1419,7 @@
           <a:p>
             <a:fld id="{EBAEE684-E7C7-AB40-9547-67D2F7A3A955}" type="datetimeFigureOut">
               <a:rPr lang="en-DK" smtClean="0"/>
-              <a:t>08/08/2023</a:t>
+              <a:t>10/08/2023</a:t>
             </a:fld>
             <a:endParaRPr lang="en-DK"/>
           </a:p>
@@ -1834,7 +1834,7 @@
           <a:p>
             <a:fld id="{EBAEE684-E7C7-AB40-9547-67D2F7A3A955}" type="datetimeFigureOut">
               <a:rPr lang="en-DK" smtClean="0"/>
-              <a:t>08/08/2023</a:t>
+              <a:t>10/08/2023</a:t>
             </a:fld>
             <a:endParaRPr lang="en-DK"/>
           </a:p>
@@ -1976,7 +1976,7 @@
           <a:p>
             <a:fld id="{EBAEE684-E7C7-AB40-9547-67D2F7A3A955}" type="datetimeFigureOut">
               <a:rPr lang="en-DK" smtClean="0"/>
-              <a:t>08/08/2023</a:t>
+              <a:t>10/08/2023</a:t>
             </a:fld>
             <a:endParaRPr lang="en-DK"/>
           </a:p>
@@ -2089,7 +2089,7 @@
           <a:p>
             <a:fld id="{EBAEE684-E7C7-AB40-9547-67D2F7A3A955}" type="datetimeFigureOut">
               <a:rPr lang="en-DK" smtClean="0"/>
-              <a:t>08/08/2023</a:t>
+              <a:t>10/08/2023</a:t>
             </a:fld>
             <a:endParaRPr lang="en-DK"/>
           </a:p>
@@ -2402,7 +2402,7 @@
           <a:p>
             <a:fld id="{EBAEE684-E7C7-AB40-9547-67D2F7A3A955}" type="datetimeFigureOut">
               <a:rPr lang="en-DK" smtClean="0"/>
-              <a:t>08/08/2023</a:t>
+              <a:t>10/08/2023</a:t>
             </a:fld>
             <a:endParaRPr lang="en-DK"/>
           </a:p>
@@ -2691,7 +2691,7 @@
           <a:p>
             <a:fld id="{EBAEE684-E7C7-AB40-9547-67D2F7A3A955}" type="datetimeFigureOut">
               <a:rPr lang="en-DK" smtClean="0"/>
-              <a:t>08/08/2023</a:t>
+              <a:t>10/08/2023</a:t>
             </a:fld>
             <a:endParaRPr lang="en-DK"/>
           </a:p>
@@ -2934,7 +2934,7 @@
           <a:p>
             <a:fld id="{EBAEE684-E7C7-AB40-9547-67D2F7A3A955}" type="datetimeFigureOut">
               <a:rPr lang="en-DK" smtClean="0"/>
-              <a:t>08/08/2023</a:t>
+              <a:t>10/08/2023</a:t>
             </a:fld>
             <a:endParaRPr lang="en-DK"/>
           </a:p>
@@ -6597,6 +6597,35 @@
           </p:style>
         </p:cxnSp>
       </p:grpSp>
+      <p:pic>
+        <p:nvPicPr>
+          <p:cNvPr id="2" name="Picture 1">
+            <a:extLst>
+              <a:ext uri="{FF2B5EF4-FFF2-40B4-BE49-F238E27FC236}">
+                <a16:creationId xmlns:a16="http://schemas.microsoft.com/office/drawing/2014/main" id="{481D3441-C3E6-6B7B-62AF-FB9F686F9C43}"/>
+              </a:ext>
+            </a:extLst>
+          </p:cNvPr>
+          <p:cNvPicPr>
+            <a:picLocks noChangeAspect="1"/>
+          </p:cNvPicPr>
+          <p:nvPr/>
+        </p:nvPicPr>
+        <p:blipFill rotWithShape="1">
+          <a:blip r:embed="rId2"/>
+          <a:srcRect l="18698" t="10664" r="72655" b="17133"/>
+          <a:stretch/>
+        </p:blipFill>
+        <p:spPr>
+          <a:xfrm rot="16200000" flipH="1">
+            <a:off x="5679016" y="-3749199"/>
+            <a:ext cx="1399882" cy="6638329"/>
+          </a:xfrm>
+          <a:prstGeom prst="rect">
+            <a:avLst/>
+          </a:prstGeom>
+        </p:spPr>
+      </p:pic>
     </p:spTree>
     <p:extLst>
       <p:ext uri="{BB962C8B-B14F-4D97-AF65-F5344CB8AC3E}">

--- a/manuscript/figures/garry-heatmap/garry-heatmap.pptx
+++ b/manuscript/figures/garry-heatmap/garry-heatmap.pptx
@@ -9,7 +9,8 @@
     <p:sldId id="257" r:id="rId3"/>
     <p:sldId id="258" r:id="rId4"/>
     <p:sldId id="259" r:id="rId5"/>
-    <p:sldId id="260" r:id="rId6"/>
+    <p:sldId id="261" r:id="rId6"/>
+    <p:sldId id="260" r:id="rId7"/>
   </p:sldIdLst>
   <p:sldSz cx="12192000" cy="6858000"/>
   <p:notesSz cx="6858000" cy="9144000"/>
@@ -265,7 +266,7 @@
           <a:p>
             <a:fld id="{EBAEE684-E7C7-AB40-9547-67D2F7A3A955}" type="datetimeFigureOut">
               <a:rPr lang="en-DK" smtClean="0"/>
-              <a:t>10/08/2023</a:t>
+              <a:t>05/09/2023</a:t>
             </a:fld>
             <a:endParaRPr lang="en-DK"/>
           </a:p>
@@ -465,7 +466,7 @@
           <a:p>
             <a:fld id="{EBAEE684-E7C7-AB40-9547-67D2F7A3A955}" type="datetimeFigureOut">
               <a:rPr lang="en-DK" smtClean="0"/>
-              <a:t>10/08/2023</a:t>
+              <a:t>05/09/2023</a:t>
             </a:fld>
             <a:endParaRPr lang="en-DK"/>
           </a:p>
@@ -675,7 +676,7 @@
           <a:p>
             <a:fld id="{EBAEE684-E7C7-AB40-9547-67D2F7A3A955}" type="datetimeFigureOut">
               <a:rPr lang="en-DK" smtClean="0"/>
-              <a:t>10/08/2023</a:t>
+              <a:t>05/09/2023</a:t>
             </a:fld>
             <a:endParaRPr lang="en-DK"/>
           </a:p>
@@ -875,7 +876,7 @@
           <a:p>
             <a:fld id="{EBAEE684-E7C7-AB40-9547-67D2F7A3A955}" type="datetimeFigureOut">
               <a:rPr lang="en-DK" smtClean="0"/>
-              <a:t>10/08/2023</a:t>
+              <a:t>05/09/2023</a:t>
             </a:fld>
             <a:endParaRPr lang="en-DK"/>
           </a:p>
@@ -1151,7 +1152,7 @@
           <a:p>
             <a:fld id="{EBAEE684-E7C7-AB40-9547-67D2F7A3A955}" type="datetimeFigureOut">
               <a:rPr lang="en-DK" smtClean="0"/>
-              <a:t>10/08/2023</a:t>
+              <a:t>05/09/2023</a:t>
             </a:fld>
             <a:endParaRPr lang="en-DK"/>
           </a:p>
@@ -1419,7 +1420,7 @@
           <a:p>
             <a:fld id="{EBAEE684-E7C7-AB40-9547-67D2F7A3A955}" type="datetimeFigureOut">
               <a:rPr lang="en-DK" smtClean="0"/>
-              <a:t>10/08/2023</a:t>
+              <a:t>05/09/2023</a:t>
             </a:fld>
             <a:endParaRPr lang="en-DK"/>
           </a:p>
@@ -1834,7 +1835,7 @@
           <a:p>
             <a:fld id="{EBAEE684-E7C7-AB40-9547-67D2F7A3A955}" type="datetimeFigureOut">
               <a:rPr lang="en-DK" smtClean="0"/>
-              <a:t>10/08/2023</a:t>
+              <a:t>05/09/2023</a:t>
             </a:fld>
             <a:endParaRPr lang="en-DK"/>
           </a:p>
@@ -1976,7 +1977,7 @@
           <a:p>
             <a:fld id="{EBAEE684-E7C7-AB40-9547-67D2F7A3A955}" type="datetimeFigureOut">
               <a:rPr lang="en-DK" smtClean="0"/>
-              <a:t>10/08/2023</a:t>
+              <a:t>05/09/2023</a:t>
             </a:fld>
             <a:endParaRPr lang="en-DK"/>
           </a:p>
@@ -2089,7 +2090,7 @@
           <a:p>
             <a:fld id="{EBAEE684-E7C7-AB40-9547-67D2F7A3A955}" type="datetimeFigureOut">
               <a:rPr lang="en-DK" smtClean="0"/>
-              <a:t>10/08/2023</a:t>
+              <a:t>05/09/2023</a:t>
             </a:fld>
             <a:endParaRPr lang="en-DK"/>
           </a:p>
@@ -2402,7 +2403,7 @@
           <a:p>
             <a:fld id="{EBAEE684-E7C7-AB40-9547-67D2F7A3A955}" type="datetimeFigureOut">
               <a:rPr lang="en-DK" smtClean="0"/>
-              <a:t>10/08/2023</a:t>
+              <a:t>05/09/2023</a:t>
             </a:fld>
             <a:endParaRPr lang="en-DK"/>
           </a:p>
@@ -2691,7 +2692,7 @@
           <a:p>
             <a:fld id="{EBAEE684-E7C7-AB40-9547-67D2F7A3A955}" type="datetimeFigureOut">
               <a:rPr lang="en-DK" smtClean="0"/>
-              <a:t>10/08/2023</a:t>
+              <a:t>05/09/2023</a:t>
             </a:fld>
             <a:endParaRPr lang="en-DK"/>
           </a:p>
@@ -2934,7 +2935,7 @@
           <a:p>
             <a:fld id="{EBAEE684-E7C7-AB40-9547-67D2F7A3A955}" type="datetimeFigureOut">
               <a:rPr lang="en-DK" smtClean="0"/>
-              <a:t>10/08/2023</a:t>
+              <a:t>05/09/2023</a:t>
             </a:fld>
             <a:endParaRPr lang="en-DK"/>
           </a:p>
@@ -6661,6 +6662,1087 @@
           <p:cNvPr id="5" name="Picture 4">
             <a:extLst>
               <a:ext uri="{FF2B5EF4-FFF2-40B4-BE49-F238E27FC236}">
+                <a16:creationId xmlns:a16="http://schemas.microsoft.com/office/drawing/2014/main" id="{D782521E-3791-BC9C-C2F4-98F9DAF29E9C}"/>
+              </a:ext>
+            </a:extLst>
+          </p:cNvPr>
+          <p:cNvPicPr>
+            <a:picLocks noChangeAspect="1"/>
+          </p:cNvPicPr>
+          <p:nvPr/>
+        </p:nvPicPr>
+        <p:blipFill rotWithShape="1">
+          <a:blip r:embed="rId2"/>
+          <a:srcRect l="8642" t="10237" r="35464" b="6655"/>
+          <a:stretch/>
+        </p:blipFill>
+        <p:spPr>
+          <a:xfrm>
+            <a:off x="1452282" y="0"/>
+            <a:ext cx="8013195" cy="6766560"/>
+          </a:xfrm>
+          <a:prstGeom prst="rect">
+            <a:avLst/>
+          </a:prstGeom>
+        </p:spPr>
+      </p:pic>
+      <p:sp>
+        <p:nvSpPr>
+          <p:cNvPr id="6" name="TextBox 5">
+            <a:extLst>
+              <a:ext uri="{FF2B5EF4-FFF2-40B4-BE49-F238E27FC236}">
+                <a16:creationId xmlns:a16="http://schemas.microsoft.com/office/drawing/2014/main" id="{ADA9B6DE-C02A-52EE-8904-B2A5C83F78EB}"/>
+              </a:ext>
+            </a:extLst>
+          </p:cNvPr>
+          <p:cNvSpPr txBox="1"/>
+          <p:nvPr/>
+        </p:nvSpPr>
+        <p:spPr>
+          <a:xfrm>
+            <a:off x="879827" y="106836"/>
+            <a:ext cx="563488" cy="276999"/>
+          </a:xfrm>
+          <a:prstGeom prst="rect">
+            <a:avLst/>
+          </a:prstGeom>
+          <a:noFill/>
+        </p:spPr>
+        <p:txBody>
+          <a:bodyPr wrap="none" rtlCol="0">
+            <a:spAutoFit/>
+          </a:bodyPr>
+          <a:lstStyle/>
+          <a:p>
+            <a:r>
+              <a:rPr lang="en-DK" sz="1200" dirty="0"/>
+              <a:t>GTxx4</a:t>
+            </a:r>
+          </a:p>
+        </p:txBody>
+      </p:sp>
+      <p:sp>
+        <p:nvSpPr>
+          <p:cNvPr id="7" name="TextBox 6">
+            <a:extLst>
+              <a:ext uri="{FF2B5EF4-FFF2-40B4-BE49-F238E27FC236}">
+                <a16:creationId xmlns:a16="http://schemas.microsoft.com/office/drawing/2014/main" id="{B8EDEDAB-6EDF-516A-5C4A-66C17782020E}"/>
+              </a:ext>
+            </a:extLst>
+          </p:cNvPr>
+          <p:cNvSpPr txBox="1"/>
+          <p:nvPr/>
+        </p:nvSpPr>
+        <p:spPr>
+          <a:xfrm>
+            <a:off x="878455" y="2001310"/>
+            <a:ext cx="563488" cy="276999"/>
+          </a:xfrm>
+          <a:prstGeom prst="rect">
+            <a:avLst/>
+          </a:prstGeom>
+          <a:noFill/>
+        </p:spPr>
+        <p:txBody>
+          <a:bodyPr wrap="none" rtlCol="0">
+            <a:spAutoFit/>
+          </a:bodyPr>
+          <a:lstStyle/>
+          <a:p>
+            <a:r>
+              <a:rPr lang="en-DK" sz="1200" dirty="0"/>
+              <a:t>GTxx5</a:t>
+            </a:r>
+          </a:p>
+        </p:txBody>
+      </p:sp>
+      <p:sp>
+        <p:nvSpPr>
+          <p:cNvPr id="8" name="TextBox 7">
+            <a:extLst>
+              <a:ext uri="{FF2B5EF4-FFF2-40B4-BE49-F238E27FC236}">
+                <a16:creationId xmlns:a16="http://schemas.microsoft.com/office/drawing/2014/main" id="{FFA0DA12-C732-9C90-5B7F-63949275F34D}"/>
+              </a:ext>
+            </a:extLst>
+          </p:cNvPr>
+          <p:cNvSpPr txBox="1"/>
+          <p:nvPr/>
+        </p:nvSpPr>
+        <p:spPr>
+          <a:xfrm>
+            <a:off x="883625" y="2285078"/>
+            <a:ext cx="563488" cy="276999"/>
+          </a:xfrm>
+          <a:prstGeom prst="rect">
+            <a:avLst/>
+          </a:prstGeom>
+          <a:noFill/>
+        </p:spPr>
+        <p:txBody>
+          <a:bodyPr wrap="none" rtlCol="0">
+            <a:spAutoFit/>
+          </a:bodyPr>
+          <a:lstStyle/>
+          <a:p>
+            <a:r>
+              <a:rPr lang="en-DK" sz="1200" dirty="0"/>
+              <a:t>GTxx6</a:t>
+            </a:r>
+          </a:p>
+        </p:txBody>
+      </p:sp>
+      <p:sp>
+        <p:nvSpPr>
+          <p:cNvPr id="9" name="TextBox 8">
+            <a:extLst>
+              <a:ext uri="{FF2B5EF4-FFF2-40B4-BE49-F238E27FC236}">
+                <a16:creationId xmlns:a16="http://schemas.microsoft.com/office/drawing/2014/main" id="{51205F88-A470-8C94-3B2D-83AF612EDFF9}"/>
+              </a:ext>
+            </a:extLst>
+          </p:cNvPr>
+          <p:cNvSpPr txBox="1"/>
+          <p:nvPr/>
+        </p:nvSpPr>
+        <p:spPr>
+          <a:xfrm>
+            <a:off x="883625" y="2521685"/>
+            <a:ext cx="563488" cy="276999"/>
+          </a:xfrm>
+          <a:prstGeom prst="rect">
+            <a:avLst/>
+          </a:prstGeom>
+          <a:noFill/>
+        </p:spPr>
+        <p:txBody>
+          <a:bodyPr wrap="none" rtlCol="0">
+            <a:spAutoFit/>
+          </a:bodyPr>
+          <a:lstStyle/>
+          <a:p>
+            <a:r>
+              <a:rPr lang="en-DK" sz="1200" dirty="0"/>
+              <a:t>GTxx7</a:t>
+            </a:r>
+          </a:p>
+        </p:txBody>
+      </p:sp>
+      <p:sp>
+        <p:nvSpPr>
+          <p:cNvPr id="10" name="TextBox 9">
+            <a:extLst>
+              <a:ext uri="{FF2B5EF4-FFF2-40B4-BE49-F238E27FC236}">
+                <a16:creationId xmlns:a16="http://schemas.microsoft.com/office/drawing/2014/main" id="{A8E713AD-0E5E-1561-2369-918490EC862B}"/>
+              </a:ext>
+            </a:extLst>
+          </p:cNvPr>
+          <p:cNvSpPr txBox="1"/>
+          <p:nvPr/>
+        </p:nvSpPr>
+        <p:spPr>
+          <a:xfrm>
+            <a:off x="877573" y="3224239"/>
+            <a:ext cx="563488" cy="276999"/>
+          </a:xfrm>
+          <a:prstGeom prst="rect">
+            <a:avLst/>
+          </a:prstGeom>
+          <a:noFill/>
+        </p:spPr>
+        <p:txBody>
+          <a:bodyPr wrap="none" rtlCol="0">
+            <a:spAutoFit/>
+          </a:bodyPr>
+          <a:lstStyle/>
+          <a:p>
+            <a:r>
+              <a:rPr lang="en-DK" sz="1200" dirty="0"/>
+              <a:t>GTxx8</a:t>
+            </a:r>
+          </a:p>
+        </p:txBody>
+      </p:sp>
+      <p:sp>
+        <p:nvSpPr>
+          <p:cNvPr id="11" name="TextBox 10">
+            <a:extLst>
+              <a:ext uri="{FF2B5EF4-FFF2-40B4-BE49-F238E27FC236}">
+                <a16:creationId xmlns:a16="http://schemas.microsoft.com/office/drawing/2014/main" id="{083CE575-5B24-4C4E-2164-80D811865DCA}"/>
+              </a:ext>
+            </a:extLst>
+          </p:cNvPr>
+          <p:cNvSpPr txBox="1"/>
+          <p:nvPr/>
+        </p:nvSpPr>
+        <p:spPr>
+          <a:xfrm>
+            <a:off x="874217" y="3559654"/>
+            <a:ext cx="563488" cy="276999"/>
+          </a:xfrm>
+          <a:prstGeom prst="rect">
+            <a:avLst/>
+          </a:prstGeom>
+          <a:noFill/>
+        </p:spPr>
+        <p:txBody>
+          <a:bodyPr wrap="none" rtlCol="0">
+            <a:spAutoFit/>
+          </a:bodyPr>
+          <a:lstStyle/>
+          <a:p>
+            <a:r>
+              <a:rPr lang="en-DK" sz="1200" dirty="0"/>
+              <a:t>GTxx9</a:t>
+            </a:r>
+          </a:p>
+        </p:txBody>
+      </p:sp>
+      <p:sp>
+        <p:nvSpPr>
+          <p:cNvPr id="12" name="TextBox 11">
+            <a:extLst>
+              <a:ext uri="{FF2B5EF4-FFF2-40B4-BE49-F238E27FC236}">
+                <a16:creationId xmlns:a16="http://schemas.microsoft.com/office/drawing/2014/main" id="{AD9B8BE8-8773-EBEB-D573-DCE7B1586603}"/>
+              </a:ext>
+            </a:extLst>
+          </p:cNvPr>
+          <p:cNvSpPr txBox="1"/>
+          <p:nvPr/>
+        </p:nvSpPr>
+        <p:spPr>
+          <a:xfrm>
+            <a:off x="874988" y="3747488"/>
+            <a:ext cx="574709" cy="276999"/>
+          </a:xfrm>
+          <a:prstGeom prst="rect">
+            <a:avLst/>
+          </a:prstGeom>
+          <a:noFill/>
+        </p:spPr>
+        <p:txBody>
+          <a:bodyPr wrap="none" rtlCol="0">
+            <a:spAutoFit/>
+          </a:bodyPr>
+          <a:lstStyle/>
+          <a:p>
+            <a:r>
+              <a:rPr lang="en-DK" sz="1200" dirty="0"/>
+              <a:t>GTx10</a:t>
+            </a:r>
+          </a:p>
+        </p:txBody>
+      </p:sp>
+      <p:sp>
+        <p:nvSpPr>
+          <p:cNvPr id="13" name="TextBox 12">
+            <a:extLst>
+              <a:ext uri="{FF2B5EF4-FFF2-40B4-BE49-F238E27FC236}">
+                <a16:creationId xmlns:a16="http://schemas.microsoft.com/office/drawing/2014/main" id="{74351757-01EB-37EF-EF14-2FB9E332AB6A}"/>
+              </a:ext>
+            </a:extLst>
+          </p:cNvPr>
+          <p:cNvSpPr txBox="1"/>
+          <p:nvPr/>
+        </p:nvSpPr>
+        <p:spPr>
+          <a:xfrm>
+            <a:off x="874987" y="3884765"/>
+            <a:ext cx="574709" cy="276999"/>
+          </a:xfrm>
+          <a:prstGeom prst="rect">
+            <a:avLst/>
+          </a:prstGeom>
+          <a:noFill/>
+        </p:spPr>
+        <p:txBody>
+          <a:bodyPr wrap="none" rtlCol="0">
+            <a:spAutoFit/>
+          </a:bodyPr>
+          <a:lstStyle/>
+          <a:p>
+            <a:r>
+              <a:rPr lang="en-DK" sz="1200" dirty="0"/>
+              <a:t>GTx11</a:t>
+            </a:r>
+          </a:p>
+        </p:txBody>
+      </p:sp>
+      <p:sp>
+        <p:nvSpPr>
+          <p:cNvPr id="14" name="TextBox 13">
+            <a:extLst>
+              <a:ext uri="{FF2B5EF4-FFF2-40B4-BE49-F238E27FC236}">
+                <a16:creationId xmlns:a16="http://schemas.microsoft.com/office/drawing/2014/main" id="{0973C7B5-ADD5-F697-D81B-94553133FC51}"/>
+              </a:ext>
+            </a:extLst>
+          </p:cNvPr>
+          <p:cNvSpPr txBox="1"/>
+          <p:nvPr/>
+        </p:nvSpPr>
+        <p:spPr>
+          <a:xfrm>
+            <a:off x="883624" y="4230248"/>
+            <a:ext cx="574709" cy="276999"/>
+          </a:xfrm>
+          <a:prstGeom prst="rect">
+            <a:avLst/>
+          </a:prstGeom>
+          <a:noFill/>
+        </p:spPr>
+        <p:txBody>
+          <a:bodyPr wrap="none" rtlCol="0">
+            <a:spAutoFit/>
+          </a:bodyPr>
+          <a:lstStyle/>
+          <a:p>
+            <a:r>
+              <a:rPr lang="en-DK" sz="1200" dirty="0"/>
+              <a:t>GTx12</a:t>
+            </a:r>
+          </a:p>
+        </p:txBody>
+      </p:sp>
+      <p:sp>
+        <p:nvSpPr>
+          <p:cNvPr id="15" name="TextBox 14">
+            <a:extLst>
+              <a:ext uri="{FF2B5EF4-FFF2-40B4-BE49-F238E27FC236}">
+                <a16:creationId xmlns:a16="http://schemas.microsoft.com/office/drawing/2014/main" id="{572141F9-D23D-BC9E-4C83-D48B62BDF1BB}"/>
+              </a:ext>
+            </a:extLst>
+          </p:cNvPr>
+          <p:cNvSpPr txBox="1"/>
+          <p:nvPr/>
+        </p:nvSpPr>
+        <p:spPr>
+          <a:xfrm>
+            <a:off x="883624" y="4383578"/>
+            <a:ext cx="574709" cy="276999"/>
+          </a:xfrm>
+          <a:prstGeom prst="rect">
+            <a:avLst/>
+          </a:prstGeom>
+          <a:noFill/>
+        </p:spPr>
+        <p:txBody>
+          <a:bodyPr wrap="none" rtlCol="0">
+            <a:spAutoFit/>
+          </a:bodyPr>
+          <a:lstStyle/>
+          <a:p>
+            <a:r>
+              <a:rPr lang="en-DK" sz="1200" dirty="0"/>
+              <a:t>GTx13</a:t>
+            </a:r>
+          </a:p>
+        </p:txBody>
+      </p:sp>
+      <p:sp>
+        <p:nvSpPr>
+          <p:cNvPr id="16" name="TextBox 15">
+            <a:extLst>
+              <a:ext uri="{FF2B5EF4-FFF2-40B4-BE49-F238E27FC236}">
+                <a16:creationId xmlns:a16="http://schemas.microsoft.com/office/drawing/2014/main" id="{D53928CB-E03E-5DC2-47CA-60DE324F75BA}"/>
+              </a:ext>
+            </a:extLst>
+          </p:cNvPr>
+          <p:cNvSpPr txBox="1"/>
+          <p:nvPr/>
+        </p:nvSpPr>
+        <p:spPr>
+          <a:xfrm>
+            <a:off x="883623" y="4941197"/>
+            <a:ext cx="574709" cy="276999"/>
+          </a:xfrm>
+          <a:prstGeom prst="rect">
+            <a:avLst/>
+          </a:prstGeom>
+          <a:noFill/>
+        </p:spPr>
+        <p:txBody>
+          <a:bodyPr wrap="none" rtlCol="0">
+            <a:spAutoFit/>
+          </a:bodyPr>
+          <a:lstStyle/>
+          <a:p>
+            <a:r>
+              <a:rPr lang="en-DK" sz="1200" dirty="0"/>
+              <a:t>GTx14</a:t>
+            </a:r>
+          </a:p>
+        </p:txBody>
+      </p:sp>
+      <p:sp>
+        <p:nvSpPr>
+          <p:cNvPr id="17" name="TextBox 16">
+            <a:extLst>
+              <a:ext uri="{FF2B5EF4-FFF2-40B4-BE49-F238E27FC236}">
+                <a16:creationId xmlns:a16="http://schemas.microsoft.com/office/drawing/2014/main" id="{ED4908BA-7D0E-8083-9FCB-6A6265ADDB2A}"/>
+              </a:ext>
+            </a:extLst>
+          </p:cNvPr>
+          <p:cNvSpPr txBox="1"/>
+          <p:nvPr/>
+        </p:nvSpPr>
+        <p:spPr>
+          <a:xfrm>
+            <a:off x="886208" y="5213234"/>
+            <a:ext cx="574709" cy="276999"/>
+          </a:xfrm>
+          <a:prstGeom prst="rect">
+            <a:avLst/>
+          </a:prstGeom>
+          <a:noFill/>
+        </p:spPr>
+        <p:txBody>
+          <a:bodyPr wrap="none" rtlCol="0">
+            <a:spAutoFit/>
+          </a:bodyPr>
+          <a:lstStyle/>
+          <a:p>
+            <a:r>
+              <a:rPr lang="en-DK" sz="1200" dirty="0"/>
+              <a:t>GTx15</a:t>
+            </a:r>
+          </a:p>
+        </p:txBody>
+      </p:sp>
+      <p:sp>
+        <p:nvSpPr>
+          <p:cNvPr id="18" name="TextBox 17">
+            <a:extLst>
+              <a:ext uri="{FF2B5EF4-FFF2-40B4-BE49-F238E27FC236}">
+                <a16:creationId xmlns:a16="http://schemas.microsoft.com/office/drawing/2014/main" id="{12ABEE40-287B-DCC3-32B5-6BE7612373CF}"/>
+              </a:ext>
+            </a:extLst>
+          </p:cNvPr>
+          <p:cNvSpPr txBox="1"/>
+          <p:nvPr/>
+        </p:nvSpPr>
+        <p:spPr>
+          <a:xfrm>
+            <a:off x="874217" y="5511593"/>
+            <a:ext cx="574709" cy="276999"/>
+          </a:xfrm>
+          <a:prstGeom prst="rect">
+            <a:avLst/>
+          </a:prstGeom>
+          <a:noFill/>
+        </p:spPr>
+        <p:txBody>
+          <a:bodyPr wrap="none" rtlCol="0">
+            <a:spAutoFit/>
+          </a:bodyPr>
+          <a:lstStyle/>
+          <a:p>
+            <a:r>
+              <a:rPr lang="en-DK" sz="1200" dirty="0"/>
+              <a:t>GTx16</a:t>
+            </a:r>
+          </a:p>
+        </p:txBody>
+      </p:sp>
+      <p:sp>
+        <p:nvSpPr>
+          <p:cNvPr id="19" name="TextBox 18">
+            <a:extLst>
+              <a:ext uri="{FF2B5EF4-FFF2-40B4-BE49-F238E27FC236}">
+                <a16:creationId xmlns:a16="http://schemas.microsoft.com/office/drawing/2014/main" id="{87BEA185-1C4F-AF70-18E1-5A7561D98557}"/>
+              </a:ext>
+            </a:extLst>
+          </p:cNvPr>
+          <p:cNvSpPr txBox="1"/>
+          <p:nvPr/>
+        </p:nvSpPr>
+        <p:spPr>
+          <a:xfrm>
+            <a:off x="883623" y="6036918"/>
+            <a:ext cx="574709" cy="276999"/>
+          </a:xfrm>
+          <a:prstGeom prst="rect">
+            <a:avLst/>
+          </a:prstGeom>
+          <a:noFill/>
+        </p:spPr>
+        <p:txBody>
+          <a:bodyPr wrap="none" rtlCol="0">
+            <a:spAutoFit/>
+          </a:bodyPr>
+          <a:lstStyle/>
+          <a:p>
+            <a:r>
+              <a:rPr lang="en-DK" sz="1200" dirty="0"/>
+              <a:t>GTx17</a:t>
+            </a:r>
+          </a:p>
+        </p:txBody>
+      </p:sp>
+      <p:cxnSp>
+        <p:nvCxnSpPr>
+          <p:cNvPr id="20" name="Straight Connector 19">
+            <a:extLst>
+              <a:ext uri="{FF2B5EF4-FFF2-40B4-BE49-F238E27FC236}">
+                <a16:creationId xmlns:a16="http://schemas.microsoft.com/office/drawing/2014/main" id="{F6B95004-EB24-6CCD-5390-F1C96F2D9A34}"/>
+              </a:ext>
+            </a:extLst>
+          </p:cNvPr>
+          <p:cNvCxnSpPr>
+            <a:cxnSpLocks/>
+          </p:cNvCxnSpPr>
+          <p:nvPr/>
+        </p:nvCxnSpPr>
+        <p:spPr>
+          <a:xfrm>
+            <a:off x="2950082" y="167742"/>
+            <a:ext cx="6371718" cy="0"/>
+          </a:xfrm>
+          <a:prstGeom prst="line">
+            <a:avLst/>
+          </a:prstGeom>
+        </p:spPr>
+        <p:style>
+          <a:lnRef idx="1">
+            <a:schemeClr val="accent1"/>
+          </a:lnRef>
+          <a:fillRef idx="0">
+            <a:schemeClr val="accent1"/>
+          </a:fillRef>
+          <a:effectRef idx="0">
+            <a:schemeClr val="accent1"/>
+          </a:effectRef>
+          <a:fontRef idx="minor">
+            <a:schemeClr val="tx1"/>
+          </a:fontRef>
+        </p:style>
+      </p:cxnSp>
+      <p:cxnSp>
+        <p:nvCxnSpPr>
+          <p:cNvPr id="25" name="Straight Connector 24">
+            <a:extLst>
+              <a:ext uri="{FF2B5EF4-FFF2-40B4-BE49-F238E27FC236}">
+                <a16:creationId xmlns:a16="http://schemas.microsoft.com/office/drawing/2014/main" id="{B5267F3D-4D5E-C886-E7F7-C30D11C5093A}"/>
+              </a:ext>
+            </a:extLst>
+          </p:cNvPr>
+          <p:cNvCxnSpPr>
+            <a:cxnSpLocks/>
+          </p:cNvCxnSpPr>
+          <p:nvPr/>
+        </p:nvCxnSpPr>
+        <p:spPr>
+          <a:xfrm>
+            <a:off x="2945868" y="6538087"/>
+            <a:ext cx="6375932" cy="0"/>
+          </a:xfrm>
+          <a:prstGeom prst="line">
+            <a:avLst/>
+          </a:prstGeom>
+        </p:spPr>
+        <p:style>
+          <a:lnRef idx="1">
+            <a:schemeClr val="accent1"/>
+          </a:lnRef>
+          <a:fillRef idx="0">
+            <a:schemeClr val="accent1"/>
+          </a:fillRef>
+          <a:effectRef idx="0">
+            <a:schemeClr val="accent1"/>
+          </a:effectRef>
+          <a:fontRef idx="minor">
+            <a:schemeClr val="tx1"/>
+          </a:fontRef>
+        </p:style>
+      </p:cxnSp>
+      <p:cxnSp>
+        <p:nvCxnSpPr>
+          <p:cNvPr id="31" name="Straight Connector 30">
+            <a:extLst>
+              <a:ext uri="{FF2B5EF4-FFF2-40B4-BE49-F238E27FC236}">
+                <a16:creationId xmlns:a16="http://schemas.microsoft.com/office/drawing/2014/main" id="{E50D1318-1B98-056D-4D49-28A03356C70F}"/>
+              </a:ext>
+            </a:extLst>
+          </p:cNvPr>
+          <p:cNvCxnSpPr>
+            <a:cxnSpLocks/>
+          </p:cNvCxnSpPr>
+          <p:nvPr/>
+        </p:nvCxnSpPr>
+        <p:spPr>
+          <a:xfrm>
+            <a:off x="2950082" y="2001310"/>
+            <a:ext cx="6371718" cy="0"/>
+          </a:xfrm>
+          <a:prstGeom prst="line">
+            <a:avLst/>
+          </a:prstGeom>
+        </p:spPr>
+        <p:style>
+          <a:lnRef idx="1">
+            <a:schemeClr val="accent1"/>
+          </a:lnRef>
+          <a:fillRef idx="0">
+            <a:schemeClr val="accent1"/>
+          </a:fillRef>
+          <a:effectRef idx="0">
+            <a:schemeClr val="accent1"/>
+          </a:effectRef>
+          <a:fontRef idx="minor">
+            <a:schemeClr val="tx1"/>
+          </a:fontRef>
+        </p:style>
+      </p:cxnSp>
+      <p:cxnSp>
+        <p:nvCxnSpPr>
+          <p:cNvPr id="32" name="Straight Connector 31">
+            <a:extLst>
+              <a:ext uri="{FF2B5EF4-FFF2-40B4-BE49-F238E27FC236}">
+                <a16:creationId xmlns:a16="http://schemas.microsoft.com/office/drawing/2014/main" id="{F11CAA04-645A-9DF3-736D-1E3E85345E0C}"/>
+              </a:ext>
+            </a:extLst>
+          </p:cNvPr>
+          <p:cNvCxnSpPr>
+            <a:cxnSpLocks/>
+          </p:cNvCxnSpPr>
+          <p:nvPr/>
+        </p:nvCxnSpPr>
+        <p:spPr>
+          <a:xfrm>
+            <a:off x="2950082" y="2294302"/>
+            <a:ext cx="6371718" cy="0"/>
+          </a:xfrm>
+          <a:prstGeom prst="line">
+            <a:avLst/>
+          </a:prstGeom>
+        </p:spPr>
+        <p:style>
+          <a:lnRef idx="1">
+            <a:schemeClr val="accent1"/>
+          </a:lnRef>
+          <a:fillRef idx="0">
+            <a:schemeClr val="accent1"/>
+          </a:fillRef>
+          <a:effectRef idx="0">
+            <a:schemeClr val="accent1"/>
+          </a:effectRef>
+          <a:fontRef idx="minor">
+            <a:schemeClr val="tx1"/>
+          </a:fontRef>
+        </p:style>
+      </p:cxnSp>
+      <p:cxnSp>
+        <p:nvCxnSpPr>
+          <p:cNvPr id="33" name="Straight Connector 32">
+            <a:extLst>
+              <a:ext uri="{FF2B5EF4-FFF2-40B4-BE49-F238E27FC236}">
+                <a16:creationId xmlns:a16="http://schemas.microsoft.com/office/drawing/2014/main" id="{93EB44C4-2F1E-C274-DE65-E059EF504FA1}"/>
+              </a:ext>
+            </a:extLst>
+          </p:cNvPr>
+          <p:cNvCxnSpPr>
+            <a:cxnSpLocks/>
+          </p:cNvCxnSpPr>
+          <p:nvPr/>
+        </p:nvCxnSpPr>
+        <p:spPr>
+          <a:xfrm>
+            <a:off x="2945868" y="2581265"/>
+            <a:ext cx="6371718" cy="0"/>
+          </a:xfrm>
+          <a:prstGeom prst="line">
+            <a:avLst/>
+          </a:prstGeom>
+        </p:spPr>
+        <p:style>
+          <a:lnRef idx="1">
+            <a:schemeClr val="accent1"/>
+          </a:lnRef>
+          <a:fillRef idx="0">
+            <a:schemeClr val="accent1"/>
+          </a:fillRef>
+          <a:effectRef idx="0">
+            <a:schemeClr val="accent1"/>
+          </a:effectRef>
+          <a:fontRef idx="minor">
+            <a:schemeClr val="tx1"/>
+          </a:fontRef>
+        </p:style>
+      </p:cxnSp>
+      <p:cxnSp>
+        <p:nvCxnSpPr>
+          <p:cNvPr id="34" name="Straight Connector 33">
+            <a:extLst>
+              <a:ext uri="{FF2B5EF4-FFF2-40B4-BE49-F238E27FC236}">
+                <a16:creationId xmlns:a16="http://schemas.microsoft.com/office/drawing/2014/main" id="{4FAA307D-451C-A06C-37F7-7B911CE541F8}"/>
+              </a:ext>
+            </a:extLst>
+          </p:cNvPr>
+          <p:cNvCxnSpPr>
+            <a:cxnSpLocks/>
+          </p:cNvCxnSpPr>
+          <p:nvPr/>
+        </p:nvCxnSpPr>
+        <p:spPr>
+          <a:xfrm>
+            <a:off x="2945868" y="3207910"/>
+            <a:ext cx="6371718" cy="0"/>
+          </a:xfrm>
+          <a:prstGeom prst="line">
+            <a:avLst/>
+          </a:prstGeom>
+        </p:spPr>
+        <p:style>
+          <a:lnRef idx="1">
+            <a:schemeClr val="accent1"/>
+          </a:lnRef>
+          <a:fillRef idx="0">
+            <a:schemeClr val="accent1"/>
+          </a:fillRef>
+          <a:effectRef idx="0">
+            <a:schemeClr val="accent1"/>
+          </a:effectRef>
+          <a:fontRef idx="minor">
+            <a:schemeClr val="tx1"/>
+          </a:fontRef>
+        </p:style>
+      </p:cxnSp>
+      <p:cxnSp>
+        <p:nvCxnSpPr>
+          <p:cNvPr id="35" name="Straight Connector 34">
+            <a:extLst>
+              <a:ext uri="{FF2B5EF4-FFF2-40B4-BE49-F238E27FC236}">
+                <a16:creationId xmlns:a16="http://schemas.microsoft.com/office/drawing/2014/main" id="{472A5147-E30A-8269-EBC9-ADC9DFC28595}"/>
+              </a:ext>
+            </a:extLst>
+          </p:cNvPr>
+          <p:cNvCxnSpPr>
+            <a:cxnSpLocks/>
+          </p:cNvCxnSpPr>
+          <p:nvPr/>
+        </p:nvCxnSpPr>
+        <p:spPr>
+          <a:xfrm>
+            <a:off x="2945868" y="3594352"/>
+            <a:ext cx="6371718" cy="0"/>
+          </a:xfrm>
+          <a:prstGeom prst="line">
+            <a:avLst/>
+          </a:prstGeom>
+        </p:spPr>
+        <p:style>
+          <a:lnRef idx="1">
+            <a:schemeClr val="accent1"/>
+          </a:lnRef>
+          <a:fillRef idx="0">
+            <a:schemeClr val="accent1"/>
+          </a:fillRef>
+          <a:effectRef idx="0">
+            <a:schemeClr val="accent1"/>
+          </a:effectRef>
+          <a:fontRef idx="minor">
+            <a:schemeClr val="tx1"/>
+          </a:fontRef>
+        </p:style>
+      </p:cxnSp>
+      <p:cxnSp>
+        <p:nvCxnSpPr>
+          <p:cNvPr id="36" name="Straight Connector 35">
+            <a:extLst>
+              <a:ext uri="{FF2B5EF4-FFF2-40B4-BE49-F238E27FC236}">
+                <a16:creationId xmlns:a16="http://schemas.microsoft.com/office/drawing/2014/main" id="{F9E80315-C73B-DD28-3C48-2413B70BCBBE}"/>
+              </a:ext>
+            </a:extLst>
+          </p:cNvPr>
+          <p:cNvCxnSpPr>
+            <a:cxnSpLocks/>
+          </p:cNvCxnSpPr>
+          <p:nvPr/>
+        </p:nvCxnSpPr>
+        <p:spPr>
+          <a:xfrm>
+            <a:off x="2951311" y="3838719"/>
+            <a:ext cx="6371718" cy="0"/>
+          </a:xfrm>
+          <a:prstGeom prst="line">
+            <a:avLst/>
+          </a:prstGeom>
+        </p:spPr>
+        <p:style>
+          <a:lnRef idx="1">
+            <a:schemeClr val="accent1"/>
+          </a:lnRef>
+          <a:fillRef idx="0">
+            <a:schemeClr val="accent1"/>
+          </a:fillRef>
+          <a:effectRef idx="0">
+            <a:schemeClr val="accent1"/>
+          </a:effectRef>
+          <a:fontRef idx="minor">
+            <a:schemeClr val="tx1"/>
+          </a:fontRef>
+        </p:style>
+      </p:cxnSp>
+      <p:cxnSp>
+        <p:nvCxnSpPr>
+          <p:cNvPr id="37" name="Straight Connector 36">
+            <a:extLst>
+              <a:ext uri="{FF2B5EF4-FFF2-40B4-BE49-F238E27FC236}">
+                <a16:creationId xmlns:a16="http://schemas.microsoft.com/office/drawing/2014/main" id="{D5A29C99-877C-D0D1-A00A-12FB790483D2}"/>
+              </a:ext>
+            </a:extLst>
+          </p:cNvPr>
+          <p:cNvCxnSpPr>
+            <a:cxnSpLocks/>
+          </p:cNvCxnSpPr>
+          <p:nvPr/>
+        </p:nvCxnSpPr>
+        <p:spPr>
+          <a:xfrm>
+            <a:off x="2945868" y="3931248"/>
+            <a:ext cx="6371718" cy="0"/>
+          </a:xfrm>
+          <a:prstGeom prst="line">
+            <a:avLst/>
+          </a:prstGeom>
+        </p:spPr>
+        <p:style>
+          <a:lnRef idx="1">
+            <a:schemeClr val="accent1"/>
+          </a:lnRef>
+          <a:fillRef idx="0">
+            <a:schemeClr val="accent1"/>
+          </a:fillRef>
+          <a:effectRef idx="0">
+            <a:schemeClr val="accent1"/>
+          </a:effectRef>
+          <a:fontRef idx="minor">
+            <a:schemeClr val="tx1"/>
+          </a:fontRef>
+        </p:style>
+      </p:cxnSp>
+      <p:cxnSp>
+        <p:nvCxnSpPr>
+          <p:cNvPr id="38" name="Straight Connector 37">
+            <a:extLst>
+              <a:ext uri="{FF2B5EF4-FFF2-40B4-BE49-F238E27FC236}">
+                <a16:creationId xmlns:a16="http://schemas.microsoft.com/office/drawing/2014/main" id="{775E2933-58D6-54D3-9156-E288CA0B8286}"/>
+              </a:ext>
+            </a:extLst>
+          </p:cNvPr>
+          <p:cNvCxnSpPr>
+            <a:cxnSpLocks/>
+          </p:cNvCxnSpPr>
+          <p:nvPr/>
+        </p:nvCxnSpPr>
+        <p:spPr>
+          <a:xfrm>
+            <a:off x="2945868" y="4317691"/>
+            <a:ext cx="6371718" cy="0"/>
+          </a:xfrm>
+          <a:prstGeom prst="line">
+            <a:avLst/>
+          </a:prstGeom>
+        </p:spPr>
+        <p:style>
+          <a:lnRef idx="1">
+            <a:schemeClr val="accent1"/>
+          </a:lnRef>
+          <a:fillRef idx="0">
+            <a:schemeClr val="accent1"/>
+          </a:fillRef>
+          <a:effectRef idx="0">
+            <a:schemeClr val="accent1"/>
+          </a:effectRef>
+          <a:fontRef idx="minor">
+            <a:schemeClr val="tx1"/>
+          </a:fontRef>
+        </p:style>
+      </p:cxnSp>
+      <p:cxnSp>
+        <p:nvCxnSpPr>
+          <p:cNvPr id="39" name="Straight Connector 38">
+            <a:extLst>
+              <a:ext uri="{FF2B5EF4-FFF2-40B4-BE49-F238E27FC236}">
+                <a16:creationId xmlns:a16="http://schemas.microsoft.com/office/drawing/2014/main" id="{3C51A298-BCD6-7C1B-1FFE-6935BA7563E9}"/>
+              </a:ext>
+            </a:extLst>
+          </p:cNvPr>
+          <p:cNvCxnSpPr>
+            <a:cxnSpLocks/>
+          </p:cNvCxnSpPr>
+          <p:nvPr/>
+        </p:nvCxnSpPr>
+        <p:spPr>
+          <a:xfrm>
+            <a:off x="2945868" y="4991689"/>
+            <a:ext cx="6371718" cy="0"/>
+          </a:xfrm>
+          <a:prstGeom prst="line">
+            <a:avLst/>
+          </a:prstGeom>
+        </p:spPr>
+        <p:style>
+          <a:lnRef idx="1">
+            <a:schemeClr val="accent1"/>
+          </a:lnRef>
+          <a:fillRef idx="0">
+            <a:schemeClr val="accent1"/>
+          </a:fillRef>
+          <a:effectRef idx="0">
+            <a:schemeClr val="accent1"/>
+          </a:effectRef>
+          <a:fontRef idx="minor">
+            <a:schemeClr val="tx1"/>
+          </a:fontRef>
+        </p:style>
+      </p:cxnSp>
+      <p:cxnSp>
+        <p:nvCxnSpPr>
+          <p:cNvPr id="40" name="Straight Connector 39">
+            <a:extLst>
+              <a:ext uri="{FF2B5EF4-FFF2-40B4-BE49-F238E27FC236}">
+                <a16:creationId xmlns:a16="http://schemas.microsoft.com/office/drawing/2014/main" id="{35C999C2-6ABF-8282-9094-00EBA5C52626}"/>
+              </a:ext>
+            </a:extLst>
+          </p:cNvPr>
+          <p:cNvCxnSpPr>
+            <a:cxnSpLocks/>
+          </p:cNvCxnSpPr>
+          <p:nvPr/>
+        </p:nvCxnSpPr>
+        <p:spPr>
+          <a:xfrm>
+            <a:off x="2945868" y="5236617"/>
+            <a:ext cx="6371718" cy="0"/>
+          </a:xfrm>
+          <a:prstGeom prst="line">
+            <a:avLst/>
+          </a:prstGeom>
+        </p:spPr>
+        <p:style>
+          <a:lnRef idx="1">
+            <a:schemeClr val="accent1"/>
+          </a:lnRef>
+          <a:fillRef idx="0">
+            <a:schemeClr val="accent1"/>
+          </a:fillRef>
+          <a:effectRef idx="0">
+            <a:schemeClr val="accent1"/>
+          </a:effectRef>
+          <a:fontRef idx="minor">
+            <a:schemeClr val="tx1"/>
+          </a:fontRef>
+        </p:style>
+      </p:cxnSp>
+      <p:cxnSp>
+        <p:nvCxnSpPr>
+          <p:cNvPr id="41" name="Straight Connector 40">
+            <a:extLst>
+              <a:ext uri="{FF2B5EF4-FFF2-40B4-BE49-F238E27FC236}">
+                <a16:creationId xmlns:a16="http://schemas.microsoft.com/office/drawing/2014/main" id="{C58740C8-762F-E7DC-D296-0F29419F89A5}"/>
+              </a:ext>
+            </a:extLst>
+          </p:cNvPr>
+          <p:cNvCxnSpPr>
+            <a:cxnSpLocks/>
+          </p:cNvCxnSpPr>
+          <p:nvPr/>
+        </p:nvCxnSpPr>
+        <p:spPr>
+          <a:xfrm>
+            <a:off x="2949826" y="5572093"/>
+            <a:ext cx="6371718" cy="0"/>
+          </a:xfrm>
+          <a:prstGeom prst="line">
+            <a:avLst/>
+          </a:prstGeom>
+        </p:spPr>
+        <p:style>
+          <a:lnRef idx="1">
+            <a:schemeClr val="accent1"/>
+          </a:lnRef>
+          <a:fillRef idx="0">
+            <a:schemeClr val="accent1"/>
+          </a:fillRef>
+          <a:effectRef idx="0">
+            <a:schemeClr val="accent1"/>
+          </a:effectRef>
+          <a:fontRef idx="minor">
+            <a:schemeClr val="tx1"/>
+          </a:fontRef>
+        </p:style>
+      </p:cxnSp>
+      <p:cxnSp>
+        <p:nvCxnSpPr>
+          <p:cNvPr id="42" name="Straight Connector 41">
+            <a:extLst>
+              <a:ext uri="{FF2B5EF4-FFF2-40B4-BE49-F238E27FC236}">
+                <a16:creationId xmlns:a16="http://schemas.microsoft.com/office/drawing/2014/main" id="{AE8E5526-2C38-B4D0-34C1-7CEDD3A0B2B4}"/>
+              </a:ext>
+            </a:extLst>
+          </p:cNvPr>
+          <p:cNvCxnSpPr>
+            <a:cxnSpLocks/>
+          </p:cNvCxnSpPr>
+          <p:nvPr/>
+        </p:nvCxnSpPr>
+        <p:spPr>
+          <a:xfrm>
+            <a:off x="2949826" y="6005543"/>
+            <a:ext cx="6371718" cy="0"/>
+          </a:xfrm>
+          <a:prstGeom prst="line">
+            <a:avLst/>
+          </a:prstGeom>
+        </p:spPr>
+        <p:style>
+          <a:lnRef idx="1">
+            <a:schemeClr val="accent1"/>
+          </a:lnRef>
+          <a:fillRef idx="0">
+            <a:schemeClr val="accent1"/>
+          </a:fillRef>
+          <a:effectRef idx="0">
+            <a:schemeClr val="accent1"/>
+          </a:effectRef>
+          <a:fontRef idx="minor">
+            <a:schemeClr val="tx1"/>
+          </a:fontRef>
+        </p:style>
+      </p:cxnSp>
+    </p:spTree>
+    <p:extLst>
+      <p:ext uri="{BB962C8B-B14F-4D97-AF65-F5344CB8AC3E}">
+        <p14:creationId xmlns:p14="http://schemas.microsoft.com/office/powerpoint/2010/main" val="1920804280"/>
+      </p:ext>
+    </p:extLst>
+  </p:cSld>
+  <p:clrMapOvr>
+    <a:masterClrMapping/>
+  </p:clrMapOvr>
+</p:sld>
+</file>
+
+<file path=ppt/slides/slide6.xml><?xml version="1.0" encoding="utf-8"?>
+<p:sld xmlns:a="http://schemas.openxmlformats.org/drawingml/2006/main" xmlns:r="http://schemas.openxmlformats.org/officeDocument/2006/relationships" xmlns:p="http://schemas.openxmlformats.org/presentationml/2006/main">
+  <p:cSld>
+    <p:spTree>
+      <p:nvGrpSpPr>
+        <p:cNvPr id="1" name=""/>
+        <p:cNvGrpSpPr/>
+        <p:nvPr/>
+      </p:nvGrpSpPr>
+      <p:grpSpPr>
+        <a:xfrm>
+          <a:off x="0" y="0"/>
+          <a:ext cx="0" cy="0"/>
+          <a:chOff x="0" y="0"/>
+          <a:chExt cx="0" cy="0"/>
+        </a:xfrm>
+      </p:grpSpPr>
+      <p:pic>
+        <p:nvPicPr>
+          <p:cNvPr id="5" name="Picture 4">
+            <a:extLst>
+              <a:ext uri="{FF2B5EF4-FFF2-40B4-BE49-F238E27FC236}">
                 <a16:creationId xmlns:a16="http://schemas.microsoft.com/office/drawing/2014/main" id="{7C09CFA9-FF34-48D1-3BB1-504BBB272926}"/>
               </a:ext>
             </a:extLst>

--- a/manuscript/figures/garry-heatmap/garry-heatmap.pptx
+++ b/manuscript/figures/garry-heatmap/garry-heatmap.pptx
@@ -10,7 +10,8 @@
     <p:sldId id="258" r:id="rId4"/>
     <p:sldId id="259" r:id="rId5"/>
     <p:sldId id="261" r:id="rId6"/>
-    <p:sldId id="260" r:id="rId7"/>
+    <p:sldId id="262" r:id="rId7"/>
+    <p:sldId id="260" r:id="rId8"/>
   </p:sldIdLst>
   <p:sldSz cx="12192000" cy="6858000"/>
   <p:notesSz cx="6858000" cy="9144000"/>
@@ -266,7 +267,7 @@
           <a:p>
             <a:fld id="{EBAEE684-E7C7-AB40-9547-67D2F7A3A955}" type="datetimeFigureOut">
               <a:rPr lang="en-DK" smtClean="0"/>
-              <a:t>05/09/2023</a:t>
+              <a:t>01/12/2023</a:t>
             </a:fld>
             <a:endParaRPr lang="en-DK"/>
           </a:p>
@@ -466,7 +467,7 @@
           <a:p>
             <a:fld id="{EBAEE684-E7C7-AB40-9547-67D2F7A3A955}" type="datetimeFigureOut">
               <a:rPr lang="en-DK" smtClean="0"/>
-              <a:t>05/09/2023</a:t>
+              <a:t>01/12/2023</a:t>
             </a:fld>
             <a:endParaRPr lang="en-DK"/>
           </a:p>
@@ -676,7 +677,7 @@
           <a:p>
             <a:fld id="{EBAEE684-E7C7-AB40-9547-67D2F7A3A955}" type="datetimeFigureOut">
               <a:rPr lang="en-DK" smtClean="0"/>
-              <a:t>05/09/2023</a:t>
+              <a:t>01/12/2023</a:t>
             </a:fld>
             <a:endParaRPr lang="en-DK"/>
           </a:p>
@@ -876,7 +877,7 @@
           <a:p>
             <a:fld id="{EBAEE684-E7C7-AB40-9547-67D2F7A3A955}" type="datetimeFigureOut">
               <a:rPr lang="en-DK" smtClean="0"/>
-              <a:t>05/09/2023</a:t>
+              <a:t>01/12/2023</a:t>
             </a:fld>
             <a:endParaRPr lang="en-DK"/>
           </a:p>
@@ -1152,7 +1153,7 @@
           <a:p>
             <a:fld id="{EBAEE684-E7C7-AB40-9547-67D2F7A3A955}" type="datetimeFigureOut">
               <a:rPr lang="en-DK" smtClean="0"/>
-              <a:t>05/09/2023</a:t>
+              <a:t>01/12/2023</a:t>
             </a:fld>
             <a:endParaRPr lang="en-DK"/>
           </a:p>
@@ -1420,7 +1421,7 @@
           <a:p>
             <a:fld id="{EBAEE684-E7C7-AB40-9547-67D2F7A3A955}" type="datetimeFigureOut">
               <a:rPr lang="en-DK" smtClean="0"/>
-              <a:t>05/09/2023</a:t>
+              <a:t>01/12/2023</a:t>
             </a:fld>
             <a:endParaRPr lang="en-DK"/>
           </a:p>
@@ -1835,7 +1836,7 @@
           <a:p>
             <a:fld id="{EBAEE684-E7C7-AB40-9547-67D2F7A3A955}" type="datetimeFigureOut">
               <a:rPr lang="en-DK" smtClean="0"/>
-              <a:t>05/09/2023</a:t>
+              <a:t>01/12/2023</a:t>
             </a:fld>
             <a:endParaRPr lang="en-DK"/>
           </a:p>
@@ -1977,7 +1978,7 @@
           <a:p>
             <a:fld id="{EBAEE684-E7C7-AB40-9547-67D2F7A3A955}" type="datetimeFigureOut">
               <a:rPr lang="en-DK" smtClean="0"/>
-              <a:t>05/09/2023</a:t>
+              <a:t>01/12/2023</a:t>
             </a:fld>
             <a:endParaRPr lang="en-DK"/>
           </a:p>
@@ -2090,7 +2091,7 @@
           <a:p>
             <a:fld id="{EBAEE684-E7C7-AB40-9547-67D2F7A3A955}" type="datetimeFigureOut">
               <a:rPr lang="en-DK" smtClean="0"/>
-              <a:t>05/09/2023</a:t>
+              <a:t>01/12/2023</a:t>
             </a:fld>
             <a:endParaRPr lang="en-DK"/>
           </a:p>
@@ -2403,7 +2404,7 @@
           <a:p>
             <a:fld id="{EBAEE684-E7C7-AB40-9547-67D2F7A3A955}" type="datetimeFigureOut">
               <a:rPr lang="en-DK" smtClean="0"/>
-              <a:t>05/09/2023</a:t>
+              <a:t>01/12/2023</a:t>
             </a:fld>
             <a:endParaRPr lang="en-DK"/>
           </a:p>
@@ -2692,7 +2693,7 @@
           <a:p>
             <a:fld id="{EBAEE684-E7C7-AB40-9547-67D2F7A3A955}" type="datetimeFigureOut">
               <a:rPr lang="en-DK" smtClean="0"/>
-              <a:t>05/09/2023</a:t>
+              <a:t>01/12/2023</a:t>
             </a:fld>
             <a:endParaRPr lang="en-DK"/>
           </a:p>
@@ -2935,7 +2936,7 @@
           <a:p>
             <a:fld id="{EBAEE684-E7C7-AB40-9547-67D2F7A3A955}" type="datetimeFigureOut">
               <a:rPr lang="en-DK" smtClean="0"/>
-              <a:t>05/09/2023</a:t>
+              <a:t>01/12/2023</a:t>
             </a:fld>
             <a:endParaRPr lang="en-DK"/>
           </a:p>
@@ -7740,6 +7741,1125 @@
       </p:grpSpPr>
       <p:pic>
         <p:nvPicPr>
+          <p:cNvPr id="3" name="Picture 2">
+            <a:extLst>
+              <a:ext uri="{FF2B5EF4-FFF2-40B4-BE49-F238E27FC236}">
+                <a16:creationId xmlns:a16="http://schemas.microsoft.com/office/drawing/2014/main" id="{FD2AD9C9-956F-AE37-4B34-D5A976BE625D}"/>
+              </a:ext>
+            </a:extLst>
+          </p:cNvPr>
+          <p:cNvPicPr>
+            <a:picLocks noChangeAspect="1"/>
+          </p:cNvPicPr>
+          <p:nvPr/>
+        </p:nvPicPr>
+        <p:blipFill rotWithShape="1">
+          <a:blip r:embed="rId2"/>
+          <a:srcRect l="13905" t="2071" r="31286" b="6339"/>
+          <a:stretch/>
+        </p:blipFill>
+        <p:spPr>
+          <a:xfrm>
+            <a:off x="2173045" y="-237655"/>
+            <a:ext cx="7315207" cy="6943924"/>
+          </a:xfrm>
+          <a:prstGeom prst="rect">
+            <a:avLst/>
+          </a:prstGeom>
+        </p:spPr>
+      </p:pic>
+      <p:sp>
+        <p:nvSpPr>
+          <p:cNvPr id="6" name="TextBox 5">
+            <a:extLst>
+              <a:ext uri="{FF2B5EF4-FFF2-40B4-BE49-F238E27FC236}">
+                <a16:creationId xmlns:a16="http://schemas.microsoft.com/office/drawing/2014/main" id="{ADA9B6DE-C02A-52EE-8904-B2A5C83F78EB}"/>
+              </a:ext>
+            </a:extLst>
+          </p:cNvPr>
+          <p:cNvSpPr txBox="1"/>
+          <p:nvPr/>
+        </p:nvSpPr>
+        <p:spPr>
+          <a:xfrm>
+            <a:off x="1620606" y="106836"/>
+            <a:ext cx="563488" cy="276999"/>
+          </a:xfrm>
+          <a:prstGeom prst="rect">
+            <a:avLst/>
+          </a:prstGeom>
+          <a:noFill/>
+        </p:spPr>
+        <p:txBody>
+          <a:bodyPr wrap="none" rtlCol="0">
+            <a:spAutoFit/>
+          </a:bodyPr>
+          <a:lstStyle/>
+          <a:p>
+            <a:r>
+              <a:rPr lang="en-DK" sz="1200" dirty="0"/>
+              <a:t>GTxx4</a:t>
+            </a:r>
+          </a:p>
+        </p:txBody>
+      </p:sp>
+      <p:sp>
+        <p:nvSpPr>
+          <p:cNvPr id="7" name="TextBox 6">
+            <a:extLst>
+              <a:ext uri="{FF2B5EF4-FFF2-40B4-BE49-F238E27FC236}">
+                <a16:creationId xmlns:a16="http://schemas.microsoft.com/office/drawing/2014/main" id="{B8EDEDAB-6EDF-516A-5C4A-66C17782020E}"/>
+              </a:ext>
+            </a:extLst>
+          </p:cNvPr>
+          <p:cNvSpPr txBox="1"/>
+          <p:nvPr/>
+        </p:nvSpPr>
+        <p:spPr>
+          <a:xfrm>
+            <a:off x="1619234" y="1966585"/>
+            <a:ext cx="563488" cy="276999"/>
+          </a:xfrm>
+          <a:prstGeom prst="rect">
+            <a:avLst/>
+          </a:prstGeom>
+          <a:noFill/>
+        </p:spPr>
+        <p:txBody>
+          <a:bodyPr wrap="none" rtlCol="0">
+            <a:spAutoFit/>
+          </a:bodyPr>
+          <a:lstStyle/>
+          <a:p>
+            <a:r>
+              <a:rPr lang="en-DK" sz="1200" dirty="0"/>
+              <a:t>GTxx5</a:t>
+            </a:r>
+          </a:p>
+        </p:txBody>
+      </p:sp>
+      <p:sp>
+        <p:nvSpPr>
+          <p:cNvPr id="8" name="TextBox 7">
+            <a:extLst>
+              <a:ext uri="{FF2B5EF4-FFF2-40B4-BE49-F238E27FC236}">
+                <a16:creationId xmlns:a16="http://schemas.microsoft.com/office/drawing/2014/main" id="{FFA0DA12-C732-9C90-5B7F-63949275F34D}"/>
+              </a:ext>
+            </a:extLst>
+          </p:cNvPr>
+          <p:cNvSpPr txBox="1"/>
+          <p:nvPr/>
+        </p:nvSpPr>
+        <p:spPr>
+          <a:xfrm>
+            <a:off x="1624404" y="2250353"/>
+            <a:ext cx="563488" cy="276999"/>
+          </a:xfrm>
+          <a:prstGeom prst="rect">
+            <a:avLst/>
+          </a:prstGeom>
+          <a:noFill/>
+        </p:spPr>
+        <p:txBody>
+          <a:bodyPr wrap="none" rtlCol="0">
+            <a:spAutoFit/>
+          </a:bodyPr>
+          <a:lstStyle/>
+          <a:p>
+            <a:r>
+              <a:rPr lang="en-DK" sz="1200" dirty="0"/>
+              <a:t>GTxx6</a:t>
+            </a:r>
+          </a:p>
+        </p:txBody>
+      </p:sp>
+      <p:sp>
+        <p:nvSpPr>
+          <p:cNvPr id="9" name="TextBox 8">
+            <a:extLst>
+              <a:ext uri="{FF2B5EF4-FFF2-40B4-BE49-F238E27FC236}">
+                <a16:creationId xmlns:a16="http://schemas.microsoft.com/office/drawing/2014/main" id="{51205F88-A470-8C94-3B2D-83AF612EDFF9}"/>
+              </a:ext>
+            </a:extLst>
+          </p:cNvPr>
+          <p:cNvSpPr txBox="1"/>
+          <p:nvPr/>
+        </p:nvSpPr>
+        <p:spPr>
+          <a:xfrm>
+            <a:off x="1624404" y="2486960"/>
+            <a:ext cx="563488" cy="276999"/>
+          </a:xfrm>
+          <a:prstGeom prst="rect">
+            <a:avLst/>
+          </a:prstGeom>
+          <a:noFill/>
+        </p:spPr>
+        <p:txBody>
+          <a:bodyPr wrap="none" rtlCol="0">
+            <a:spAutoFit/>
+          </a:bodyPr>
+          <a:lstStyle/>
+          <a:p>
+            <a:r>
+              <a:rPr lang="en-DK" sz="1200" dirty="0"/>
+              <a:t>GTxx7</a:t>
+            </a:r>
+          </a:p>
+        </p:txBody>
+      </p:sp>
+      <p:sp>
+        <p:nvSpPr>
+          <p:cNvPr id="10" name="TextBox 9">
+            <a:extLst>
+              <a:ext uri="{FF2B5EF4-FFF2-40B4-BE49-F238E27FC236}">
+                <a16:creationId xmlns:a16="http://schemas.microsoft.com/office/drawing/2014/main" id="{A8E713AD-0E5E-1561-2369-918490EC862B}"/>
+              </a:ext>
+            </a:extLst>
+          </p:cNvPr>
+          <p:cNvSpPr txBox="1"/>
+          <p:nvPr/>
+        </p:nvSpPr>
+        <p:spPr>
+          <a:xfrm>
+            <a:off x="1618352" y="3212664"/>
+            <a:ext cx="563488" cy="276999"/>
+          </a:xfrm>
+          <a:prstGeom prst="rect">
+            <a:avLst/>
+          </a:prstGeom>
+          <a:noFill/>
+        </p:spPr>
+        <p:txBody>
+          <a:bodyPr wrap="none" rtlCol="0">
+            <a:spAutoFit/>
+          </a:bodyPr>
+          <a:lstStyle/>
+          <a:p>
+            <a:r>
+              <a:rPr lang="en-DK" sz="1200" dirty="0"/>
+              <a:t>GTxx8</a:t>
+            </a:r>
+          </a:p>
+        </p:txBody>
+      </p:sp>
+      <p:sp>
+        <p:nvSpPr>
+          <p:cNvPr id="11" name="TextBox 10">
+            <a:extLst>
+              <a:ext uri="{FF2B5EF4-FFF2-40B4-BE49-F238E27FC236}">
+                <a16:creationId xmlns:a16="http://schemas.microsoft.com/office/drawing/2014/main" id="{083CE575-5B24-4C4E-2164-80D811865DCA}"/>
+              </a:ext>
+            </a:extLst>
+          </p:cNvPr>
+          <p:cNvSpPr txBox="1"/>
+          <p:nvPr/>
+        </p:nvSpPr>
+        <p:spPr>
+          <a:xfrm>
+            <a:off x="1614996" y="3559654"/>
+            <a:ext cx="563488" cy="276999"/>
+          </a:xfrm>
+          <a:prstGeom prst="rect">
+            <a:avLst/>
+          </a:prstGeom>
+          <a:noFill/>
+        </p:spPr>
+        <p:txBody>
+          <a:bodyPr wrap="none" rtlCol="0">
+            <a:spAutoFit/>
+          </a:bodyPr>
+          <a:lstStyle/>
+          <a:p>
+            <a:r>
+              <a:rPr lang="en-DK" sz="1200" dirty="0"/>
+              <a:t>GTxx9</a:t>
+            </a:r>
+          </a:p>
+        </p:txBody>
+      </p:sp>
+      <p:sp>
+        <p:nvSpPr>
+          <p:cNvPr id="12" name="TextBox 11">
+            <a:extLst>
+              <a:ext uri="{FF2B5EF4-FFF2-40B4-BE49-F238E27FC236}">
+                <a16:creationId xmlns:a16="http://schemas.microsoft.com/office/drawing/2014/main" id="{AD9B8BE8-8773-EBEB-D573-DCE7B1586603}"/>
+              </a:ext>
+            </a:extLst>
+          </p:cNvPr>
+          <p:cNvSpPr txBox="1"/>
+          <p:nvPr/>
+        </p:nvSpPr>
+        <p:spPr>
+          <a:xfrm>
+            <a:off x="1615767" y="3747488"/>
+            <a:ext cx="574709" cy="276999"/>
+          </a:xfrm>
+          <a:prstGeom prst="rect">
+            <a:avLst/>
+          </a:prstGeom>
+          <a:noFill/>
+        </p:spPr>
+        <p:txBody>
+          <a:bodyPr wrap="none" rtlCol="0">
+            <a:spAutoFit/>
+          </a:bodyPr>
+          <a:lstStyle/>
+          <a:p>
+            <a:r>
+              <a:rPr lang="en-DK" sz="1200" dirty="0"/>
+              <a:t>GTx10</a:t>
+            </a:r>
+          </a:p>
+        </p:txBody>
+      </p:sp>
+      <p:sp>
+        <p:nvSpPr>
+          <p:cNvPr id="13" name="TextBox 12">
+            <a:extLst>
+              <a:ext uri="{FF2B5EF4-FFF2-40B4-BE49-F238E27FC236}">
+                <a16:creationId xmlns:a16="http://schemas.microsoft.com/office/drawing/2014/main" id="{74351757-01EB-37EF-EF14-2FB9E332AB6A}"/>
+              </a:ext>
+            </a:extLst>
+          </p:cNvPr>
+          <p:cNvSpPr txBox="1"/>
+          <p:nvPr/>
+        </p:nvSpPr>
+        <p:spPr>
+          <a:xfrm>
+            <a:off x="1615766" y="3884765"/>
+            <a:ext cx="574709" cy="276999"/>
+          </a:xfrm>
+          <a:prstGeom prst="rect">
+            <a:avLst/>
+          </a:prstGeom>
+          <a:noFill/>
+        </p:spPr>
+        <p:txBody>
+          <a:bodyPr wrap="none" rtlCol="0">
+            <a:spAutoFit/>
+          </a:bodyPr>
+          <a:lstStyle/>
+          <a:p>
+            <a:r>
+              <a:rPr lang="en-DK" sz="1200" dirty="0"/>
+              <a:t>GTx11</a:t>
+            </a:r>
+          </a:p>
+        </p:txBody>
+      </p:sp>
+      <p:sp>
+        <p:nvSpPr>
+          <p:cNvPr id="14" name="TextBox 13">
+            <a:extLst>
+              <a:ext uri="{FF2B5EF4-FFF2-40B4-BE49-F238E27FC236}">
+                <a16:creationId xmlns:a16="http://schemas.microsoft.com/office/drawing/2014/main" id="{0973C7B5-ADD5-F697-D81B-94553133FC51}"/>
+              </a:ext>
+            </a:extLst>
+          </p:cNvPr>
+          <p:cNvSpPr txBox="1"/>
+          <p:nvPr/>
+        </p:nvSpPr>
+        <p:spPr>
+          <a:xfrm>
+            <a:off x="1624403" y="4230248"/>
+            <a:ext cx="574709" cy="276999"/>
+          </a:xfrm>
+          <a:prstGeom prst="rect">
+            <a:avLst/>
+          </a:prstGeom>
+          <a:noFill/>
+        </p:spPr>
+        <p:txBody>
+          <a:bodyPr wrap="none" rtlCol="0">
+            <a:spAutoFit/>
+          </a:bodyPr>
+          <a:lstStyle/>
+          <a:p>
+            <a:r>
+              <a:rPr lang="en-DK" sz="1200" dirty="0"/>
+              <a:t>GTx12</a:t>
+            </a:r>
+          </a:p>
+        </p:txBody>
+      </p:sp>
+      <p:sp>
+        <p:nvSpPr>
+          <p:cNvPr id="15" name="TextBox 14">
+            <a:extLst>
+              <a:ext uri="{FF2B5EF4-FFF2-40B4-BE49-F238E27FC236}">
+                <a16:creationId xmlns:a16="http://schemas.microsoft.com/office/drawing/2014/main" id="{572141F9-D23D-BC9E-4C83-D48B62BDF1BB}"/>
+              </a:ext>
+            </a:extLst>
+          </p:cNvPr>
+          <p:cNvSpPr txBox="1"/>
+          <p:nvPr/>
+        </p:nvSpPr>
+        <p:spPr>
+          <a:xfrm>
+            <a:off x="1624403" y="4383578"/>
+            <a:ext cx="574709" cy="276999"/>
+          </a:xfrm>
+          <a:prstGeom prst="rect">
+            <a:avLst/>
+          </a:prstGeom>
+          <a:noFill/>
+        </p:spPr>
+        <p:txBody>
+          <a:bodyPr wrap="none" rtlCol="0">
+            <a:spAutoFit/>
+          </a:bodyPr>
+          <a:lstStyle/>
+          <a:p>
+            <a:r>
+              <a:rPr lang="en-DK" sz="1200" dirty="0"/>
+              <a:t>GTx13</a:t>
+            </a:r>
+          </a:p>
+        </p:txBody>
+      </p:sp>
+      <p:sp>
+        <p:nvSpPr>
+          <p:cNvPr id="16" name="TextBox 15">
+            <a:extLst>
+              <a:ext uri="{FF2B5EF4-FFF2-40B4-BE49-F238E27FC236}">
+                <a16:creationId xmlns:a16="http://schemas.microsoft.com/office/drawing/2014/main" id="{D53928CB-E03E-5DC2-47CA-60DE324F75BA}"/>
+              </a:ext>
+            </a:extLst>
+          </p:cNvPr>
+          <p:cNvSpPr txBox="1"/>
+          <p:nvPr/>
+        </p:nvSpPr>
+        <p:spPr>
+          <a:xfrm>
+            <a:off x="1624402" y="4941197"/>
+            <a:ext cx="574709" cy="276999"/>
+          </a:xfrm>
+          <a:prstGeom prst="rect">
+            <a:avLst/>
+          </a:prstGeom>
+          <a:noFill/>
+        </p:spPr>
+        <p:txBody>
+          <a:bodyPr wrap="none" rtlCol="0">
+            <a:spAutoFit/>
+          </a:bodyPr>
+          <a:lstStyle/>
+          <a:p>
+            <a:r>
+              <a:rPr lang="en-DK" sz="1200" dirty="0"/>
+              <a:t>GTx14</a:t>
+            </a:r>
+          </a:p>
+        </p:txBody>
+      </p:sp>
+      <p:sp>
+        <p:nvSpPr>
+          <p:cNvPr id="17" name="TextBox 16">
+            <a:extLst>
+              <a:ext uri="{FF2B5EF4-FFF2-40B4-BE49-F238E27FC236}">
+                <a16:creationId xmlns:a16="http://schemas.microsoft.com/office/drawing/2014/main" id="{ED4908BA-7D0E-8083-9FCB-6A6265ADDB2A}"/>
+              </a:ext>
+            </a:extLst>
+          </p:cNvPr>
+          <p:cNvSpPr txBox="1"/>
+          <p:nvPr/>
+        </p:nvSpPr>
+        <p:spPr>
+          <a:xfrm>
+            <a:off x="1626987" y="5213234"/>
+            <a:ext cx="574709" cy="276999"/>
+          </a:xfrm>
+          <a:prstGeom prst="rect">
+            <a:avLst/>
+          </a:prstGeom>
+          <a:noFill/>
+        </p:spPr>
+        <p:txBody>
+          <a:bodyPr wrap="none" rtlCol="0">
+            <a:spAutoFit/>
+          </a:bodyPr>
+          <a:lstStyle/>
+          <a:p>
+            <a:r>
+              <a:rPr lang="en-DK" sz="1200" dirty="0"/>
+              <a:t>GTx15</a:t>
+            </a:r>
+          </a:p>
+        </p:txBody>
+      </p:sp>
+      <p:sp>
+        <p:nvSpPr>
+          <p:cNvPr id="18" name="TextBox 17">
+            <a:extLst>
+              <a:ext uri="{FF2B5EF4-FFF2-40B4-BE49-F238E27FC236}">
+                <a16:creationId xmlns:a16="http://schemas.microsoft.com/office/drawing/2014/main" id="{12ABEE40-287B-DCC3-32B5-6BE7612373CF}"/>
+              </a:ext>
+            </a:extLst>
+          </p:cNvPr>
+          <p:cNvSpPr txBox="1"/>
+          <p:nvPr/>
+        </p:nvSpPr>
+        <p:spPr>
+          <a:xfrm>
+            <a:off x="1614996" y="5511593"/>
+            <a:ext cx="574709" cy="276999"/>
+          </a:xfrm>
+          <a:prstGeom prst="rect">
+            <a:avLst/>
+          </a:prstGeom>
+          <a:noFill/>
+        </p:spPr>
+        <p:txBody>
+          <a:bodyPr wrap="none" rtlCol="0">
+            <a:spAutoFit/>
+          </a:bodyPr>
+          <a:lstStyle/>
+          <a:p>
+            <a:r>
+              <a:rPr lang="en-DK" sz="1200" dirty="0"/>
+              <a:t>GTx16</a:t>
+            </a:r>
+          </a:p>
+        </p:txBody>
+      </p:sp>
+      <p:sp>
+        <p:nvSpPr>
+          <p:cNvPr id="19" name="TextBox 18">
+            <a:extLst>
+              <a:ext uri="{FF2B5EF4-FFF2-40B4-BE49-F238E27FC236}">
+                <a16:creationId xmlns:a16="http://schemas.microsoft.com/office/drawing/2014/main" id="{87BEA185-1C4F-AF70-18E1-5A7561D98557}"/>
+              </a:ext>
+            </a:extLst>
+          </p:cNvPr>
+          <p:cNvSpPr txBox="1"/>
+          <p:nvPr/>
+        </p:nvSpPr>
+        <p:spPr>
+          <a:xfrm>
+            <a:off x="1624402" y="6036918"/>
+            <a:ext cx="574709" cy="276999"/>
+          </a:xfrm>
+          <a:prstGeom prst="rect">
+            <a:avLst/>
+          </a:prstGeom>
+          <a:noFill/>
+        </p:spPr>
+        <p:txBody>
+          <a:bodyPr wrap="none" rtlCol="0">
+            <a:spAutoFit/>
+          </a:bodyPr>
+          <a:lstStyle/>
+          <a:p>
+            <a:r>
+              <a:rPr lang="en-DK" sz="1200" dirty="0"/>
+              <a:t>GTx17</a:t>
+            </a:r>
+          </a:p>
+        </p:txBody>
+      </p:sp>
+      <p:cxnSp>
+        <p:nvCxnSpPr>
+          <p:cNvPr id="20" name="Straight Connector 19">
+            <a:extLst>
+              <a:ext uri="{FF2B5EF4-FFF2-40B4-BE49-F238E27FC236}">
+                <a16:creationId xmlns:a16="http://schemas.microsoft.com/office/drawing/2014/main" id="{F6B95004-EB24-6CCD-5390-F1C96F2D9A34}"/>
+              </a:ext>
+            </a:extLst>
+          </p:cNvPr>
+          <p:cNvCxnSpPr>
+            <a:cxnSpLocks/>
+          </p:cNvCxnSpPr>
+          <p:nvPr/>
+        </p:nvCxnSpPr>
+        <p:spPr>
+          <a:xfrm>
+            <a:off x="2950082" y="188762"/>
+            <a:ext cx="6371718" cy="0"/>
+          </a:xfrm>
+          <a:prstGeom prst="line">
+            <a:avLst/>
+          </a:prstGeom>
+        </p:spPr>
+        <p:style>
+          <a:lnRef idx="1">
+            <a:schemeClr val="accent1"/>
+          </a:lnRef>
+          <a:fillRef idx="0">
+            <a:schemeClr val="accent1"/>
+          </a:fillRef>
+          <a:effectRef idx="0">
+            <a:schemeClr val="accent1"/>
+          </a:effectRef>
+          <a:fontRef idx="minor">
+            <a:schemeClr val="tx1"/>
+          </a:fontRef>
+        </p:style>
+      </p:cxnSp>
+      <p:cxnSp>
+        <p:nvCxnSpPr>
+          <p:cNvPr id="25" name="Straight Connector 24">
+            <a:extLst>
+              <a:ext uri="{FF2B5EF4-FFF2-40B4-BE49-F238E27FC236}">
+                <a16:creationId xmlns:a16="http://schemas.microsoft.com/office/drawing/2014/main" id="{B5267F3D-4D5E-C886-E7F7-C30D11C5093A}"/>
+              </a:ext>
+            </a:extLst>
+          </p:cNvPr>
+          <p:cNvCxnSpPr>
+            <a:cxnSpLocks/>
+          </p:cNvCxnSpPr>
+          <p:nvPr/>
+        </p:nvCxnSpPr>
+        <p:spPr>
+          <a:xfrm>
+            <a:off x="2945868" y="6538087"/>
+            <a:ext cx="6375932" cy="0"/>
+          </a:xfrm>
+          <a:prstGeom prst="line">
+            <a:avLst/>
+          </a:prstGeom>
+        </p:spPr>
+        <p:style>
+          <a:lnRef idx="1">
+            <a:schemeClr val="accent1"/>
+          </a:lnRef>
+          <a:fillRef idx="0">
+            <a:schemeClr val="accent1"/>
+          </a:fillRef>
+          <a:effectRef idx="0">
+            <a:schemeClr val="accent1"/>
+          </a:effectRef>
+          <a:fontRef idx="minor">
+            <a:schemeClr val="tx1"/>
+          </a:fontRef>
+        </p:style>
+      </p:cxnSp>
+      <p:cxnSp>
+        <p:nvCxnSpPr>
+          <p:cNvPr id="31" name="Straight Connector 30">
+            <a:extLst>
+              <a:ext uri="{FF2B5EF4-FFF2-40B4-BE49-F238E27FC236}">
+                <a16:creationId xmlns:a16="http://schemas.microsoft.com/office/drawing/2014/main" id="{E50D1318-1B98-056D-4D49-28A03356C70F}"/>
+              </a:ext>
+            </a:extLst>
+          </p:cNvPr>
+          <p:cNvCxnSpPr>
+            <a:cxnSpLocks/>
+          </p:cNvCxnSpPr>
+          <p:nvPr/>
+        </p:nvCxnSpPr>
+        <p:spPr>
+          <a:xfrm>
+            <a:off x="2950082" y="1983142"/>
+            <a:ext cx="6371718" cy="0"/>
+          </a:xfrm>
+          <a:prstGeom prst="line">
+            <a:avLst/>
+          </a:prstGeom>
+        </p:spPr>
+        <p:style>
+          <a:lnRef idx="1">
+            <a:schemeClr val="accent1"/>
+          </a:lnRef>
+          <a:fillRef idx="0">
+            <a:schemeClr val="accent1"/>
+          </a:fillRef>
+          <a:effectRef idx="0">
+            <a:schemeClr val="accent1"/>
+          </a:effectRef>
+          <a:fontRef idx="minor">
+            <a:schemeClr val="tx1"/>
+          </a:fontRef>
+        </p:style>
+      </p:cxnSp>
+      <p:cxnSp>
+        <p:nvCxnSpPr>
+          <p:cNvPr id="32" name="Straight Connector 31">
+            <a:extLst>
+              <a:ext uri="{FF2B5EF4-FFF2-40B4-BE49-F238E27FC236}">
+                <a16:creationId xmlns:a16="http://schemas.microsoft.com/office/drawing/2014/main" id="{F11CAA04-645A-9DF3-736D-1E3E85345E0C}"/>
+              </a:ext>
+            </a:extLst>
+          </p:cNvPr>
+          <p:cNvCxnSpPr>
+            <a:cxnSpLocks/>
+          </p:cNvCxnSpPr>
+          <p:nvPr/>
+        </p:nvCxnSpPr>
+        <p:spPr>
+          <a:xfrm>
+            <a:off x="2950082" y="2276134"/>
+            <a:ext cx="6371718" cy="0"/>
+          </a:xfrm>
+          <a:prstGeom prst="line">
+            <a:avLst/>
+          </a:prstGeom>
+        </p:spPr>
+        <p:style>
+          <a:lnRef idx="1">
+            <a:schemeClr val="accent1"/>
+          </a:lnRef>
+          <a:fillRef idx="0">
+            <a:schemeClr val="accent1"/>
+          </a:fillRef>
+          <a:effectRef idx="0">
+            <a:schemeClr val="accent1"/>
+          </a:effectRef>
+          <a:fontRef idx="minor">
+            <a:schemeClr val="tx1"/>
+          </a:fontRef>
+        </p:style>
+      </p:cxnSp>
+      <p:cxnSp>
+        <p:nvCxnSpPr>
+          <p:cNvPr id="33" name="Straight Connector 32">
+            <a:extLst>
+              <a:ext uri="{FF2B5EF4-FFF2-40B4-BE49-F238E27FC236}">
+                <a16:creationId xmlns:a16="http://schemas.microsoft.com/office/drawing/2014/main" id="{93EB44C4-2F1E-C274-DE65-E059EF504FA1}"/>
+              </a:ext>
+            </a:extLst>
+          </p:cNvPr>
+          <p:cNvCxnSpPr>
+            <a:cxnSpLocks/>
+          </p:cNvCxnSpPr>
+          <p:nvPr/>
+        </p:nvCxnSpPr>
+        <p:spPr>
+          <a:xfrm>
+            <a:off x="2945868" y="2566392"/>
+            <a:ext cx="6371718" cy="0"/>
+          </a:xfrm>
+          <a:prstGeom prst="line">
+            <a:avLst/>
+          </a:prstGeom>
+        </p:spPr>
+        <p:style>
+          <a:lnRef idx="1">
+            <a:schemeClr val="accent1"/>
+          </a:lnRef>
+          <a:fillRef idx="0">
+            <a:schemeClr val="accent1"/>
+          </a:fillRef>
+          <a:effectRef idx="0">
+            <a:schemeClr val="accent1"/>
+          </a:effectRef>
+          <a:fontRef idx="minor">
+            <a:schemeClr val="tx1"/>
+          </a:fontRef>
+        </p:style>
+      </p:cxnSp>
+      <p:cxnSp>
+        <p:nvCxnSpPr>
+          <p:cNvPr id="34" name="Straight Connector 33">
+            <a:extLst>
+              <a:ext uri="{FF2B5EF4-FFF2-40B4-BE49-F238E27FC236}">
+                <a16:creationId xmlns:a16="http://schemas.microsoft.com/office/drawing/2014/main" id="{4FAA307D-451C-A06C-37F7-7B911CE541F8}"/>
+              </a:ext>
+            </a:extLst>
+          </p:cNvPr>
+          <p:cNvCxnSpPr>
+            <a:cxnSpLocks/>
+          </p:cNvCxnSpPr>
+          <p:nvPr/>
+        </p:nvCxnSpPr>
+        <p:spPr>
+          <a:xfrm>
+            <a:off x="2945868" y="3201854"/>
+            <a:ext cx="6371718" cy="0"/>
+          </a:xfrm>
+          <a:prstGeom prst="line">
+            <a:avLst/>
+          </a:prstGeom>
+        </p:spPr>
+        <p:style>
+          <a:lnRef idx="1">
+            <a:schemeClr val="accent1"/>
+          </a:lnRef>
+          <a:fillRef idx="0">
+            <a:schemeClr val="accent1"/>
+          </a:fillRef>
+          <a:effectRef idx="0">
+            <a:schemeClr val="accent1"/>
+          </a:effectRef>
+          <a:fontRef idx="minor">
+            <a:schemeClr val="tx1"/>
+          </a:fontRef>
+        </p:style>
+      </p:cxnSp>
+      <p:cxnSp>
+        <p:nvCxnSpPr>
+          <p:cNvPr id="35" name="Straight Connector 34">
+            <a:extLst>
+              <a:ext uri="{FF2B5EF4-FFF2-40B4-BE49-F238E27FC236}">
+                <a16:creationId xmlns:a16="http://schemas.microsoft.com/office/drawing/2014/main" id="{472A5147-E30A-8269-EBC9-ADC9DFC28595}"/>
+              </a:ext>
+            </a:extLst>
+          </p:cNvPr>
+          <p:cNvCxnSpPr>
+            <a:cxnSpLocks/>
+          </p:cNvCxnSpPr>
+          <p:nvPr/>
+        </p:nvCxnSpPr>
+        <p:spPr>
+          <a:xfrm>
+            <a:off x="2945868" y="3588296"/>
+            <a:ext cx="6371718" cy="0"/>
+          </a:xfrm>
+          <a:prstGeom prst="line">
+            <a:avLst/>
+          </a:prstGeom>
+        </p:spPr>
+        <p:style>
+          <a:lnRef idx="1">
+            <a:schemeClr val="accent1"/>
+          </a:lnRef>
+          <a:fillRef idx="0">
+            <a:schemeClr val="accent1"/>
+          </a:fillRef>
+          <a:effectRef idx="0">
+            <a:schemeClr val="accent1"/>
+          </a:effectRef>
+          <a:fontRef idx="minor">
+            <a:schemeClr val="tx1"/>
+          </a:fontRef>
+        </p:style>
+      </p:cxnSp>
+      <p:cxnSp>
+        <p:nvCxnSpPr>
+          <p:cNvPr id="36" name="Straight Connector 35">
+            <a:extLst>
+              <a:ext uri="{FF2B5EF4-FFF2-40B4-BE49-F238E27FC236}">
+                <a16:creationId xmlns:a16="http://schemas.microsoft.com/office/drawing/2014/main" id="{F9E80315-C73B-DD28-3C48-2413B70BCBBE}"/>
+              </a:ext>
+            </a:extLst>
+          </p:cNvPr>
+          <p:cNvCxnSpPr>
+            <a:cxnSpLocks/>
+          </p:cNvCxnSpPr>
+          <p:nvPr/>
+        </p:nvCxnSpPr>
+        <p:spPr>
+          <a:xfrm>
+            <a:off x="2951311" y="3826607"/>
+            <a:ext cx="6371718" cy="0"/>
+          </a:xfrm>
+          <a:prstGeom prst="line">
+            <a:avLst/>
+          </a:prstGeom>
+        </p:spPr>
+        <p:style>
+          <a:lnRef idx="1">
+            <a:schemeClr val="accent1"/>
+          </a:lnRef>
+          <a:fillRef idx="0">
+            <a:schemeClr val="accent1"/>
+          </a:fillRef>
+          <a:effectRef idx="0">
+            <a:schemeClr val="accent1"/>
+          </a:effectRef>
+          <a:fontRef idx="minor">
+            <a:schemeClr val="tx1"/>
+          </a:fontRef>
+        </p:style>
+      </p:cxnSp>
+      <p:cxnSp>
+        <p:nvCxnSpPr>
+          <p:cNvPr id="37" name="Straight Connector 36">
+            <a:extLst>
+              <a:ext uri="{FF2B5EF4-FFF2-40B4-BE49-F238E27FC236}">
+                <a16:creationId xmlns:a16="http://schemas.microsoft.com/office/drawing/2014/main" id="{D5A29C99-877C-D0D1-A00A-12FB790483D2}"/>
+              </a:ext>
+            </a:extLst>
+          </p:cNvPr>
+          <p:cNvCxnSpPr>
+            <a:cxnSpLocks/>
+          </p:cNvCxnSpPr>
+          <p:nvPr/>
+        </p:nvCxnSpPr>
+        <p:spPr>
+          <a:xfrm>
+            <a:off x="2945868" y="3925192"/>
+            <a:ext cx="6371718" cy="0"/>
+          </a:xfrm>
+          <a:prstGeom prst="line">
+            <a:avLst/>
+          </a:prstGeom>
+        </p:spPr>
+        <p:style>
+          <a:lnRef idx="1">
+            <a:schemeClr val="accent1"/>
+          </a:lnRef>
+          <a:fillRef idx="0">
+            <a:schemeClr val="accent1"/>
+          </a:fillRef>
+          <a:effectRef idx="0">
+            <a:schemeClr val="accent1"/>
+          </a:effectRef>
+          <a:fontRef idx="minor">
+            <a:schemeClr val="tx1"/>
+          </a:fontRef>
+        </p:style>
+      </p:cxnSp>
+      <p:cxnSp>
+        <p:nvCxnSpPr>
+          <p:cNvPr id="38" name="Straight Connector 37">
+            <a:extLst>
+              <a:ext uri="{FF2B5EF4-FFF2-40B4-BE49-F238E27FC236}">
+                <a16:creationId xmlns:a16="http://schemas.microsoft.com/office/drawing/2014/main" id="{775E2933-58D6-54D3-9156-E288CA0B8286}"/>
+              </a:ext>
+            </a:extLst>
+          </p:cNvPr>
+          <p:cNvCxnSpPr>
+            <a:cxnSpLocks/>
+          </p:cNvCxnSpPr>
+          <p:nvPr/>
+        </p:nvCxnSpPr>
+        <p:spPr>
+          <a:xfrm>
+            <a:off x="2945868" y="4317691"/>
+            <a:ext cx="6371718" cy="0"/>
+          </a:xfrm>
+          <a:prstGeom prst="line">
+            <a:avLst/>
+          </a:prstGeom>
+        </p:spPr>
+        <p:style>
+          <a:lnRef idx="1">
+            <a:schemeClr val="accent1"/>
+          </a:lnRef>
+          <a:fillRef idx="0">
+            <a:schemeClr val="accent1"/>
+          </a:fillRef>
+          <a:effectRef idx="0">
+            <a:schemeClr val="accent1"/>
+          </a:effectRef>
+          <a:fontRef idx="minor">
+            <a:schemeClr val="tx1"/>
+          </a:fontRef>
+        </p:style>
+      </p:cxnSp>
+      <p:cxnSp>
+        <p:nvCxnSpPr>
+          <p:cNvPr id="39" name="Straight Connector 38">
+            <a:extLst>
+              <a:ext uri="{FF2B5EF4-FFF2-40B4-BE49-F238E27FC236}">
+                <a16:creationId xmlns:a16="http://schemas.microsoft.com/office/drawing/2014/main" id="{3C51A298-BCD6-7C1B-1FFE-6935BA7563E9}"/>
+              </a:ext>
+            </a:extLst>
+          </p:cNvPr>
+          <p:cNvCxnSpPr>
+            <a:cxnSpLocks/>
+          </p:cNvCxnSpPr>
+          <p:nvPr/>
+        </p:nvCxnSpPr>
+        <p:spPr>
+          <a:xfrm>
+            <a:off x="2945868" y="4991689"/>
+            <a:ext cx="6371718" cy="0"/>
+          </a:xfrm>
+          <a:prstGeom prst="line">
+            <a:avLst/>
+          </a:prstGeom>
+        </p:spPr>
+        <p:style>
+          <a:lnRef idx="1">
+            <a:schemeClr val="accent1"/>
+          </a:lnRef>
+          <a:fillRef idx="0">
+            <a:schemeClr val="accent1"/>
+          </a:fillRef>
+          <a:effectRef idx="0">
+            <a:schemeClr val="accent1"/>
+          </a:effectRef>
+          <a:fontRef idx="minor">
+            <a:schemeClr val="tx1"/>
+          </a:fontRef>
+        </p:style>
+      </p:cxnSp>
+      <p:cxnSp>
+        <p:nvCxnSpPr>
+          <p:cNvPr id="40" name="Straight Connector 39">
+            <a:extLst>
+              <a:ext uri="{FF2B5EF4-FFF2-40B4-BE49-F238E27FC236}">
+                <a16:creationId xmlns:a16="http://schemas.microsoft.com/office/drawing/2014/main" id="{35C999C2-6ABF-8282-9094-00EBA5C52626}"/>
+              </a:ext>
+            </a:extLst>
+          </p:cNvPr>
+          <p:cNvCxnSpPr>
+            <a:cxnSpLocks/>
+          </p:cNvCxnSpPr>
+          <p:nvPr/>
+        </p:nvCxnSpPr>
+        <p:spPr>
+          <a:xfrm>
+            <a:off x="2945868" y="5236617"/>
+            <a:ext cx="6371718" cy="0"/>
+          </a:xfrm>
+          <a:prstGeom prst="line">
+            <a:avLst/>
+          </a:prstGeom>
+        </p:spPr>
+        <p:style>
+          <a:lnRef idx="1">
+            <a:schemeClr val="accent1"/>
+          </a:lnRef>
+          <a:fillRef idx="0">
+            <a:schemeClr val="accent1"/>
+          </a:fillRef>
+          <a:effectRef idx="0">
+            <a:schemeClr val="accent1"/>
+          </a:effectRef>
+          <a:fontRef idx="minor">
+            <a:schemeClr val="tx1"/>
+          </a:fontRef>
+        </p:style>
+      </p:cxnSp>
+      <p:cxnSp>
+        <p:nvCxnSpPr>
+          <p:cNvPr id="41" name="Straight Connector 40">
+            <a:extLst>
+              <a:ext uri="{FF2B5EF4-FFF2-40B4-BE49-F238E27FC236}">
+                <a16:creationId xmlns:a16="http://schemas.microsoft.com/office/drawing/2014/main" id="{C58740C8-762F-E7DC-D296-0F29419F89A5}"/>
+              </a:ext>
+            </a:extLst>
+          </p:cNvPr>
+          <p:cNvCxnSpPr>
+            <a:cxnSpLocks/>
+          </p:cNvCxnSpPr>
+          <p:nvPr/>
+        </p:nvCxnSpPr>
+        <p:spPr>
+          <a:xfrm>
+            <a:off x="2949826" y="5572093"/>
+            <a:ext cx="6371718" cy="0"/>
+          </a:xfrm>
+          <a:prstGeom prst="line">
+            <a:avLst/>
+          </a:prstGeom>
+        </p:spPr>
+        <p:style>
+          <a:lnRef idx="1">
+            <a:schemeClr val="accent1"/>
+          </a:lnRef>
+          <a:fillRef idx="0">
+            <a:schemeClr val="accent1"/>
+          </a:fillRef>
+          <a:effectRef idx="0">
+            <a:schemeClr val="accent1"/>
+          </a:effectRef>
+          <a:fontRef idx="minor">
+            <a:schemeClr val="tx1"/>
+          </a:fontRef>
+        </p:style>
+      </p:cxnSp>
+      <p:cxnSp>
+        <p:nvCxnSpPr>
+          <p:cNvPr id="42" name="Straight Connector 41">
+            <a:extLst>
+              <a:ext uri="{FF2B5EF4-FFF2-40B4-BE49-F238E27FC236}">
+                <a16:creationId xmlns:a16="http://schemas.microsoft.com/office/drawing/2014/main" id="{AE8E5526-2C38-B4D0-34C1-7CEDD3A0B2B4}"/>
+              </a:ext>
+            </a:extLst>
+          </p:cNvPr>
+          <p:cNvCxnSpPr>
+            <a:cxnSpLocks/>
+          </p:cNvCxnSpPr>
+          <p:nvPr/>
+        </p:nvCxnSpPr>
+        <p:spPr>
+          <a:xfrm>
+            <a:off x="2949826" y="6005543"/>
+            <a:ext cx="6371718" cy="0"/>
+          </a:xfrm>
+          <a:prstGeom prst="line">
+            <a:avLst/>
+          </a:prstGeom>
+        </p:spPr>
+        <p:style>
+          <a:lnRef idx="1">
+            <a:schemeClr val="accent1"/>
+          </a:lnRef>
+          <a:fillRef idx="0">
+            <a:schemeClr val="accent1"/>
+          </a:fillRef>
+          <a:effectRef idx="0">
+            <a:schemeClr val="accent1"/>
+          </a:effectRef>
+          <a:fontRef idx="minor">
+            <a:schemeClr val="tx1"/>
+          </a:fontRef>
+        </p:style>
+      </p:cxnSp>
+      <p:cxnSp>
+        <p:nvCxnSpPr>
+          <p:cNvPr id="4" name="Straight Connector 3">
+            <a:extLst>
+              <a:ext uri="{FF2B5EF4-FFF2-40B4-BE49-F238E27FC236}">
+                <a16:creationId xmlns:a16="http://schemas.microsoft.com/office/drawing/2014/main" id="{AF81FB87-F8FB-2432-7D69-7925C6273B59}"/>
+              </a:ext>
+            </a:extLst>
+          </p:cNvPr>
+          <p:cNvCxnSpPr>
+            <a:cxnSpLocks/>
+          </p:cNvCxnSpPr>
+          <p:nvPr/>
+        </p:nvCxnSpPr>
+        <p:spPr>
+          <a:xfrm>
+            <a:off x="2943288" y="4408099"/>
+            <a:ext cx="6371718" cy="0"/>
+          </a:xfrm>
+          <a:prstGeom prst="line">
+            <a:avLst/>
+          </a:prstGeom>
+        </p:spPr>
+        <p:style>
+          <a:lnRef idx="1">
+            <a:schemeClr val="accent1"/>
+          </a:lnRef>
+          <a:fillRef idx="0">
+            <a:schemeClr val="accent1"/>
+          </a:fillRef>
+          <a:effectRef idx="0">
+            <a:schemeClr val="accent1"/>
+          </a:effectRef>
+          <a:fontRef idx="minor">
+            <a:schemeClr val="tx1"/>
+          </a:fontRef>
+        </p:style>
+      </p:cxnSp>
+    </p:spTree>
+    <p:extLst>
+      <p:ext uri="{BB962C8B-B14F-4D97-AF65-F5344CB8AC3E}">
+        <p14:creationId xmlns:p14="http://schemas.microsoft.com/office/powerpoint/2010/main" val="1922531345"/>
+      </p:ext>
+    </p:extLst>
+  </p:cSld>
+  <p:clrMapOvr>
+    <a:masterClrMapping/>
+  </p:clrMapOvr>
+</p:sld>
+</file>
+
+<file path=ppt/slides/slide7.xml><?xml version="1.0" encoding="utf-8"?>
+<p:sld xmlns:a="http://schemas.openxmlformats.org/drawingml/2006/main" xmlns:r="http://schemas.openxmlformats.org/officeDocument/2006/relationships" xmlns:p="http://schemas.openxmlformats.org/presentationml/2006/main">
+  <p:cSld>
+    <p:spTree>
+      <p:nvGrpSpPr>
+        <p:cNvPr id="1" name=""/>
+        <p:cNvGrpSpPr/>
+        <p:nvPr/>
+      </p:nvGrpSpPr>
+      <p:grpSpPr>
+        <a:xfrm>
+          <a:off x="0" y="0"/>
+          <a:ext cx="0" cy="0"/>
+          <a:chOff x="0" y="0"/>
+          <a:chExt cx="0" cy="0"/>
+        </a:xfrm>
+      </p:grpSpPr>
+      <p:pic>
+        <p:nvPicPr>
           <p:cNvPr id="5" name="Picture 4">
             <a:extLst>
               <a:ext uri="{FF2B5EF4-FFF2-40B4-BE49-F238E27FC236}">

--- a/manuscript/figures/garry-heatmap/garry-heatmap.pptx
+++ b/manuscript/figures/garry-heatmap/garry-heatmap.pptx
@@ -2,7 +2,7 @@
 <file path=ppt/presentation.xml><?xml version="1.0" encoding="utf-8"?>
 <p:presentation xmlns:a="http://schemas.openxmlformats.org/drawingml/2006/main" xmlns:r="http://schemas.openxmlformats.org/officeDocument/2006/relationships" xmlns:p="http://schemas.openxmlformats.org/presentationml/2006/main" saveSubsetFonts="1" autoCompressPictures="0">
   <p:sldMasterIdLst>
-    <p:sldMasterId id="2147483648" r:id="rId1"/>
+    <p:sldMasterId id="2147483660" r:id="rId1"/>
   </p:sldMasterIdLst>
   <p:sldIdLst>
     <p:sldId id="256" r:id="rId2"/>
@@ -13,13 +13,13 @@
     <p:sldId id="262" r:id="rId7"/>
     <p:sldId id="260" r:id="rId8"/>
   </p:sldIdLst>
-  <p:sldSz cx="12192000" cy="6858000"/>
+  <p:sldSz cx="6858000" cy="9906000" type="A4"/>
   <p:notesSz cx="6858000" cy="9144000"/>
   <p:defaultTextStyle>
     <a:defPPr>
-      <a:defRPr lang="en-DK"/>
+      <a:defRPr lang="en-US"/>
     </a:defPPr>
-    <a:lvl1pPr marL="0" algn="l" defTabSz="914400" rtl="0" eaLnBrk="1" latinLnBrk="0" hangingPunct="1">
+    <a:lvl1pPr marL="0" algn="l" defTabSz="457200" rtl="0" eaLnBrk="1" latinLnBrk="0" hangingPunct="1">
       <a:defRPr sz="1800" kern="1200">
         <a:solidFill>
           <a:schemeClr val="tx1"/>
@@ -29,7 +29,7 @@
         <a:cs typeface="+mn-cs"/>
       </a:defRPr>
     </a:lvl1pPr>
-    <a:lvl2pPr marL="457200" algn="l" defTabSz="914400" rtl="0" eaLnBrk="1" latinLnBrk="0" hangingPunct="1">
+    <a:lvl2pPr marL="457200" algn="l" defTabSz="457200" rtl="0" eaLnBrk="1" latinLnBrk="0" hangingPunct="1">
       <a:defRPr sz="1800" kern="1200">
         <a:solidFill>
           <a:schemeClr val="tx1"/>
@@ -39,7 +39,7 @@
         <a:cs typeface="+mn-cs"/>
       </a:defRPr>
     </a:lvl2pPr>
-    <a:lvl3pPr marL="914400" algn="l" defTabSz="914400" rtl="0" eaLnBrk="1" latinLnBrk="0" hangingPunct="1">
+    <a:lvl3pPr marL="914400" algn="l" defTabSz="457200" rtl="0" eaLnBrk="1" latinLnBrk="0" hangingPunct="1">
       <a:defRPr sz="1800" kern="1200">
         <a:solidFill>
           <a:schemeClr val="tx1"/>
@@ -49,7 +49,7 @@
         <a:cs typeface="+mn-cs"/>
       </a:defRPr>
     </a:lvl3pPr>
-    <a:lvl4pPr marL="1371600" algn="l" defTabSz="914400" rtl="0" eaLnBrk="1" latinLnBrk="0" hangingPunct="1">
+    <a:lvl4pPr marL="1371600" algn="l" defTabSz="457200" rtl="0" eaLnBrk="1" latinLnBrk="0" hangingPunct="1">
       <a:defRPr sz="1800" kern="1200">
         <a:solidFill>
           <a:schemeClr val="tx1"/>
@@ -59,7 +59,7 @@
         <a:cs typeface="+mn-cs"/>
       </a:defRPr>
     </a:lvl4pPr>
-    <a:lvl5pPr marL="1828800" algn="l" defTabSz="914400" rtl="0" eaLnBrk="1" latinLnBrk="0" hangingPunct="1">
+    <a:lvl5pPr marL="1828800" algn="l" defTabSz="457200" rtl="0" eaLnBrk="1" latinLnBrk="0" hangingPunct="1">
       <a:defRPr sz="1800" kern="1200">
         <a:solidFill>
           <a:schemeClr val="tx1"/>
@@ -69,7 +69,7 @@
         <a:cs typeface="+mn-cs"/>
       </a:defRPr>
     </a:lvl5pPr>
-    <a:lvl6pPr marL="2286000" algn="l" defTabSz="914400" rtl="0" eaLnBrk="1" latinLnBrk="0" hangingPunct="1">
+    <a:lvl6pPr marL="2286000" algn="l" defTabSz="457200" rtl="0" eaLnBrk="1" latinLnBrk="0" hangingPunct="1">
       <a:defRPr sz="1800" kern="1200">
         <a:solidFill>
           <a:schemeClr val="tx1"/>
@@ -79,7 +79,7 @@
         <a:cs typeface="+mn-cs"/>
       </a:defRPr>
     </a:lvl6pPr>
-    <a:lvl7pPr marL="2743200" algn="l" defTabSz="914400" rtl="0" eaLnBrk="1" latinLnBrk="0" hangingPunct="1">
+    <a:lvl7pPr marL="2743200" algn="l" defTabSz="457200" rtl="0" eaLnBrk="1" latinLnBrk="0" hangingPunct="1">
       <a:defRPr sz="1800" kern="1200">
         <a:solidFill>
           <a:schemeClr val="tx1"/>
@@ -89,7 +89,7 @@
         <a:cs typeface="+mn-cs"/>
       </a:defRPr>
     </a:lvl7pPr>
-    <a:lvl8pPr marL="3200400" algn="l" defTabSz="914400" rtl="0" eaLnBrk="1" latinLnBrk="0" hangingPunct="1">
+    <a:lvl8pPr marL="3200400" algn="l" defTabSz="457200" rtl="0" eaLnBrk="1" latinLnBrk="0" hangingPunct="1">
       <a:defRPr sz="1800" kern="1200">
         <a:solidFill>
           <a:schemeClr val="tx1"/>
@@ -99,7 +99,7 @@
         <a:cs typeface="+mn-cs"/>
       </a:defRPr>
     </a:lvl8pPr>
-    <a:lvl9pPr marL="3657600" algn="l" defTabSz="914400" rtl="0" eaLnBrk="1" latinLnBrk="0" hangingPunct="1">
+    <a:lvl9pPr marL="3657600" algn="l" defTabSz="457200" rtl="0" eaLnBrk="1" latinLnBrk="0" hangingPunct="1">
       <a:defRPr sz="1800" kern="1200">
         <a:solidFill>
           <a:schemeClr val="tx1"/>
@@ -137,13 +137,7 @@
       </p:grpSpPr>
       <p:sp>
         <p:nvSpPr>
-          <p:cNvPr id="2" name="Title 1">
-            <a:extLst>
-              <a:ext uri="{FF2B5EF4-FFF2-40B4-BE49-F238E27FC236}">
-                <a16:creationId xmlns:a16="http://schemas.microsoft.com/office/drawing/2014/main" id="{E8883CAD-138B-D7BD-98E4-AC8916A47303}"/>
-              </a:ext>
-            </a:extLst>
-          </p:cNvPr>
+          <p:cNvPr id="2" name="Title 1"/>
           <p:cNvSpPr>
             <a:spLocks noGrp="1"/>
           </p:cNvSpPr>
@@ -153,15 +147,15 @@
         </p:nvSpPr>
         <p:spPr>
           <a:xfrm>
-            <a:off x="1524000" y="1122363"/>
-            <a:ext cx="9144000" cy="2387600"/>
+            <a:off x="514350" y="1621191"/>
+            <a:ext cx="5829300" cy="3448756"/>
           </a:xfrm>
         </p:spPr>
         <p:txBody>
           <a:bodyPr anchor="b"/>
           <a:lstStyle>
             <a:lvl1pPr algn="ctr">
-              <a:defRPr sz="6000"/>
+              <a:defRPr sz="4500"/>
             </a:lvl1pPr>
           </a:lstStyle>
           <a:p>
@@ -169,19 +163,13 @@
               <a:rPr lang="en-GB"/>
               <a:t>Click to edit Master title style</a:t>
             </a:r>
-            <a:endParaRPr lang="en-DK"/>
-          </a:p>
-        </p:txBody>
-      </p:sp>
-      <p:sp>
-        <p:nvSpPr>
-          <p:cNvPr id="3" name="Subtitle 2">
-            <a:extLst>
-              <a:ext uri="{FF2B5EF4-FFF2-40B4-BE49-F238E27FC236}">
-                <a16:creationId xmlns:a16="http://schemas.microsoft.com/office/drawing/2014/main" id="{2C4A49C0-572F-329D-E879-668EA43BF3C1}"/>
-              </a:ext>
-            </a:extLst>
-          </p:cNvPr>
+            <a:endParaRPr lang="en-US" dirty="0"/>
+          </a:p>
+        </p:txBody>
+      </p:sp>
+      <p:sp>
+        <p:nvSpPr>
+          <p:cNvPr id="3" name="Subtitle 2"/>
           <p:cNvSpPr>
             <a:spLocks noGrp="1"/>
           </p:cNvSpPr>
@@ -191,8 +179,8 @@
         </p:nvSpPr>
         <p:spPr>
           <a:xfrm>
-            <a:off x="1524000" y="3602038"/>
-            <a:ext cx="9144000" cy="1655762"/>
+            <a:off x="857250" y="5202944"/>
+            <a:ext cx="5143500" cy="2391656"/>
           </a:xfrm>
         </p:spPr>
         <p:txBody>
@@ -200,39 +188,39 @@
           <a:lstStyle>
             <a:lvl1pPr marL="0" indent="0" algn="ctr">
               <a:buNone/>
-              <a:defRPr sz="2400"/>
+              <a:defRPr sz="1800"/>
             </a:lvl1pPr>
-            <a:lvl2pPr marL="457200" indent="0" algn="ctr">
+            <a:lvl2pPr marL="342900" indent="0" algn="ctr">
               <a:buNone/>
-              <a:defRPr sz="2000"/>
+              <a:defRPr sz="1500"/>
             </a:lvl2pPr>
-            <a:lvl3pPr marL="914400" indent="0" algn="ctr">
+            <a:lvl3pPr marL="685800" indent="0" algn="ctr">
               <a:buNone/>
-              <a:defRPr sz="1800"/>
+              <a:defRPr sz="1350"/>
             </a:lvl3pPr>
-            <a:lvl4pPr marL="1371600" indent="0" algn="ctr">
+            <a:lvl4pPr marL="1028700" indent="0" algn="ctr">
               <a:buNone/>
-              <a:defRPr sz="1600"/>
+              <a:defRPr sz="1200"/>
             </a:lvl4pPr>
-            <a:lvl5pPr marL="1828800" indent="0" algn="ctr">
+            <a:lvl5pPr marL="1371600" indent="0" algn="ctr">
               <a:buNone/>
-              <a:defRPr sz="1600"/>
+              <a:defRPr sz="1200"/>
             </a:lvl5pPr>
-            <a:lvl6pPr marL="2286000" indent="0" algn="ctr">
+            <a:lvl6pPr marL="1714500" indent="0" algn="ctr">
               <a:buNone/>
-              <a:defRPr sz="1600"/>
+              <a:defRPr sz="1200"/>
             </a:lvl6pPr>
-            <a:lvl7pPr marL="2743200" indent="0" algn="ctr">
+            <a:lvl7pPr marL="2057400" indent="0" algn="ctr">
               <a:buNone/>
-              <a:defRPr sz="1600"/>
+              <a:defRPr sz="1200"/>
             </a:lvl7pPr>
-            <a:lvl8pPr marL="3200400" indent="0" algn="ctr">
+            <a:lvl8pPr marL="2400300" indent="0" algn="ctr">
               <a:buNone/>
-              <a:defRPr sz="1600"/>
+              <a:defRPr sz="1200"/>
             </a:lvl8pPr>
-            <a:lvl9pPr marL="3657600" indent="0" algn="ctr">
+            <a:lvl9pPr marL="2743200" indent="0" algn="ctr">
               <a:buNone/>
-              <a:defRPr sz="1600"/>
+              <a:defRPr sz="1200"/>
             </a:lvl9pPr>
           </a:lstStyle>
           <a:p>
@@ -240,19 +228,13 @@
               <a:rPr lang="en-GB"/>
               <a:t>Click to edit Master subtitle style</a:t>
             </a:r>
-            <a:endParaRPr lang="en-DK"/>
-          </a:p>
-        </p:txBody>
-      </p:sp>
-      <p:sp>
-        <p:nvSpPr>
-          <p:cNvPr id="4" name="Date Placeholder 3">
-            <a:extLst>
-              <a:ext uri="{FF2B5EF4-FFF2-40B4-BE49-F238E27FC236}">
-                <a16:creationId xmlns:a16="http://schemas.microsoft.com/office/drawing/2014/main" id="{817D3EC4-A89F-7D09-80A5-A56805C6F27D}"/>
-              </a:ext>
-            </a:extLst>
-          </p:cNvPr>
+            <a:endParaRPr lang="en-US" dirty="0"/>
+          </a:p>
+        </p:txBody>
+      </p:sp>
+      <p:sp>
+        <p:nvSpPr>
+          <p:cNvPr id="4" name="Date Placeholder 3"/>
           <p:cNvSpPr>
             <a:spLocks noGrp="1"/>
           </p:cNvSpPr>
@@ -267,7 +249,7 @@
           <a:p>
             <a:fld id="{EBAEE684-E7C7-AB40-9547-67D2F7A3A955}" type="datetimeFigureOut">
               <a:rPr lang="en-DK" smtClean="0"/>
-              <a:t>01/12/2023</a:t>
+              <a:t>18/01/2024</a:t>
             </a:fld>
             <a:endParaRPr lang="en-DK"/>
           </a:p>
@@ -275,13 +257,7 @@
       </p:sp>
       <p:sp>
         <p:nvSpPr>
-          <p:cNvPr id="5" name="Footer Placeholder 4">
-            <a:extLst>
-              <a:ext uri="{FF2B5EF4-FFF2-40B4-BE49-F238E27FC236}">
-                <a16:creationId xmlns:a16="http://schemas.microsoft.com/office/drawing/2014/main" id="{6D3A29AC-48BE-789A-ACD8-B0C835773672}"/>
-              </a:ext>
-            </a:extLst>
-          </p:cNvPr>
+          <p:cNvPr id="5" name="Footer Placeholder 4"/>
           <p:cNvSpPr>
             <a:spLocks noGrp="1"/>
           </p:cNvSpPr>
@@ -300,13 +276,7 @@
       </p:sp>
       <p:sp>
         <p:nvSpPr>
-          <p:cNvPr id="6" name="Slide Number Placeholder 5">
-            <a:extLst>
-              <a:ext uri="{FF2B5EF4-FFF2-40B4-BE49-F238E27FC236}">
-                <a16:creationId xmlns:a16="http://schemas.microsoft.com/office/drawing/2014/main" id="{5C1E5CE3-F052-4E30-54E1-FE11608485F9}"/>
-              </a:ext>
-            </a:extLst>
-          </p:cNvPr>
+          <p:cNvPr id="6" name="Slide Number Placeholder 5"/>
           <p:cNvSpPr>
             <a:spLocks noGrp="1"/>
           </p:cNvSpPr>
@@ -330,7 +300,7 @@
     </p:spTree>
     <p:extLst>
       <p:ext uri="{BB962C8B-B14F-4D97-AF65-F5344CB8AC3E}">
-        <p14:creationId xmlns:p14="http://schemas.microsoft.com/office/powerpoint/2010/main" val="336288173"/>
+        <p14:creationId xmlns:p14="http://schemas.microsoft.com/office/powerpoint/2010/main" val="1510528547"/>
       </p:ext>
     </p:extLst>
   </p:cSld>
@@ -359,13 +329,7 @@
       </p:grpSpPr>
       <p:sp>
         <p:nvSpPr>
-          <p:cNvPr id="2" name="Title 1">
-            <a:extLst>
-              <a:ext uri="{FF2B5EF4-FFF2-40B4-BE49-F238E27FC236}">
-                <a16:creationId xmlns:a16="http://schemas.microsoft.com/office/drawing/2014/main" id="{7AB35013-9E38-4132-58CD-D7C35DBDB439}"/>
-              </a:ext>
-            </a:extLst>
-          </p:cNvPr>
+          <p:cNvPr id="2" name="Title 1"/>
           <p:cNvSpPr>
             <a:spLocks noGrp="1"/>
           </p:cNvSpPr>
@@ -382,19 +346,13 @@
               <a:rPr lang="en-GB"/>
               <a:t>Click to edit Master title style</a:t>
             </a:r>
-            <a:endParaRPr lang="en-DK"/>
-          </a:p>
-        </p:txBody>
-      </p:sp>
-      <p:sp>
-        <p:nvSpPr>
-          <p:cNvPr id="3" name="Vertical Text Placeholder 2">
-            <a:extLst>
-              <a:ext uri="{FF2B5EF4-FFF2-40B4-BE49-F238E27FC236}">
-                <a16:creationId xmlns:a16="http://schemas.microsoft.com/office/drawing/2014/main" id="{13EAC6DD-DFE0-25C6-66AD-0E4A286F6020}"/>
-              </a:ext>
-            </a:extLst>
-          </p:cNvPr>
+            <a:endParaRPr lang="en-US" dirty="0"/>
+          </a:p>
+        </p:txBody>
+      </p:sp>
+      <p:sp>
+        <p:nvSpPr>
+          <p:cNvPr id="3" name="Vertical Text Placeholder 2"/>
           <p:cNvSpPr>
             <a:spLocks noGrp="1"/>
           </p:cNvSpPr>
@@ -440,19 +398,13 @@
               <a:rPr lang="en-GB"/>
               <a:t>Fifth level</a:t>
             </a:r>
-            <a:endParaRPr lang="en-DK"/>
-          </a:p>
-        </p:txBody>
-      </p:sp>
-      <p:sp>
-        <p:nvSpPr>
-          <p:cNvPr id="4" name="Date Placeholder 3">
-            <a:extLst>
-              <a:ext uri="{FF2B5EF4-FFF2-40B4-BE49-F238E27FC236}">
-                <a16:creationId xmlns:a16="http://schemas.microsoft.com/office/drawing/2014/main" id="{2B71A4A2-C82C-5393-95F8-E5FB96495628}"/>
-              </a:ext>
-            </a:extLst>
-          </p:cNvPr>
+            <a:endParaRPr lang="en-US" dirty="0"/>
+          </a:p>
+        </p:txBody>
+      </p:sp>
+      <p:sp>
+        <p:nvSpPr>
+          <p:cNvPr id="4" name="Date Placeholder 3"/>
           <p:cNvSpPr>
             <a:spLocks noGrp="1"/>
           </p:cNvSpPr>
@@ -467,7 +419,7 @@
           <a:p>
             <a:fld id="{EBAEE684-E7C7-AB40-9547-67D2F7A3A955}" type="datetimeFigureOut">
               <a:rPr lang="en-DK" smtClean="0"/>
-              <a:t>01/12/2023</a:t>
+              <a:t>18/01/2024</a:t>
             </a:fld>
             <a:endParaRPr lang="en-DK"/>
           </a:p>
@@ -475,13 +427,7 @@
       </p:sp>
       <p:sp>
         <p:nvSpPr>
-          <p:cNvPr id="5" name="Footer Placeholder 4">
-            <a:extLst>
-              <a:ext uri="{FF2B5EF4-FFF2-40B4-BE49-F238E27FC236}">
-                <a16:creationId xmlns:a16="http://schemas.microsoft.com/office/drawing/2014/main" id="{39BA69AD-51C6-6DBD-521D-80BCDF5BF8C3}"/>
-              </a:ext>
-            </a:extLst>
-          </p:cNvPr>
+          <p:cNvPr id="5" name="Footer Placeholder 4"/>
           <p:cNvSpPr>
             <a:spLocks noGrp="1"/>
           </p:cNvSpPr>
@@ -500,13 +446,7 @@
       </p:sp>
       <p:sp>
         <p:nvSpPr>
-          <p:cNvPr id="6" name="Slide Number Placeholder 5">
-            <a:extLst>
-              <a:ext uri="{FF2B5EF4-FFF2-40B4-BE49-F238E27FC236}">
-                <a16:creationId xmlns:a16="http://schemas.microsoft.com/office/drawing/2014/main" id="{8D6AC180-7D15-A8DE-2229-528BBEEF1131}"/>
-              </a:ext>
-            </a:extLst>
-          </p:cNvPr>
+          <p:cNvPr id="6" name="Slide Number Placeholder 5"/>
           <p:cNvSpPr>
             <a:spLocks noGrp="1"/>
           </p:cNvSpPr>
@@ -530,7 +470,7 @@
     </p:spTree>
     <p:extLst>
       <p:ext uri="{BB962C8B-B14F-4D97-AF65-F5344CB8AC3E}">
-        <p14:creationId xmlns:p14="http://schemas.microsoft.com/office/powerpoint/2010/main" val="2386873501"/>
+        <p14:creationId xmlns:p14="http://schemas.microsoft.com/office/powerpoint/2010/main" val="1212297011"/>
       </p:ext>
     </p:extLst>
   </p:cSld>
@@ -559,13 +499,7 @@
       </p:grpSpPr>
       <p:sp>
         <p:nvSpPr>
-          <p:cNvPr id="2" name="Vertical Title 1">
-            <a:extLst>
-              <a:ext uri="{FF2B5EF4-FFF2-40B4-BE49-F238E27FC236}">
-                <a16:creationId xmlns:a16="http://schemas.microsoft.com/office/drawing/2014/main" id="{C40E6B68-BF9E-221F-E72B-D1501E2987CB}"/>
-              </a:ext>
-            </a:extLst>
-          </p:cNvPr>
+          <p:cNvPr id="2" name="Vertical Title 1"/>
           <p:cNvSpPr>
             <a:spLocks noGrp="1"/>
           </p:cNvSpPr>
@@ -575,8 +509,8 @@
         </p:nvSpPr>
         <p:spPr>
           <a:xfrm>
-            <a:off x="8724900" y="365125"/>
-            <a:ext cx="2628900" cy="5811838"/>
+            <a:off x="4907757" y="527403"/>
+            <a:ext cx="1478756" cy="8394877"/>
           </a:xfrm>
         </p:spPr>
         <p:txBody>
@@ -587,19 +521,13 @@
               <a:rPr lang="en-GB"/>
               <a:t>Click to edit Master title style</a:t>
             </a:r>
-            <a:endParaRPr lang="en-DK"/>
-          </a:p>
-        </p:txBody>
-      </p:sp>
-      <p:sp>
-        <p:nvSpPr>
-          <p:cNvPr id="3" name="Vertical Text Placeholder 2">
-            <a:extLst>
-              <a:ext uri="{FF2B5EF4-FFF2-40B4-BE49-F238E27FC236}">
-                <a16:creationId xmlns:a16="http://schemas.microsoft.com/office/drawing/2014/main" id="{07CE5062-205B-DBA4-319B-89AF103238FC}"/>
-              </a:ext>
-            </a:extLst>
-          </p:cNvPr>
+            <a:endParaRPr lang="en-US" dirty="0"/>
+          </a:p>
+        </p:txBody>
+      </p:sp>
+      <p:sp>
+        <p:nvSpPr>
+          <p:cNvPr id="3" name="Vertical Text Placeholder 2"/>
           <p:cNvSpPr>
             <a:spLocks noGrp="1"/>
           </p:cNvSpPr>
@@ -609,8 +537,8 @@
         </p:nvSpPr>
         <p:spPr>
           <a:xfrm>
-            <a:off x="838200" y="365125"/>
-            <a:ext cx="7734300" cy="5811838"/>
+            <a:off x="471488" y="527403"/>
+            <a:ext cx="4350544" cy="8394877"/>
           </a:xfrm>
         </p:spPr>
         <p:txBody>
@@ -650,19 +578,13 @@
               <a:rPr lang="en-GB"/>
               <a:t>Fifth level</a:t>
             </a:r>
-            <a:endParaRPr lang="en-DK"/>
-          </a:p>
-        </p:txBody>
-      </p:sp>
-      <p:sp>
-        <p:nvSpPr>
-          <p:cNvPr id="4" name="Date Placeholder 3">
-            <a:extLst>
-              <a:ext uri="{FF2B5EF4-FFF2-40B4-BE49-F238E27FC236}">
-                <a16:creationId xmlns:a16="http://schemas.microsoft.com/office/drawing/2014/main" id="{6361B815-45E9-D8A3-6001-0BD14FDC6ABA}"/>
-              </a:ext>
-            </a:extLst>
-          </p:cNvPr>
+            <a:endParaRPr lang="en-US" dirty="0"/>
+          </a:p>
+        </p:txBody>
+      </p:sp>
+      <p:sp>
+        <p:nvSpPr>
+          <p:cNvPr id="4" name="Date Placeholder 3"/>
           <p:cNvSpPr>
             <a:spLocks noGrp="1"/>
           </p:cNvSpPr>
@@ -677,7 +599,7 @@
           <a:p>
             <a:fld id="{EBAEE684-E7C7-AB40-9547-67D2F7A3A955}" type="datetimeFigureOut">
               <a:rPr lang="en-DK" smtClean="0"/>
-              <a:t>01/12/2023</a:t>
+              <a:t>18/01/2024</a:t>
             </a:fld>
             <a:endParaRPr lang="en-DK"/>
           </a:p>
@@ -685,13 +607,7 @@
       </p:sp>
       <p:sp>
         <p:nvSpPr>
-          <p:cNvPr id="5" name="Footer Placeholder 4">
-            <a:extLst>
-              <a:ext uri="{FF2B5EF4-FFF2-40B4-BE49-F238E27FC236}">
-                <a16:creationId xmlns:a16="http://schemas.microsoft.com/office/drawing/2014/main" id="{EF93AABD-66EC-E9F4-01C8-390B7C119FC0}"/>
-              </a:ext>
-            </a:extLst>
-          </p:cNvPr>
+          <p:cNvPr id="5" name="Footer Placeholder 4"/>
           <p:cNvSpPr>
             <a:spLocks noGrp="1"/>
           </p:cNvSpPr>
@@ -710,13 +626,7 @@
       </p:sp>
       <p:sp>
         <p:nvSpPr>
-          <p:cNvPr id="6" name="Slide Number Placeholder 5">
-            <a:extLst>
-              <a:ext uri="{FF2B5EF4-FFF2-40B4-BE49-F238E27FC236}">
-                <a16:creationId xmlns:a16="http://schemas.microsoft.com/office/drawing/2014/main" id="{FA9C60B0-C938-8B9D-560D-CB055E6C465D}"/>
-              </a:ext>
-            </a:extLst>
-          </p:cNvPr>
+          <p:cNvPr id="6" name="Slide Number Placeholder 5"/>
           <p:cNvSpPr>
             <a:spLocks noGrp="1"/>
           </p:cNvSpPr>
@@ -740,7 +650,7 @@
     </p:spTree>
     <p:extLst>
       <p:ext uri="{BB962C8B-B14F-4D97-AF65-F5344CB8AC3E}">
-        <p14:creationId xmlns:p14="http://schemas.microsoft.com/office/powerpoint/2010/main" val="293848733"/>
+        <p14:creationId xmlns:p14="http://schemas.microsoft.com/office/powerpoint/2010/main" val="3639467431"/>
       </p:ext>
     </p:extLst>
   </p:cSld>
@@ -769,13 +679,7 @@
       </p:grpSpPr>
       <p:sp>
         <p:nvSpPr>
-          <p:cNvPr id="2" name="Title 1">
-            <a:extLst>
-              <a:ext uri="{FF2B5EF4-FFF2-40B4-BE49-F238E27FC236}">
-                <a16:creationId xmlns:a16="http://schemas.microsoft.com/office/drawing/2014/main" id="{540930E8-18EF-CD9C-8B03-673B5D59C37E}"/>
-              </a:ext>
-            </a:extLst>
-          </p:cNvPr>
+          <p:cNvPr id="2" name="Title 1"/>
           <p:cNvSpPr>
             <a:spLocks noGrp="1"/>
           </p:cNvSpPr>
@@ -792,19 +696,13 @@
               <a:rPr lang="en-GB"/>
               <a:t>Click to edit Master title style</a:t>
             </a:r>
-            <a:endParaRPr lang="en-DK"/>
-          </a:p>
-        </p:txBody>
-      </p:sp>
-      <p:sp>
-        <p:nvSpPr>
-          <p:cNvPr id="3" name="Content Placeholder 2">
-            <a:extLst>
-              <a:ext uri="{FF2B5EF4-FFF2-40B4-BE49-F238E27FC236}">
-                <a16:creationId xmlns:a16="http://schemas.microsoft.com/office/drawing/2014/main" id="{3A0C422D-F24F-5E61-805C-61F98EB4AA4F}"/>
-              </a:ext>
-            </a:extLst>
-          </p:cNvPr>
+            <a:endParaRPr lang="en-US" dirty="0"/>
+          </a:p>
+        </p:txBody>
+      </p:sp>
+      <p:sp>
+        <p:nvSpPr>
+          <p:cNvPr id="3" name="Content Placeholder 2"/>
           <p:cNvSpPr>
             <a:spLocks noGrp="1"/>
           </p:cNvSpPr>
@@ -850,19 +748,13 @@
               <a:rPr lang="en-GB"/>
               <a:t>Fifth level</a:t>
             </a:r>
-            <a:endParaRPr lang="en-DK"/>
-          </a:p>
-        </p:txBody>
-      </p:sp>
-      <p:sp>
-        <p:nvSpPr>
-          <p:cNvPr id="4" name="Date Placeholder 3">
-            <a:extLst>
-              <a:ext uri="{FF2B5EF4-FFF2-40B4-BE49-F238E27FC236}">
-                <a16:creationId xmlns:a16="http://schemas.microsoft.com/office/drawing/2014/main" id="{269D6C56-B789-CDCD-78A6-F8E4E73AB382}"/>
-              </a:ext>
-            </a:extLst>
-          </p:cNvPr>
+            <a:endParaRPr lang="en-US" dirty="0"/>
+          </a:p>
+        </p:txBody>
+      </p:sp>
+      <p:sp>
+        <p:nvSpPr>
+          <p:cNvPr id="4" name="Date Placeholder 3"/>
           <p:cNvSpPr>
             <a:spLocks noGrp="1"/>
           </p:cNvSpPr>
@@ -877,7 +769,7 @@
           <a:p>
             <a:fld id="{EBAEE684-E7C7-AB40-9547-67D2F7A3A955}" type="datetimeFigureOut">
               <a:rPr lang="en-DK" smtClean="0"/>
-              <a:t>01/12/2023</a:t>
+              <a:t>18/01/2024</a:t>
             </a:fld>
             <a:endParaRPr lang="en-DK"/>
           </a:p>
@@ -885,13 +777,7 @@
       </p:sp>
       <p:sp>
         <p:nvSpPr>
-          <p:cNvPr id="5" name="Footer Placeholder 4">
-            <a:extLst>
-              <a:ext uri="{FF2B5EF4-FFF2-40B4-BE49-F238E27FC236}">
-                <a16:creationId xmlns:a16="http://schemas.microsoft.com/office/drawing/2014/main" id="{C86D9A0D-5B38-BD3E-0285-956A1209DC2C}"/>
-              </a:ext>
-            </a:extLst>
-          </p:cNvPr>
+          <p:cNvPr id="5" name="Footer Placeholder 4"/>
           <p:cNvSpPr>
             <a:spLocks noGrp="1"/>
           </p:cNvSpPr>
@@ -910,13 +796,7 @@
       </p:sp>
       <p:sp>
         <p:nvSpPr>
-          <p:cNvPr id="6" name="Slide Number Placeholder 5">
-            <a:extLst>
-              <a:ext uri="{FF2B5EF4-FFF2-40B4-BE49-F238E27FC236}">
-                <a16:creationId xmlns:a16="http://schemas.microsoft.com/office/drawing/2014/main" id="{9E2C8473-2EF4-D9A6-0549-51287B9F78A6}"/>
-              </a:ext>
-            </a:extLst>
-          </p:cNvPr>
+          <p:cNvPr id="6" name="Slide Number Placeholder 5"/>
           <p:cNvSpPr>
             <a:spLocks noGrp="1"/>
           </p:cNvSpPr>
@@ -940,7 +820,7 @@
     </p:spTree>
     <p:extLst>
       <p:ext uri="{BB962C8B-B14F-4D97-AF65-F5344CB8AC3E}">
-        <p14:creationId xmlns:p14="http://schemas.microsoft.com/office/powerpoint/2010/main" val="3307396748"/>
+        <p14:creationId xmlns:p14="http://schemas.microsoft.com/office/powerpoint/2010/main" val="1996454462"/>
       </p:ext>
     </p:extLst>
   </p:cSld>
@@ -969,13 +849,7 @@
       </p:grpSpPr>
       <p:sp>
         <p:nvSpPr>
-          <p:cNvPr id="2" name="Title 1">
-            <a:extLst>
-              <a:ext uri="{FF2B5EF4-FFF2-40B4-BE49-F238E27FC236}">
-                <a16:creationId xmlns:a16="http://schemas.microsoft.com/office/drawing/2014/main" id="{3774D1E4-F313-4CA7-F92A-DF5CB568F4C4}"/>
-              </a:ext>
-            </a:extLst>
-          </p:cNvPr>
+          <p:cNvPr id="2" name="Title 1"/>
           <p:cNvSpPr>
             <a:spLocks noGrp="1"/>
           </p:cNvSpPr>
@@ -985,15 +859,15 @@
         </p:nvSpPr>
         <p:spPr>
           <a:xfrm>
-            <a:off x="831850" y="1709738"/>
-            <a:ext cx="10515600" cy="2852737"/>
+            <a:off x="467916" y="2469624"/>
+            <a:ext cx="5915025" cy="4120620"/>
           </a:xfrm>
         </p:spPr>
         <p:txBody>
           <a:bodyPr anchor="b"/>
           <a:lstStyle>
             <a:lvl1pPr>
-              <a:defRPr sz="6000"/>
+              <a:defRPr sz="4500"/>
             </a:lvl1pPr>
           </a:lstStyle>
           <a:p>
@@ -1001,19 +875,13 @@
               <a:rPr lang="en-GB"/>
               <a:t>Click to edit Master title style</a:t>
             </a:r>
-            <a:endParaRPr lang="en-DK"/>
-          </a:p>
-        </p:txBody>
-      </p:sp>
-      <p:sp>
-        <p:nvSpPr>
-          <p:cNvPr id="3" name="Text Placeholder 2">
-            <a:extLst>
-              <a:ext uri="{FF2B5EF4-FFF2-40B4-BE49-F238E27FC236}">
-                <a16:creationId xmlns:a16="http://schemas.microsoft.com/office/drawing/2014/main" id="{DB8F07E0-CF28-2A5D-6968-3C7A2BAD4E95}"/>
-              </a:ext>
-            </a:extLst>
-          </p:cNvPr>
+            <a:endParaRPr lang="en-US" dirty="0"/>
+          </a:p>
+        </p:txBody>
+      </p:sp>
+      <p:sp>
+        <p:nvSpPr>
+          <p:cNvPr id="3" name="Text Placeholder 2"/>
           <p:cNvSpPr>
             <a:spLocks noGrp="1"/>
           </p:cNvSpPr>
@@ -1023,8 +891,8 @@
         </p:nvSpPr>
         <p:spPr>
           <a:xfrm>
-            <a:off x="831850" y="4589463"/>
-            <a:ext cx="10515600" cy="1500187"/>
+            <a:off x="467916" y="6629226"/>
+            <a:ext cx="5915025" cy="2166937"/>
           </a:xfrm>
         </p:spPr>
         <p:txBody>
@@ -1032,17 +900,15 @@
           <a:lstStyle>
             <a:lvl1pPr marL="0" indent="0">
               <a:buNone/>
-              <a:defRPr sz="2400">
+              <a:defRPr sz="1800">
                 <a:solidFill>
-                  <a:schemeClr val="tx1">
-                    <a:tint val="75000"/>
-                  </a:schemeClr>
+                  <a:schemeClr val="tx1"/>
                 </a:solidFill>
               </a:defRPr>
             </a:lvl1pPr>
-            <a:lvl2pPr marL="457200" indent="0">
+            <a:lvl2pPr marL="342900" indent="0">
               <a:buNone/>
-              <a:defRPr sz="2000">
+              <a:defRPr sz="1500">
                 <a:solidFill>
                   <a:schemeClr val="tx1">
                     <a:tint val="75000"/>
@@ -1050,9 +916,9 @@
                 </a:solidFill>
               </a:defRPr>
             </a:lvl2pPr>
-            <a:lvl3pPr marL="914400" indent="0">
+            <a:lvl3pPr marL="685800" indent="0">
               <a:buNone/>
-              <a:defRPr sz="1800">
+              <a:defRPr sz="1350">
                 <a:solidFill>
                   <a:schemeClr val="tx1">
                     <a:tint val="75000"/>
@@ -1060,9 +926,9 @@
                 </a:solidFill>
               </a:defRPr>
             </a:lvl3pPr>
-            <a:lvl4pPr marL="1371600" indent="0">
+            <a:lvl4pPr marL="1028700" indent="0">
               <a:buNone/>
-              <a:defRPr sz="1600">
+              <a:defRPr sz="1200">
                 <a:solidFill>
                   <a:schemeClr val="tx1">
                     <a:tint val="75000"/>
@@ -1070,9 +936,9 @@
                 </a:solidFill>
               </a:defRPr>
             </a:lvl4pPr>
-            <a:lvl5pPr marL="1828800" indent="0">
+            <a:lvl5pPr marL="1371600" indent="0">
               <a:buNone/>
-              <a:defRPr sz="1600">
+              <a:defRPr sz="1200">
                 <a:solidFill>
                   <a:schemeClr val="tx1">
                     <a:tint val="75000"/>
@@ -1080,9 +946,9 @@
                 </a:solidFill>
               </a:defRPr>
             </a:lvl5pPr>
-            <a:lvl6pPr marL="2286000" indent="0">
+            <a:lvl6pPr marL="1714500" indent="0">
               <a:buNone/>
-              <a:defRPr sz="1600">
+              <a:defRPr sz="1200">
                 <a:solidFill>
                   <a:schemeClr val="tx1">
                     <a:tint val="75000"/>
@@ -1090,9 +956,9 @@
                 </a:solidFill>
               </a:defRPr>
             </a:lvl6pPr>
-            <a:lvl7pPr marL="2743200" indent="0">
+            <a:lvl7pPr marL="2057400" indent="0">
               <a:buNone/>
-              <a:defRPr sz="1600">
+              <a:defRPr sz="1200">
                 <a:solidFill>
                   <a:schemeClr val="tx1">
                     <a:tint val="75000"/>
@@ -1100,9 +966,9 @@
                 </a:solidFill>
               </a:defRPr>
             </a:lvl7pPr>
-            <a:lvl8pPr marL="3200400" indent="0">
+            <a:lvl8pPr marL="2400300" indent="0">
               <a:buNone/>
-              <a:defRPr sz="1600">
+              <a:defRPr sz="1200">
                 <a:solidFill>
                   <a:schemeClr val="tx1">
                     <a:tint val="75000"/>
@@ -1110,9 +976,9 @@
                 </a:solidFill>
               </a:defRPr>
             </a:lvl8pPr>
-            <a:lvl9pPr marL="3657600" indent="0">
+            <a:lvl9pPr marL="2743200" indent="0">
               <a:buNone/>
-              <a:defRPr sz="1600">
+              <a:defRPr sz="1200">
                 <a:solidFill>
                   <a:schemeClr val="tx1">
                     <a:tint val="75000"/>
@@ -1132,13 +998,7 @@
       </p:sp>
       <p:sp>
         <p:nvSpPr>
-          <p:cNvPr id="4" name="Date Placeholder 3">
-            <a:extLst>
-              <a:ext uri="{FF2B5EF4-FFF2-40B4-BE49-F238E27FC236}">
-                <a16:creationId xmlns:a16="http://schemas.microsoft.com/office/drawing/2014/main" id="{BCDB2F9E-5D5D-E060-7880-6FC810DD5011}"/>
-              </a:ext>
-            </a:extLst>
-          </p:cNvPr>
+          <p:cNvPr id="4" name="Date Placeholder 3"/>
           <p:cNvSpPr>
             <a:spLocks noGrp="1"/>
           </p:cNvSpPr>
@@ -1153,7 +1013,7 @@
           <a:p>
             <a:fld id="{EBAEE684-E7C7-AB40-9547-67D2F7A3A955}" type="datetimeFigureOut">
               <a:rPr lang="en-DK" smtClean="0"/>
-              <a:t>01/12/2023</a:t>
+              <a:t>18/01/2024</a:t>
             </a:fld>
             <a:endParaRPr lang="en-DK"/>
           </a:p>
@@ -1161,13 +1021,7 @@
       </p:sp>
       <p:sp>
         <p:nvSpPr>
-          <p:cNvPr id="5" name="Footer Placeholder 4">
-            <a:extLst>
-              <a:ext uri="{FF2B5EF4-FFF2-40B4-BE49-F238E27FC236}">
-                <a16:creationId xmlns:a16="http://schemas.microsoft.com/office/drawing/2014/main" id="{9674ABF1-E538-8478-84F8-61321123671E}"/>
-              </a:ext>
-            </a:extLst>
-          </p:cNvPr>
+          <p:cNvPr id="5" name="Footer Placeholder 4"/>
           <p:cNvSpPr>
             <a:spLocks noGrp="1"/>
           </p:cNvSpPr>
@@ -1186,13 +1040,7 @@
       </p:sp>
       <p:sp>
         <p:nvSpPr>
-          <p:cNvPr id="6" name="Slide Number Placeholder 5">
-            <a:extLst>
-              <a:ext uri="{FF2B5EF4-FFF2-40B4-BE49-F238E27FC236}">
-                <a16:creationId xmlns:a16="http://schemas.microsoft.com/office/drawing/2014/main" id="{A2DA1E25-6EA1-7089-2E4D-6385BE65C7D9}"/>
-              </a:ext>
-            </a:extLst>
-          </p:cNvPr>
+          <p:cNvPr id="6" name="Slide Number Placeholder 5"/>
           <p:cNvSpPr>
             <a:spLocks noGrp="1"/>
           </p:cNvSpPr>
@@ -1216,7 +1064,7 @@
     </p:spTree>
     <p:extLst>
       <p:ext uri="{BB962C8B-B14F-4D97-AF65-F5344CB8AC3E}">
-        <p14:creationId xmlns:p14="http://schemas.microsoft.com/office/powerpoint/2010/main" val="1932259922"/>
+        <p14:creationId xmlns:p14="http://schemas.microsoft.com/office/powerpoint/2010/main" val="2500062032"/>
       </p:ext>
     </p:extLst>
   </p:cSld>
@@ -1245,13 +1093,7 @@
       </p:grpSpPr>
       <p:sp>
         <p:nvSpPr>
-          <p:cNvPr id="2" name="Title 1">
-            <a:extLst>
-              <a:ext uri="{FF2B5EF4-FFF2-40B4-BE49-F238E27FC236}">
-                <a16:creationId xmlns:a16="http://schemas.microsoft.com/office/drawing/2014/main" id="{FE04713B-EBD4-99CD-A266-D00886AD7852}"/>
-              </a:ext>
-            </a:extLst>
-          </p:cNvPr>
+          <p:cNvPr id="2" name="Title 1"/>
           <p:cNvSpPr>
             <a:spLocks noGrp="1"/>
           </p:cNvSpPr>
@@ -1268,19 +1110,13 @@
               <a:rPr lang="en-GB"/>
               <a:t>Click to edit Master title style</a:t>
             </a:r>
-            <a:endParaRPr lang="en-DK"/>
-          </a:p>
-        </p:txBody>
-      </p:sp>
-      <p:sp>
-        <p:nvSpPr>
-          <p:cNvPr id="3" name="Content Placeholder 2">
-            <a:extLst>
-              <a:ext uri="{FF2B5EF4-FFF2-40B4-BE49-F238E27FC236}">
-                <a16:creationId xmlns:a16="http://schemas.microsoft.com/office/drawing/2014/main" id="{D64D2704-9522-935C-CFB7-D1EF16025040}"/>
-              </a:ext>
-            </a:extLst>
-          </p:cNvPr>
+            <a:endParaRPr lang="en-US" dirty="0"/>
+          </a:p>
+        </p:txBody>
+      </p:sp>
+      <p:sp>
+        <p:nvSpPr>
+          <p:cNvPr id="3" name="Content Placeholder 2"/>
           <p:cNvSpPr>
             <a:spLocks noGrp="1"/>
           </p:cNvSpPr>
@@ -1290,8 +1126,8 @@
         </p:nvSpPr>
         <p:spPr>
           <a:xfrm>
-            <a:off x="838200" y="1825625"/>
-            <a:ext cx="5181600" cy="4351338"/>
+            <a:off x="471488" y="2637014"/>
+            <a:ext cx="2914650" cy="6285266"/>
           </a:xfrm>
         </p:spPr>
         <p:txBody>
@@ -1331,19 +1167,13 @@
               <a:rPr lang="en-GB"/>
               <a:t>Fifth level</a:t>
             </a:r>
-            <a:endParaRPr lang="en-DK"/>
-          </a:p>
-        </p:txBody>
-      </p:sp>
-      <p:sp>
-        <p:nvSpPr>
-          <p:cNvPr id="4" name="Content Placeholder 3">
-            <a:extLst>
-              <a:ext uri="{FF2B5EF4-FFF2-40B4-BE49-F238E27FC236}">
-                <a16:creationId xmlns:a16="http://schemas.microsoft.com/office/drawing/2014/main" id="{DDD99899-A81B-4E14-F027-E0732B235D2A}"/>
-              </a:ext>
-            </a:extLst>
-          </p:cNvPr>
+            <a:endParaRPr lang="en-US" dirty="0"/>
+          </a:p>
+        </p:txBody>
+      </p:sp>
+      <p:sp>
+        <p:nvSpPr>
+          <p:cNvPr id="4" name="Content Placeholder 3"/>
           <p:cNvSpPr>
             <a:spLocks noGrp="1"/>
           </p:cNvSpPr>
@@ -1353,8 +1183,8 @@
         </p:nvSpPr>
         <p:spPr>
           <a:xfrm>
-            <a:off x="6172200" y="1825625"/>
-            <a:ext cx="5181600" cy="4351338"/>
+            <a:off x="3471863" y="2637014"/>
+            <a:ext cx="2914650" cy="6285266"/>
           </a:xfrm>
         </p:spPr>
         <p:txBody>
@@ -1394,19 +1224,13 @@
               <a:rPr lang="en-GB"/>
               <a:t>Fifth level</a:t>
             </a:r>
-            <a:endParaRPr lang="en-DK"/>
-          </a:p>
-        </p:txBody>
-      </p:sp>
-      <p:sp>
-        <p:nvSpPr>
-          <p:cNvPr id="5" name="Date Placeholder 4">
-            <a:extLst>
-              <a:ext uri="{FF2B5EF4-FFF2-40B4-BE49-F238E27FC236}">
-                <a16:creationId xmlns:a16="http://schemas.microsoft.com/office/drawing/2014/main" id="{A4148BB4-009C-B2D5-CBF3-E4E516BE9997}"/>
-              </a:ext>
-            </a:extLst>
-          </p:cNvPr>
+            <a:endParaRPr lang="en-US" dirty="0"/>
+          </a:p>
+        </p:txBody>
+      </p:sp>
+      <p:sp>
+        <p:nvSpPr>
+          <p:cNvPr id="5" name="Date Placeholder 4"/>
           <p:cNvSpPr>
             <a:spLocks noGrp="1"/>
           </p:cNvSpPr>
@@ -1421,7 +1245,7 @@
           <a:p>
             <a:fld id="{EBAEE684-E7C7-AB40-9547-67D2F7A3A955}" type="datetimeFigureOut">
               <a:rPr lang="en-DK" smtClean="0"/>
-              <a:t>01/12/2023</a:t>
+              <a:t>18/01/2024</a:t>
             </a:fld>
             <a:endParaRPr lang="en-DK"/>
           </a:p>
@@ -1429,13 +1253,7 @@
       </p:sp>
       <p:sp>
         <p:nvSpPr>
-          <p:cNvPr id="6" name="Footer Placeholder 5">
-            <a:extLst>
-              <a:ext uri="{FF2B5EF4-FFF2-40B4-BE49-F238E27FC236}">
-                <a16:creationId xmlns:a16="http://schemas.microsoft.com/office/drawing/2014/main" id="{F80DA7D1-6A70-EC39-F895-4EB6CA383273}"/>
-              </a:ext>
-            </a:extLst>
-          </p:cNvPr>
+          <p:cNvPr id="6" name="Footer Placeholder 5"/>
           <p:cNvSpPr>
             <a:spLocks noGrp="1"/>
           </p:cNvSpPr>
@@ -1454,13 +1272,7 @@
       </p:sp>
       <p:sp>
         <p:nvSpPr>
-          <p:cNvPr id="7" name="Slide Number Placeholder 6">
-            <a:extLst>
-              <a:ext uri="{FF2B5EF4-FFF2-40B4-BE49-F238E27FC236}">
-                <a16:creationId xmlns:a16="http://schemas.microsoft.com/office/drawing/2014/main" id="{08513C06-EB66-4D07-6803-6B8B02D4865A}"/>
-              </a:ext>
-            </a:extLst>
-          </p:cNvPr>
+          <p:cNvPr id="7" name="Slide Number Placeholder 6"/>
           <p:cNvSpPr>
             <a:spLocks noGrp="1"/>
           </p:cNvSpPr>
@@ -1484,7 +1296,7 @@
     </p:spTree>
     <p:extLst>
       <p:ext uri="{BB962C8B-B14F-4D97-AF65-F5344CB8AC3E}">
-        <p14:creationId xmlns:p14="http://schemas.microsoft.com/office/powerpoint/2010/main" val="4047775768"/>
+        <p14:creationId xmlns:p14="http://schemas.microsoft.com/office/powerpoint/2010/main" val="2198215031"/>
       </p:ext>
     </p:extLst>
   </p:cSld>
@@ -1513,13 +1325,7 @@
       </p:grpSpPr>
       <p:sp>
         <p:nvSpPr>
-          <p:cNvPr id="2" name="Title 1">
-            <a:extLst>
-              <a:ext uri="{FF2B5EF4-FFF2-40B4-BE49-F238E27FC236}">
-                <a16:creationId xmlns:a16="http://schemas.microsoft.com/office/drawing/2014/main" id="{723E51FC-4E0F-0F31-C8BB-CE4667FE23EA}"/>
-              </a:ext>
-            </a:extLst>
-          </p:cNvPr>
+          <p:cNvPr id="2" name="Title 1"/>
           <p:cNvSpPr>
             <a:spLocks noGrp="1"/>
           </p:cNvSpPr>
@@ -1529,8 +1335,8 @@
         </p:nvSpPr>
         <p:spPr>
           <a:xfrm>
-            <a:off x="839788" y="365125"/>
-            <a:ext cx="10515600" cy="1325563"/>
+            <a:off x="472381" y="527405"/>
+            <a:ext cx="5915025" cy="1914702"/>
           </a:xfrm>
         </p:spPr>
         <p:txBody>
@@ -1541,19 +1347,13 @@
               <a:rPr lang="en-GB"/>
               <a:t>Click to edit Master title style</a:t>
             </a:r>
-            <a:endParaRPr lang="en-DK"/>
-          </a:p>
-        </p:txBody>
-      </p:sp>
-      <p:sp>
-        <p:nvSpPr>
-          <p:cNvPr id="3" name="Text Placeholder 2">
-            <a:extLst>
-              <a:ext uri="{FF2B5EF4-FFF2-40B4-BE49-F238E27FC236}">
-                <a16:creationId xmlns:a16="http://schemas.microsoft.com/office/drawing/2014/main" id="{32CDCB18-B75C-5D71-132F-5AD5E105A0DF}"/>
-              </a:ext>
-            </a:extLst>
-          </p:cNvPr>
+            <a:endParaRPr lang="en-US" dirty="0"/>
+          </a:p>
+        </p:txBody>
+      </p:sp>
+      <p:sp>
+        <p:nvSpPr>
+          <p:cNvPr id="3" name="Text Placeholder 2"/>
           <p:cNvSpPr>
             <a:spLocks noGrp="1"/>
           </p:cNvSpPr>
@@ -1563,8 +1363,8 @@
         </p:nvSpPr>
         <p:spPr>
           <a:xfrm>
-            <a:off x="839788" y="1681163"/>
-            <a:ext cx="5157787" cy="823912"/>
+            <a:off x="472381" y="2428347"/>
+            <a:ext cx="2901255" cy="1190095"/>
           </a:xfrm>
         </p:spPr>
         <p:txBody>
@@ -1572,39 +1372,39 @@
           <a:lstStyle>
             <a:lvl1pPr marL="0" indent="0">
               <a:buNone/>
-              <a:defRPr sz="2400" b="1"/>
+              <a:defRPr sz="1800" b="1"/>
             </a:lvl1pPr>
-            <a:lvl2pPr marL="457200" indent="0">
+            <a:lvl2pPr marL="342900" indent="0">
               <a:buNone/>
-              <a:defRPr sz="2000" b="1"/>
+              <a:defRPr sz="1500" b="1"/>
             </a:lvl2pPr>
-            <a:lvl3pPr marL="914400" indent="0">
+            <a:lvl3pPr marL="685800" indent="0">
               <a:buNone/>
-              <a:defRPr sz="1800" b="1"/>
+              <a:defRPr sz="1350" b="1"/>
             </a:lvl3pPr>
-            <a:lvl4pPr marL="1371600" indent="0">
+            <a:lvl4pPr marL="1028700" indent="0">
               <a:buNone/>
-              <a:defRPr sz="1600" b="1"/>
+              <a:defRPr sz="1200" b="1"/>
             </a:lvl4pPr>
-            <a:lvl5pPr marL="1828800" indent="0">
+            <a:lvl5pPr marL="1371600" indent="0">
               <a:buNone/>
-              <a:defRPr sz="1600" b="1"/>
+              <a:defRPr sz="1200" b="1"/>
             </a:lvl5pPr>
-            <a:lvl6pPr marL="2286000" indent="0">
+            <a:lvl6pPr marL="1714500" indent="0">
               <a:buNone/>
-              <a:defRPr sz="1600" b="1"/>
+              <a:defRPr sz="1200" b="1"/>
             </a:lvl6pPr>
-            <a:lvl7pPr marL="2743200" indent="0">
+            <a:lvl7pPr marL="2057400" indent="0">
               <a:buNone/>
-              <a:defRPr sz="1600" b="1"/>
+              <a:defRPr sz="1200" b="1"/>
             </a:lvl7pPr>
-            <a:lvl8pPr marL="3200400" indent="0">
+            <a:lvl8pPr marL="2400300" indent="0">
               <a:buNone/>
-              <a:defRPr sz="1600" b="1"/>
+              <a:defRPr sz="1200" b="1"/>
             </a:lvl8pPr>
-            <a:lvl9pPr marL="3657600" indent="0">
+            <a:lvl9pPr marL="2743200" indent="0">
               <a:buNone/>
-              <a:defRPr sz="1600" b="1"/>
+              <a:defRPr sz="1200" b="1"/>
             </a:lvl9pPr>
           </a:lstStyle>
           <a:p>
@@ -1618,13 +1418,7 @@
       </p:sp>
       <p:sp>
         <p:nvSpPr>
-          <p:cNvPr id="4" name="Content Placeholder 3">
-            <a:extLst>
-              <a:ext uri="{FF2B5EF4-FFF2-40B4-BE49-F238E27FC236}">
-                <a16:creationId xmlns:a16="http://schemas.microsoft.com/office/drawing/2014/main" id="{D876F26D-4DEB-FE6E-FBC3-FDB62AD45CAF}"/>
-              </a:ext>
-            </a:extLst>
-          </p:cNvPr>
+          <p:cNvPr id="4" name="Content Placeholder 3"/>
           <p:cNvSpPr>
             <a:spLocks noGrp="1"/>
           </p:cNvSpPr>
@@ -1634,8 +1428,8 @@
         </p:nvSpPr>
         <p:spPr>
           <a:xfrm>
-            <a:off x="839788" y="2505075"/>
-            <a:ext cx="5157787" cy="3684588"/>
+            <a:off x="472381" y="3618442"/>
+            <a:ext cx="2901255" cy="5322183"/>
           </a:xfrm>
         </p:spPr>
         <p:txBody>
@@ -1675,19 +1469,13 @@
               <a:rPr lang="en-GB"/>
               <a:t>Fifth level</a:t>
             </a:r>
-            <a:endParaRPr lang="en-DK"/>
-          </a:p>
-        </p:txBody>
-      </p:sp>
-      <p:sp>
-        <p:nvSpPr>
-          <p:cNvPr id="5" name="Text Placeholder 4">
-            <a:extLst>
-              <a:ext uri="{FF2B5EF4-FFF2-40B4-BE49-F238E27FC236}">
-                <a16:creationId xmlns:a16="http://schemas.microsoft.com/office/drawing/2014/main" id="{E45B77EB-DAF7-9492-E4B7-F6EF65BAE6A0}"/>
-              </a:ext>
-            </a:extLst>
-          </p:cNvPr>
+            <a:endParaRPr lang="en-US" dirty="0"/>
+          </a:p>
+        </p:txBody>
+      </p:sp>
+      <p:sp>
+        <p:nvSpPr>
+          <p:cNvPr id="5" name="Text Placeholder 4"/>
           <p:cNvSpPr>
             <a:spLocks noGrp="1"/>
           </p:cNvSpPr>
@@ -1697,8 +1485,8 @@
         </p:nvSpPr>
         <p:spPr>
           <a:xfrm>
-            <a:off x="6172200" y="1681163"/>
-            <a:ext cx="5183188" cy="823912"/>
+            <a:off x="3471863" y="2428347"/>
+            <a:ext cx="2915543" cy="1190095"/>
           </a:xfrm>
         </p:spPr>
         <p:txBody>
@@ -1706,39 +1494,39 @@
           <a:lstStyle>
             <a:lvl1pPr marL="0" indent="0">
               <a:buNone/>
-              <a:defRPr sz="2400" b="1"/>
+              <a:defRPr sz="1800" b="1"/>
             </a:lvl1pPr>
-            <a:lvl2pPr marL="457200" indent="0">
+            <a:lvl2pPr marL="342900" indent="0">
               <a:buNone/>
-              <a:defRPr sz="2000" b="1"/>
+              <a:defRPr sz="1500" b="1"/>
             </a:lvl2pPr>
-            <a:lvl3pPr marL="914400" indent="0">
+            <a:lvl3pPr marL="685800" indent="0">
               <a:buNone/>
-              <a:defRPr sz="1800" b="1"/>
+              <a:defRPr sz="1350" b="1"/>
             </a:lvl3pPr>
-            <a:lvl4pPr marL="1371600" indent="0">
+            <a:lvl4pPr marL="1028700" indent="0">
               <a:buNone/>
-              <a:defRPr sz="1600" b="1"/>
+              <a:defRPr sz="1200" b="1"/>
             </a:lvl4pPr>
-            <a:lvl5pPr marL="1828800" indent="0">
+            <a:lvl5pPr marL="1371600" indent="0">
               <a:buNone/>
-              <a:defRPr sz="1600" b="1"/>
+              <a:defRPr sz="1200" b="1"/>
             </a:lvl5pPr>
-            <a:lvl6pPr marL="2286000" indent="0">
+            <a:lvl6pPr marL="1714500" indent="0">
               <a:buNone/>
-              <a:defRPr sz="1600" b="1"/>
+              <a:defRPr sz="1200" b="1"/>
             </a:lvl6pPr>
-            <a:lvl7pPr marL="2743200" indent="0">
+            <a:lvl7pPr marL="2057400" indent="0">
               <a:buNone/>
-              <a:defRPr sz="1600" b="1"/>
+              <a:defRPr sz="1200" b="1"/>
             </a:lvl7pPr>
-            <a:lvl8pPr marL="3200400" indent="0">
+            <a:lvl8pPr marL="2400300" indent="0">
               <a:buNone/>
-              <a:defRPr sz="1600" b="1"/>
+              <a:defRPr sz="1200" b="1"/>
             </a:lvl8pPr>
-            <a:lvl9pPr marL="3657600" indent="0">
+            <a:lvl9pPr marL="2743200" indent="0">
               <a:buNone/>
-              <a:defRPr sz="1600" b="1"/>
+              <a:defRPr sz="1200" b="1"/>
             </a:lvl9pPr>
           </a:lstStyle>
           <a:p>
@@ -1752,13 +1540,7 @@
       </p:sp>
       <p:sp>
         <p:nvSpPr>
-          <p:cNvPr id="6" name="Content Placeholder 5">
-            <a:extLst>
-              <a:ext uri="{FF2B5EF4-FFF2-40B4-BE49-F238E27FC236}">
-                <a16:creationId xmlns:a16="http://schemas.microsoft.com/office/drawing/2014/main" id="{453439D3-DBA0-D515-CC94-79BD4E3CCAEC}"/>
-              </a:ext>
-            </a:extLst>
-          </p:cNvPr>
+          <p:cNvPr id="6" name="Content Placeholder 5"/>
           <p:cNvSpPr>
             <a:spLocks noGrp="1"/>
           </p:cNvSpPr>
@@ -1768,8 +1550,8 @@
         </p:nvSpPr>
         <p:spPr>
           <a:xfrm>
-            <a:off x="6172200" y="2505075"/>
-            <a:ext cx="5183188" cy="3684588"/>
+            <a:off x="3471863" y="3618442"/>
+            <a:ext cx="2915543" cy="5322183"/>
           </a:xfrm>
         </p:spPr>
         <p:txBody>
@@ -1809,19 +1591,13 @@
               <a:rPr lang="en-GB"/>
               <a:t>Fifth level</a:t>
             </a:r>
-            <a:endParaRPr lang="en-DK"/>
-          </a:p>
-        </p:txBody>
-      </p:sp>
-      <p:sp>
-        <p:nvSpPr>
-          <p:cNvPr id="7" name="Date Placeholder 6">
-            <a:extLst>
-              <a:ext uri="{FF2B5EF4-FFF2-40B4-BE49-F238E27FC236}">
-                <a16:creationId xmlns:a16="http://schemas.microsoft.com/office/drawing/2014/main" id="{019BB351-8326-1408-E3EA-80B25AEBDE31}"/>
-              </a:ext>
-            </a:extLst>
-          </p:cNvPr>
+            <a:endParaRPr lang="en-US" dirty="0"/>
+          </a:p>
+        </p:txBody>
+      </p:sp>
+      <p:sp>
+        <p:nvSpPr>
+          <p:cNvPr id="7" name="Date Placeholder 6"/>
           <p:cNvSpPr>
             <a:spLocks noGrp="1"/>
           </p:cNvSpPr>
@@ -1836,7 +1612,7 @@
           <a:p>
             <a:fld id="{EBAEE684-E7C7-AB40-9547-67D2F7A3A955}" type="datetimeFigureOut">
               <a:rPr lang="en-DK" smtClean="0"/>
-              <a:t>01/12/2023</a:t>
+              <a:t>18/01/2024</a:t>
             </a:fld>
             <a:endParaRPr lang="en-DK"/>
           </a:p>
@@ -1844,13 +1620,7 @@
       </p:sp>
       <p:sp>
         <p:nvSpPr>
-          <p:cNvPr id="8" name="Footer Placeholder 7">
-            <a:extLst>
-              <a:ext uri="{FF2B5EF4-FFF2-40B4-BE49-F238E27FC236}">
-                <a16:creationId xmlns:a16="http://schemas.microsoft.com/office/drawing/2014/main" id="{F94196C4-B0AA-D1F9-9494-559FED481064}"/>
-              </a:ext>
-            </a:extLst>
-          </p:cNvPr>
+          <p:cNvPr id="8" name="Footer Placeholder 7"/>
           <p:cNvSpPr>
             <a:spLocks noGrp="1"/>
           </p:cNvSpPr>
@@ -1869,13 +1639,7 @@
       </p:sp>
       <p:sp>
         <p:nvSpPr>
-          <p:cNvPr id="9" name="Slide Number Placeholder 8">
-            <a:extLst>
-              <a:ext uri="{FF2B5EF4-FFF2-40B4-BE49-F238E27FC236}">
-                <a16:creationId xmlns:a16="http://schemas.microsoft.com/office/drawing/2014/main" id="{A969AA81-1EF3-477F-F515-C64B5C66F991}"/>
-              </a:ext>
-            </a:extLst>
-          </p:cNvPr>
+          <p:cNvPr id="9" name="Slide Number Placeholder 8"/>
           <p:cNvSpPr>
             <a:spLocks noGrp="1"/>
           </p:cNvSpPr>
@@ -1899,7 +1663,7 @@
     </p:spTree>
     <p:extLst>
       <p:ext uri="{BB962C8B-B14F-4D97-AF65-F5344CB8AC3E}">
-        <p14:creationId xmlns:p14="http://schemas.microsoft.com/office/powerpoint/2010/main" val="3442701412"/>
+        <p14:creationId xmlns:p14="http://schemas.microsoft.com/office/powerpoint/2010/main" val="3911866045"/>
       </p:ext>
     </p:extLst>
   </p:cSld>
@@ -1928,13 +1692,7 @@
       </p:grpSpPr>
       <p:sp>
         <p:nvSpPr>
-          <p:cNvPr id="2" name="Title 1">
-            <a:extLst>
-              <a:ext uri="{FF2B5EF4-FFF2-40B4-BE49-F238E27FC236}">
-                <a16:creationId xmlns:a16="http://schemas.microsoft.com/office/drawing/2014/main" id="{2F4C10D6-61D5-FF58-33A1-0A2ACCF58C4E}"/>
-              </a:ext>
-            </a:extLst>
-          </p:cNvPr>
+          <p:cNvPr id="2" name="Title 1"/>
           <p:cNvSpPr>
             <a:spLocks noGrp="1"/>
           </p:cNvSpPr>
@@ -1951,19 +1709,13 @@
               <a:rPr lang="en-GB"/>
               <a:t>Click to edit Master title style</a:t>
             </a:r>
-            <a:endParaRPr lang="en-DK"/>
-          </a:p>
-        </p:txBody>
-      </p:sp>
-      <p:sp>
-        <p:nvSpPr>
-          <p:cNvPr id="3" name="Date Placeholder 2">
-            <a:extLst>
-              <a:ext uri="{FF2B5EF4-FFF2-40B4-BE49-F238E27FC236}">
-                <a16:creationId xmlns:a16="http://schemas.microsoft.com/office/drawing/2014/main" id="{2BDAD004-110C-533E-DD35-6B56724B3356}"/>
-              </a:ext>
-            </a:extLst>
-          </p:cNvPr>
+            <a:endParaRPr lang="en-US" dirty="0"/>
+          </a:p>
+        </p:txBody>
+      </p:sp>
+      <p:sp>
+        <p:nvSpPr>
+          <p:cNvPr id="3" name="Date Placeholder 2"/>
           <p:cNvSpPr>
             <a:spLocks noGrp="1"/>
           </p:cNvSpPr>
@@ -1978,7 +1730,7 @@
           <a:p>
             <a:fld id="{EBAEE684-E7C7-AB40-9547-67D2F7A3A955}" type="datetimeFigureOut">
               <a:rPr lang="en-DK" smtClean="0"/>
-              <a:t>01/12/2023</a:t>
+              <a:t>18/01/2024</a:t>
             </a:fld>
             <a:endParaRPr lang="en-DK"/>
           </a:p>
@@ -1986,13 +1738,7 @@
       </p:sp>
       <p:sp>
         <p:nvSpPr>
-          <p:cNvPr id="4" name="Footer Placeholder 3">
-            <a:extLst>
-              <a:ext uri="{FF2B5EF4-FFF2-40B4-BE49-F238E27FC236}">
-                <a16:creationId xmlns:a16="http://schemas.microsoft.com/office/drawing/2014/main" id="{B0041917-78DE-6A82-98CD-A698CD5A7A0A}"/>
-              </a:ext>
-            </a:extLst>
-          </p:cNvPr>
+          <p:cNvPr id="4" name="Footer Placeholder 3"/>
           <p:cNvSpPr>
             <a:spLocks noGrp="1"/>
           </p:cNvSpPr>
@@ -2011,13 +1757,7 @@
       </p:sp>
       <p:sp>
         <p:nvSpPr>
-          <p:cNvPr id="5" name="Slide Number Placeholder 4">
-            <a:extLst>
-              <a:ext uri="{FF2B5EF4-FFF2-40B4-BE49-F238E27FC236}">
-                <a16:creationId xmlns:a16="http://schemas.microsoft.com/office/drawing/2014/main" id="{0BA21CC7-6D61-5767-C859-4A1248180E8E}"/>
-              </a:ext>
-            </a:extLst>
-          </p:cNvPr>
+          <p:cNvPr id="5" name="Slide Number Placeholder 4"/>
           <p:cNvSpPr>
             <a:spLocks noGrp="1"/>
           </p:cNvSpPr>
@@ -2041,7 +1781,7 @@
     </p:spTree>
     <p:extLst>
       <p:ext uri="{BB962C8B-B14F-4D97-AF65-F5344CB8AC3E}">
-        <p14:creationId xmlns:p14="http://schemas.microsoft.com/office/powerpoint/2010/main" val="833569266"/>
+        <p14:creationId xmlns:p14="http://schemas.microsoft.com/office/powerpoint/2010/main" val="3227287093"/>
       </p:ext>
     </p:extLst>
   </p:cSld>
@@ -2070,13 +1810,7 @@
       </p:grpSpPr>
       <p:sp>
         <p:nvSpPr>
-          <p:cNvPr id="2" name="Date Placeholder 1">
-            <a:extLst>
-              <a:ext uri="{FF2B5EF4-FFF2-40B4-BE49-F238E27FC236}">
-                <a16:creationId xmlns:a16="http://schemas.microsoft.com/office/drawing/2014/main" id="{F8AEF4F5-389A-5A61-4D51-170AEEC1E081}"/>
-              </a:ext>
-            </a:extLst>
-          </p:cNvPr>
+          <p:cNvPr id="2" name="Date Placeholder 1"/>
           <p:cNvSpPr>
             <a:spLocks noGrp="1"/>
           </p:cNvSpPr>
@@ -2091,7 +1825,7 @@
           <a:p>
             <a:fld id="{EBAEE684-E7C7-AB40-9547-67D2F7A3A955}" type="datetimeFigureOut">
               <a:rPr lang="en-DK" smtClean="0"/>
-              <a:t>01/12/2023</a:t>
+              <a:t>18/01/2024</a:t>
             </a:fld>
             <a:endParaRPr lang="en-DK"/>
           </a:p>
@@ -2099,13 +1833,7 @@
       </p:sp>
       <p:sp>
         <p:nvSpPr>
-          <p:cNvPr id="3" name="Footer Placeholder 2">
-            <a:extLst>
-              <a:ext uri="{FF2B5EF4-FFF2-40B4-BE49-F238E27FC236}">
-                <a16:creationId xmlns:a16="http://schemas.microsoft.com/office/drawing/2014/main" id="{640954C7-2A8C-1802-53C2-8F54B037CD15}"/>
-              </a:ext>
-            </a:extLst>
-          </p:cNvPr>
+          <p:cNvPr id="3" name="Footer Placeholder 2"/>
           <p:cNvSpPr>
             <a:spLocks noGrp="1"/>
           </p:cNvSpPr>
@@ -2124,13 +1852,7 @@
       </p:sp>
       <p:sp>
         <p:nvSpPr>
-          <p:cNvPr id="4" name="Slide Number Placeholder 3">
-            <a:extLst>
-              <a:ext uri="{FF2B5EF4-FFF2-40B4-BE49-F238E27FC236}">
-                <a16:creationId xmlns:a16="http://schemas.microsoft.com/office/drawing/2014/main" id="{C242E0E8-E2BD-67FD-B83B-870DC27EE8F8}"/>
-              </a:ext>
-            </a:extLst>
-          </p:cNvPr>
+          <p:cNvPr id="4" name="Slide Number Placeholder 3"/>
           <p:cNvSpPr>
             <a:spLocks noGrp="1"/>
           </p:cNvSpPr>
@@ -2154,7 +1876,7 @@
     </p:spTree>
     <p:extLst>
       <p:ext uri="{BB962C8B-B14F-4D97-AF65-F5344CB8AC3E}">
-        <p14:creationId xmlns:p14="http://schemas.microsoft.com/office/powerpoint/2010/main" val="2266484582"/>
+        <p14:creationId xmlns:p14="http://schemas.microsoft.com/office/powerpoint/2010/main" val="1007777168"/>
       </p:ext>
     </p:extLst>
   </p:cSld>
@@ -2183,13 +1905,7 @@
       </p:grpSpPr>
       <p:sp>
         <p:nvSpPr>
-          <p:cNvPr id="2" name="Title 1">
-            <a:extLst>
-              <a:ext uri="{FF2B5EF4-FFF2-40B4-BE49-F238E27FC236}">
-                <a16:creationId xmlns:a16="http://schemas.microsoft.com/office/drawing/2014/main" id="{5C5C1090-DEF9-1054-89B8-214724655168}"/>
-              </a:ext>
-            </a:extLst>
-          </p:cNvPr>
+          <p:cNvPr id="2" name="Title 1"/>
           <p:cNvSpPr>
             <a:spLocks noGrp="1"/>
           </p:cNvSpPr>
@@ -2199,15 +1915,15 @@
         </p:nvSpPr>
         <p:spPr>
           <a:xfrm>
-            <a:off x="839788" y="457200"/>
-            <a:ext cx="3932237" cy="1600200"/>
+            <a:off x="472381" y="660400"/>
+            <a:ext cx="2211884" cy="2311400"/>
           </a:xfrm>
         </p:spPr>
         <p:txBody>
           <a:bodyPr anchor="b"/>
           <a:lstStyle>
             <a:lvl1pPr>
-              <a:defRPr sz="3200"/>
+              <a:defRPr sz="2400"/>
             </a:lvl1pPr>
           </a:lstStyle>
           <a:p>
@@ -2215,19 +1931,13 @@
               <a:rPr lang="en-GB"/>
               <a:t>Click to edit Master title style</a:t>
             </a:r>
-            <a:endParaRPr lang="en-DK"/>
-          </a:p>
-        </p:txBody>
-      </p:sp>
-      <p:sp>
-        <p:nvSpPr>
-          <p:cNvPr id="3" name="Content Placeholder 2">
-            <a:extLst>
-              <a:ext uri="{FF2B5EF4-FFF2-40B4-BE49-F238E27FC236}">
-                <a16:creationId xmlns:a16="http://schemas.microsoft.com/office/drawing/2014/main" id="{92C08F65-4820-6B48-6E0C-FDB81EE4727E}"/>
-              </a:ext>
-            </a:extLst>
-          </p:cNvPr>
+            <a:endParaRPr lang="en-US" dirty="0"/>
+          </a:p>
+        </p:txBody>
+      </p:sp>
+      <p:sp>
+        <p:nvSpPr>
+          <p:cNvPr id="3" name="Content Placeholder 2"/>
           <p:cNvSpPr>
             <a:spLocks noGrp="1"/>
           </p:cNvSpPr>
@@ -2237,39 +1947,39 @@
         </p:nvSpPr>
         <p:spPr>
           <a:xfrm>
-            <a:off x="5183188" y="987425"/>
-            <a:ext cx="6172200" cy="4873625"/>
+            <a:off x="2915543" y="1426282"/>
+            <a:ext cx="3471863" cy="7039681"/>
           </a:xfrm>
         </p:spPr>
         <p:txBody>
           <a:bodyPr/>
           <a:lstStyle>
             <a:lvl1pPr>
-              <a:defRPr sz="3200"/>
+              <a:defRPr sz="2400"/>
             </a:lvl1pPr>
             <a:lvl2pPr>
-              <a:defRPr sz="2800"/>
+              <a:defRPr sz="2100"/>
             </a:lvl2pPr>
             <a:lvl3pPr>
-              <a:defRPr sz="2400"/>
+              <a:defRPr sz="1800"/>
             </a:lvl3pPr>
             <a:lvl4pPr>
-              <a:defRPr sz="2000"/>
+              <a:defRPr sz="1500"/>
             </a:lvl4pPr>
             <a:lvl5pPr>
-              <a:defRPr sz="2000"/>
+              <a:defRPr sz="1500"/>
             </a:lvl5pPr>
             <a:lvl6pPr>
-              <a:defRPr sz="2000"/>
+              <a:defRPr sz="1500"/>
             </a:lvl6pPr>
             <a:lvl7pPr>
-              <a:defRPr sz="2000"/>
+              <a:defRPr sz="1500"/>
             </a:lvl7pPr>
             <a:lvl8pPr>
-              <a:defRPr sz="2000"/>
+              <a:defRPr sz="1500"/>
             </a:lvl8pPr>
             <a:lvl9pPr>
-              <a:defRPr sz="2000"/>
+              <a:defRPr sz="1500"/>
             </a:lvl9pPr>
           </a:lstStyle>
           <a:p>
@@ -2306,19 +2016,13 @@
               <a:rPr lang="en-GB"/>
               <a:t>Fifth level</a:t>
             </a:r>
-            <a:endParaRPr lang="en-DK"/>
-          </a:p>
-        </p:txBody>
-      </p:sp>
-      <p:sp>
-        <p:nvSpPr>
-          <p:cNvPr id="4" name="Text Placeholder 3">
-            <a:extLst>
-              <a:ext uri="{FF2B5EF4-FFF2-40B4-BE49-F238E27FC236}">
-                <a16:creationId xmlns:a16="http://schemas.microsoft.com/office/drawing/2014/main" id="{F9F26FF7-C4BA-F6B0-DCFF-87D6B883ACB6}"/>
-              </a:ext>
-            </a:extLst>
-          </p:cNvPr>
+            <a:endParaRPr lang="en-US" dirty="0"/>
+          </a:p>
+        </p:txBody>
+      </p:sp>
+      <p:sp>
+        <p:nvSpPr>
+          <p:cNvPr id="4" name="Text Placeholder 3"/>
           <p:cNvSpPr>
             <a:spLocks noGrp="1"/>
           </p:cNvSpPr>
@@ -2328,8 +2032,8 @@
         </p:nvSpPr>
         <p:spPr>
           <a:xfrm>
-            <a:off x="839788" y="2057400"/>
-            <a:ext cx="3932237" cy="3811588"/>
+            <a:off x="472381" y="2971800"/>
+            <a:ext cx="2211884" cy="5505627"/>
           </a:xfrm>
         </p:spPr>
         <p:txBody>
@@ -2337,39 +2041,39 @@
           <a:lstStyle>
             <a:lvl1pPr marL="0" indent="0">
               <a:buNone/>
-              <a:defRPr sz="1600"/>
+              <a:defRPr sz="1200"/>
             </a:lvl1pPr>
-            <a:lvl2pPr marL="457200" indent="0">
+            <a:lvl2pPr marL="342900" indent="0">
               <a:buNone/>
-              <a:defRPr sz="1400"/>
+              <a:defRPr sz="1050"/>
             </a:lvl2pPr>
-            <a:lvl3pPr marL="914400" indent="0">
+            <a:lvl3pPr marL="685800" indent="0">
               <a:buNone/>
-              <a:defRPr sz="1200"/>
+              <a:defRPr sz="900"/>
             </a:lvl3pPr>
-            <a:lvl4pPr marL="1371600" indent="0">
+            <a:lvl4pPr marL="1028700" indent="0">
               <a:buNone/>
-              <a:defRPr sz="1000"/>
+              <a:defRPr sz="750"/>
             </a:lvl4pPr>
-            <a:lvl5pPr marL="1828800" indent="0">
+            <a:lvl5pPr marL="1371600" indent="0">
               <a:buNone/>
-              <a:defRPr sz="1000"/>
+              <a:defRPr sz="750"/>
             </a:lvl5pPr>
-            <a:lvl6pPr marL="2286000" indent="0">
+            <a:lvl6pPr marL="1714500" indent="0">
               <a:buNone/>
-              <a:defRPr sz="1000"/>
+              <a:defRPr sz="750"/>
             </a:lvl6pPr>
-            <a:lvl7pPr marL="2743200" indent="0">
+            <a:lvl7pPr marL="2057400" indent="0">
               <a:buNone/>
-              <a:defRPr sz="1000"/>
+              <a:defRPr sz="750"/>
             </a:lvl7pPr>
-            <a:lvl8pPr marL="3200400" indent="0">
+            <a:lvl8pPr marL="2400300" indent="0">
               <a:buNone/>
-              <a:defRPr sz="1000"/>
+              <a:defRPr sz="750"/>
             </a:lvl8pPr>
-            <a:lvl9pPr marL="3657600" indent="0">
+            <a:lvl9pPr marL="2743200" indent="0">
               <a:buNone/>
-              <a:defRPr sz="1000"/>
+              <a:defRPr sz="750"/>
             </a:lvl9pPr>
           </a:lstStyle>
           <a:p>
@@ -2383,13 +2087,7 @@
       </p:sp>
       <p:sp>
         <p:nvSpPr>
-          <p:cNvPr id="5" name="Date Placeholder 4">
-            <a:extLst>
-              <a:ext uri="{FF2B5EF4-FFF2-40B4-BE49-F238E27FC236}">
-                <a16:creationId xmlns:a16="http://schemas.microsoft.com/office/drawing/2014/main" id="{7A88157C-2666-34D1-22C6-6D66785FB098}"/>
-              </a:ext>
-            </a:extLst>
-          </p:cNvPr>
+          <p:cNvPr id="5" name="Date Placeholder 4"/>
           <p:cNvSpPr>
             <a:spLocks noGrp="1"/>
           </p:cNvSpPr>
@@ -2404,7 +2102,7 @@
           <a:p>
             <a:fld id="{EBAEE684-E7C7-AB40-9547-67D2F7A3A955}" type="datetimeFigureOut">
               <a:rPr lang="en-DK" smtClean="0"/>
-              <a:t>01/12/2023</a:t>
+              <a:t>18/01/2024</a:t>
             </a:fld>
             <a:endParaRPr lang="en-DK"/>
           </a:p>
@@ -2412,13 +2110,7 @@
       </p:sp>
       <p:sp>
         <p:nvSpPr>
-          <p:cNvPr id="6" name="Footer Placeholder 5">
-            <a:extLst>
-              <a:ext uri="{FF2B5EF4-FFF2-40B4-BE49-F238E27FC236}">
-                <a16:creationId xmlns:a16="http://schemas.microsoft.com/office/drawing/2014/main" id="{77EFC72A-09A4-D912-13C4-A065A3E817EC}"/>
-              </a:ext>
-            </a:extLst>
-          </p:cNvPr>
+          <p:cNvPr id="6" name="Footer Placeholder 5"/>
           <p:cNvSpPr>
             <a:spLocks noGrp="1"/>
           </p:cNvSpPr>
@@ -2437,13 +2129,7 @@
       </p:sp>
       <p:sp>
         <p:nvSpPr>
-          <p:cNvPr id="7" name="Slide Number Placeholder 6">
-            <a:extLst>
-              <a:ext uri="{FF2B5EF4-FFF2-40B4-BE49-F238E27FC236}">
-                <a16:creationId xmlns:a16="http://schemas.microsoft.com/office/drawing/2014/main" id="{3891D236-CBCC-29B1-8F71-D240763FCCF1}"/>
-              </a:ext>
-            </a:extLst>
-          </p:cNvPr>
+          <p:cNvPr id="7" name="Slide Number Placeholder 6"/>
           <p:cNvSpPr>
             <a:spLocks noGrp="1"/>
           </p:cNvSpPr>
@@ -2467,7 +2153,7 @@
     </p:spTree>
     <p:extLst>
       <p:ext uri="{BB962C8B-B14F-4D97-AF65-F5344CB8AC3E}">
-        <p14:creationId xmlns:p14="http://schemas.microsoft.com/office/powerpoint/2010/main" val="2352787338"/>
+        <p14:creationId xmlns:p14="http://schemas.microsoft.com/office/powerpoint/2010/main" val="2810872902"/>
       </p:ext>
     </p:extLst>
   </p:cSld>
@@ -2496,13 +2182,7 @@
       </p:grpSpPr>
       <p:sp>
         <p:nvSpPr>
-          <p:cNvPr id="2" name="Title 1">
-            <a:extLst>
-              <a:ext uri="{FF2B5EF4-FFF2-40B4-BE49-F238E27FC236}">
-                <a16:creationId xmlns:a16="http://schemas.microsoft.com/office/drawing/2014/main" id="{00CC5D5C-EBBC-BBE4-3F10-6DE30ED52165}"/>
-              </a:ext>
-            </a:extLst>
-          </p:cNvPr>
+          <p:cNvPr id="2" name="Title 1"/>
           <p:cNvSpPr>
             <a:spLocks noGrp="1"/>
           </p:cNvSpPr>
@@ -2512,15 +2192,15 @@
         </p:nvSpPr>
         <p:spPr>
           <a:xfrm>
-            <a:off x="839788" y="457200"/>
-            <a:ext cx="3932237" cy="1600200"/>
+            <a:off x="472381" y="660400"/>
+            <a:ext cx="2211884" cy="2311400"/>
           </a:xfrm>
         </p:spPr>
         <p:txBody>
           <a:bodyPr anchor="b"/>
           <a:lstStyle>
             <a:lvl1pPr>
-              <a:defRPr sz="3200"/>
+              <a:defRPr sz="2400"/>
             </a:lvl1pPr>
           </a:lstStyle>
           <a:p>
@@ -2528,21 +2208,15 @@
               <a:rPr lang="en-GB"/>
               <a:t>Click to edit Master title style</a:t>
             </a:r>
-            <a:endParaRPr lang="en-DK"/>
-          </a:p>
-        </p:txBody>
-      </p:sp>
-      <p:sp>
-        <p:nvSpPr>
-          <p:cNvPr id="3" name="Picture Placeholder 2">
-            <a:extLst>
-              <a:ext uri="{FF2B5EF4-FFF2-40B4-BE49-F238E27FC236}">
-                <a16:creationId xmlns:a16="http://schemas.microsoft.com/office/drawing/2014/main" id="{AF1712BB-C61E-4528-0BD8-C8DA9745881C}"/>
-              </a:ext>
-            </a:extLst>
-          </p:cNvPr>
+            <a:endParaRPr lang="en-US" dirty="0"/>
+          </a:p>
+        </p:txBody>
+      </p:sp>
+      <p:sp>
+        <p:nvSpPr>
+          <p:cNvPr id="3" name="Picture Placeholder 2"/>
           <p:cNvSpPr>
-            <a:spLocks noGrp="1"/>
+            <a:spLocks noGrp="1" noChangeAspect="1"/>
           </p:cNvSpPr>
           <p:nvPr>
             <p:ph type="pic" idx="1"/>
@@ -2550,64 +2224,62 @@
         </p:nvSpPr>
         <p:spPr>
           <a:xfrm>
-            <a:off x="5183188" y="987425"/>
-            <a:ext cx="6172200" cy="4873625"/>
-          </a:xfrm>
-        </p:spPr>
-        <p:txBody>
-          <a:bodyPr/>
+            <a:off x="2915543" y="1426282"/>
+            <a:ext cx="3471863" cy="7039681"/>
+          </a:xfrm>
+        </p:spPr>
+        <p:txBody>
+          <a:bodyPr anchor="t"/>
           <a:lstStyle>
             <a:lvl1pPr marL="0" indent="0">
               <a:buNone/>
-              <a:defRPr sz="3200"/>
+              <a:defRPr sz="2400"/>
             </a:lvl1pPr>
-            <a:lvl2pPr marL="457200" indent="0">
+            <a:lvl2pPr marL="342900" indent="0">
               <a:buNone/>
-              <a:defRPr sz="2800"/>
+              <a:defRPr sz="2100"/>
             </a:lvl2pPr>
-            <a:lvl3pPr marL="914400" indent="0">
+            <a:lvl3pPr marL="685800" indent="0">
               <a:buNone/>
-              <a:defRPr sz="2400"/>
+              <a:defRPr sz="1800"/>
             </a:lvl3pPr>
-            <a:lvl4pPr marL="1371600" indent="0">
+            <a:lvl4pPr marL="1028700" indent="0">
               <a:buNone/>
-              <a:defRPr sz="2000"/>
+              <a:defRPr sz="1500"/>
             </a:lvl4pPr>
-            <a:lvl5pPr marL="1828800" indent="0">
+            <a:lvl5pPr marL="1371600" indent="0">
               <a:buNone/>
-              <a:defRPr sz="2000"/>
+              <a:defRPr sz="1500"/>
             </a:lvl5pPr>
-            <a:lvl6pPr marL="2286000" indent="0">
+            <a:lvl6pPr marL="1714500" indent="0">
               <a:buNone/>
-              <a:defRPr sz="2000"/>
+              <a:defRPr sz="1500"/>
             </a:lvl6pPr>
-            <a:lvl7pPr marL="2743200" indent="0">
+            <a:lvl7pPr marL="2057400" indent="0">
               <a:buNone/>
-              <a:defRPr sz="2000"/>
+              <a:defRPr sz="1500"/>
             </a:lvl7pPr>
-            <a:lvl8pPr marL="3200400" indent="0">
+            <a:lvl8pPr marL="2400300" indent="0">
               <a:buNone/>
-              <a:defRPr sz="2000"/>
+              <a:defRPr sz="1500"/>
             </a:lvl8pPr>
-            <a:lvl9pPr marL="3657600" indent="0">
+            <a:lvl9pPr marL="2743200" indent="0">
               <a:buNone/>
-              <a:defRPr sz="2000"/>
+              <a:defRPr sz="1500"/>
             </a:lvl9pPr>
           </a:lstStyle>
           <a:p>
-            <a:endParaRPr lang="en-DK"/>
-          </a:p>
-        </p:txBody>
-      </p:sp>
-      <p:sp>
-        <p:nvSpPr>
-          <p:cNvPr id="4" name="Text Placeholder 3">
-            <a:extLst>
-              <a:ext uri="{FF2B5EF4-FFF2-40B4-BE49-F238E27FC236}">
-                <a16:creationId xmlns:a16="http://schemas.microsoft.com/office/drawing/2014/main" id="{BAFFA20F-B13C-9235-C0CF-E04483DC2FC1}"/>
-              </a:ext>
-            </a:extLst>
-          </p:cNvPr>
+            <a:r>
+              <a:rPr lang="en-GB"/>
+              <a:t>Click icon to add picture</a:t>
+            </a:r>
+            <a:endParaRPr lang="en-US" dirty="0"/>
+          </a:p>
+        </p:txBody>
+      </p:sp>
+      <p:sp>
+        <p:nvSpPr>
+          <p:cNvPr id="4" name="Text Placeholder 3"/>
           <p:cNvSpPr>
             <a:spLocks noGrp="1"/>
           </p:cNvSpPr>
@@ -2617,8 +2289,8 @@
         </p:nvSpPr>
         <p:spPr>
           <a:xfrm>
-            <a:off x="839788" y="2057400"/>
-            <a:ext cx="3932237" cy="3811588"/>
+            <a:off x="472381" y="2971800"/>
+            <a:ext cx="2211884" cy="5505627"/>
           </a:xfrm>
         </p:spPr>
         <p:txBody>
@@ -2626,39 +2298,39 @@
           <a:lstStyle>
             <a:lvl1pPr marL="0" indent="0">
               <a:buNone/>
-              <a:defRPr sz="1600"/>
+              <a:defRPr sz="1200"/>
             </a:lvl1pPr>
-            <a:lvl2pPr marL="457200" indent="0">
+            <a:lvl2pPr marL="342900" indent="0">
               <a:buNone/>
-              <a:defRPr sz="1400"/>
+              <a:defRPr sz="1050"/>
             </a:lvl2pPr>
-            <a:lvl3pPr marL="914400" indent="0">
+            <a:lvl3pPr marL="685800" indent="0">
               <a:buNone/>
-              <a:defRPr sz="1200"/>
+              <a:defRPr sz="900"/>
             </a:lvl3pPr>
-            <a:lvl4pPr marL="1371600" indent="0">
+            <a:lvl4pPr marL="1028700" indent="0">
               <a:buNone/>
-              <a:defRPr sz="1000"/>
+              <a:defRPr sz="750"/>
             </a:lvl4pPr>
-            <a:lvl5pPr marL="1828800" indent="0">
+            <a:lvl5pPr marL="1371600" indent="0">
               <a:buNone/>
-              <a:defRPr sz="1000"/>
+              <a:defRPr sz="750"/>
             </a:lvl5pPr>
-            <a:lvl6pPr marL="2286000" indent="0">
+            <a:lvl6pPr marL="1714500" indent="0">
               <a:buNone/>
-              <a:defRPr sz="1000"/>
+              <a:defRPr sz="750"/>
             </a:lvl6pPr>
-            <a:lvl7pPr marL="2743200" indent="0">
+            <a:lvl7pPr marL="2057400" indent="0">
               <a:buNone/>
-              <a:defRPr sz="1000"/>
+              <a:defRPr sz="750"/>
             </a:lvl7pPr>
-            <a:lvl8pPr marL="3200400" indent="0">
+            <a:lvl8pPr marL="2400300" indent="0">
               <a:buNone/>
-              <a:defRPr sz="1000"/>
+              <a:defRPr sz="750"/>
             </a:lvl8pPr>
-            <a:lvl9pPr marL="3657600" indent="0">
+            <a:lvl9pPr marL="2743200" indent="0">
               <a:buNone/>
-              <a:defRPr sz="1000"/>
+              <a:defRPr sz="750"/>
             </a:lvl9pPr>
           </a:lstStyle>
           <a:p>
@@ -2672,13 +2344,7 @@
       </p:sp>
       <p:sp>
         <p:nvSpPr>
-          <p:cNvPr id="5" name="Date Placeholder 4">
-            <a:extLst>
-              <a:ext uri="{FF2B5EF4-FFF2-40B4-BE49-F238E27FC236}">
-                <a16:creationId xmlns:a16="http://schemas.microsoft.com/office/drawing/2014/main" id="{E369FE7E-ABBF-817C-5640-D978409E2642}"/>
-              </a:ext>
-            </a:extLst>
-          </p:cNvPr>
+          <p:cNvPr id="5" name="Date Placeholder 4"/>
           <p:cNvSpPr>
             <a:spLocks noGrp="1"/>
           </p:cNvSpPr>
@@ -2693,7 +2359,7 @@
           <a:p>
             <a:fld id="{EBAEE684-E7C7-AB40-9547-67D2F7A3A955}" type="datetimeFigureOut">
               <a:rPr lang="en-DK" smtClean="0"/>
-              <a:t>01/12/2023</a:t>
+              <a:t>18/01/2024</a:t>
             </a:fld>
             <a:endParaRPr lang="en-DK"/>
           </a:p>
@@ -2701,13 +2367,7 @@
       </p:sp>
       <p:sp>
         <p:nvSpPr>
-          <p:cNvPr id="6" name="Footer Placeholder 5">
-            <a:extLst>
-              <a:ext uri="{FF2B5EF4-FFF2-40B4-BE49-F238E27FC236}">
-                <a16:creationId xmlns:a16="http://schemas.microsoft.com/office/drawing/2014/main" id="{5AF8A413-8767-5C54-6480-70235E0BDBE4}"/>
-              </a:ext>
-            </a:extLst>
-          </p:cNvPr>
+          <p:cNvPr id="6" name="Footer Placeholder 5"/>
           <p:cNvSpPr>
             <a:spLocks noGrp="1"/>
           </p:cNvSpPr>
@@ -2726,13 +2386,7 @@
       </p:sp>
       <p:sp>
         <p:nvSpPr>
-          <p:cNvPr id="7" name="Slide Number Placeholder 6">
-            <a:extLst>
-              <a:ext uri="{FF2B5EF4-FFF2-40B4-BE49-F238E27FC236}">
-                <a16:creationId xmlns:a16="http://schemas.microsoft.com/office/drawing/2014/main" id="{E93B9177-96CE-4F86-3FAF-0B5DD0B2E720}"/>
-              </a:ext>
-            </a:extLst>
-          </p:cNvPr>
+          <p:cNvPr id="7" name="Slide Number Placeholder 6"/>
           <p:cNvSpPr>
             <a:spLocks noGrp="1"/>
           </p:cNvSpPr>
@@ -2756,7 +2410,7 @@
     </p:spTree>
     <p:extLst>
       <p:ext uri="{BB962C8B-B14F-4D97-AF65-F5344CB8AC3E}">
-        <p14:creationId xmlns:p14="http://schemas.microsoft.com/office/powerpoint/2010/main" val="3616221957"/>
+        <p14:creationId xmlns:p14="http://schemas.microsoft.com/office/powerpoint/2010/main" val="3588659270"/>
       </p:ext>
     </p:extLst>
   </p:cSld>
@@ -2790,13 +2444,7 @@
       </p:grpSpPr>
       <p:sp>
         <p:nvSpPr>
-          <p:cNvPr id="2" name="Title Placeholder 1">
-            <a:extLst>
-              <a:ext uri="{FF2B5EF4-FFF2-40B4-BE49-F238E27FC236}">
-                <a16:creationId xmlns:a16="http://schemas.microsoft.com/office/drawing/2014/main" id="{ECE3CC87-0985-A91E-8AB6-E4EAED4A46EF}"/>
-              </a:ext>
-            </a:extLst>
-          </p:cNvPr>
+          <p:cNvPr id="2" name="Title Placeholder 1"/>
           <p:cNvSpPr>
             <a:spLocks noGrp="1"/>
           </p:cNvSpPr>
@@ -2806,8 +2454,8 @@
         </p:nvSpPr>
         <p:spPr>
           <a:xfrm>
-            <a:off x="838200" y="365125"/>
-            <a:ext cx="10515600" cy="1325563"/>
+            <a:off x="471488" y="527405"/>
+            <a:ext cx="5915025" cy="1914702"/>
           </a:xfrm>
           <a:prstGeom prst="rect">
             <a:avLst/>
@@ -2823,19 +2471,13 @@
               <a:rPr lang="en-GB"/>
               <a:t>Click to edit Master title style</a:t>
             </a:r>
-            <a:endParaRPr lang="en-DK"/>
-          </a:p>
-        </p:txBody>
-      </p:sp>
-      <p:sp>
-        <p:nvSpPr>
-          <p:cNvPr id="3" name="Text Placeholder 2">
-            <a:extLst>
-              <a:ext uri="{FF2B5EF4-FFF2-40B4-BE49-F238E27FC236}">
-                <a16:creationId xmlns:a16="http://schemas.microsoft.com/office/drawing/2014/main" id="{2564F1C5-8465-2BF6-5F54-170A8EAEFD6E}"/>
-              </a:ext>
-            </a:extLst>
-          </p:cNvPr>
+            <a:endParaRPr lang="en-US" dirty="0"/>
+          </a:p>
+        </p:txBody>
+      </p:sp>
+      <p:sp>
+        <p:nvSpPr>
+          <p:cNvPr id="3" name="Text Placeholder 2"/>
           <p:cNvSpPr>
             <a:spLocks noGrp="1"/>
           </p:cNvSpPr>
@@ -2845,8 +2487,8 @@
         </p:nvSpPr>
         <p:spPr>
           <a:xfrm>
-            <a:off x="838200" y="1825625"/>
-            <a:ext cx="10515600" cy="4351338"/>
+            <a:off x="471488" y="2637014"/>
+            <a:ext cx="5915025" cy="6285266"/>
           </a:xfrm>
           <a:prstGeom prst="rect">
             <a:avLst/>
@@ -2891,19 +2533,13 @@
               <a:rPr lang="en-GB"/>
               <a:t>Fifth level</a:t>
             </a:r>
-            <a:endParaRPr lang="en-DK"/>
-          </a:p>
-        </p:txBody>
-      </p:sp>
-      <p:sp>
-        <p:nvSpPr>
-          <p:cNvPr id="4" name="Date Placeholder 3">
-            <a:extLst>
-              <a:ext uri="{FF2B5EF4-FFF2-40B4-BE49-F238E27FC236}">
-                <a16:creationId xmlns:a16="http://schemas.microsoft.com/office/drawing/2014/main" id="{6E67D5D6-EFD6-EDCF-1D72-358BD09A496C}"/>
-              </a:ext>
-            </a:extLst>
-          </p:cNvPr>
+            <a:endParaRPr lang="en-US" dirty="0"/>
+          </a:p>
+        </p:txBody>
+      </p:sp>
+      <p:sp>
+        <p:nvSpPr>
+          <p:cNvPr id="4" name="Date Placeholder 3"/>
           <p:cNvSpPr>
             <a:spLocks noGrp="1"/>
           </p:cNvSpPr>
@@ -2913,8 +2549,8 @@
         </p:nvSpPr>
         <p:spPr>
           <a:xfrm>
-            <a:off x="838200" y="6356350"/>
-            <a:ext cx="2743200" cy="365125"/>
+            <a:off x="471487" y="9181397"/>
+            <a:ext cx="1543050" cy="527403"/>
           </a:xfrm>
           <a:prstGeom prst="rect">
             <a:avLst/>
@@ -2924,7 +2560,7 @@
           <a:bodyPr vert="horz" lIns="91440" tIns="45720" rIns="91440" bIns="45720" rtlCol="0" anchor="ctr"/>
           <a:lstStyle>
             <a:lvl1pPr algn="l">
-              <a:defRPr sz="1200">
+              <a:defRPr sz="900">
                 <a:solidFill>
                   <a:schemeClr val="tx1">
                     <a:tint val="75000"/>
@@ -2936,7 +2572,7 @@
           <a:p>
             <a:fld id="{EBAEE684-E7C7-AB40-9547-67D2F7A3A955}" type="datetimeFigureOut">
               <a:rPr lang="en-DK" smtClean="0"/>
-              <a:t>01/12/2023</a:t>
+              <a:t>18/01/2024</a:t>
             </a:fld>
             <a:endParaRPr lang="en-DK"/>
           </a:p>
@@ -2944,13 +2580,7 @@
       </p:sp>
       <p:sp>
         <p:nvSpPr>
-          <p:cNvPr id="5" name="Footer Placeholder 4">
-            <a:extLst>
-              <a:ext uri="{FF2B5EF4-FFF2-40B4-BE49-F238E27FC236}">
-                <a16:creationId xmlns:a16="http://schemas.microsoft.com/office/drawing/2014/main" id="{C8D8F5AF-2B02-5459-CFA7-62C81156011B}"/>
-              </a:ext>
-            </a:extLst>
-          </p:cNvPr>
+          <p:cNvPr id="5" name="Footer Placeholder 4"/>
           <p:cNvSpPr>
             <a:spLocks noGrp="1"/>
           </p:cNvSpPr>
@@ -2960,8 +2590,8 @@
         </p:nvSpPr>
         <p:spPr>
           <a:xfrm>
-            <a:off x="4038600" y="6356350"/>
-            <a:ext cx="4114800" cy="365125"/>
+            <a:off x="2271713" y="9181397"/>
+            <a:ext cx="2314575" cy="527403"/>
           </a:xfrm>
           <a:prstGeom prst="rect">
             <a:avLst/>
@@ -2971,7 +2601,7 @@
           <a:bodyPr vert="horz" lIns="91440" tIns="45720" rIns="91440" bIns="45720" rtlCol="0" anchor="ctr"/>
           <a:lstStyle>
             <a:lvl1pPr algn="ctr">
-              <a:defRPr sz="1200">
+              <a:defRPr sz="900">
                 <a:solidFill>
                   <a:schemeClr val="tx1">
                     <a:tint val="75000"/>
@@ -2987,13 +2617,7 @@
       </p:sp>
       <p:sp>
         <p:nvSpPr>
-          <p:cNvPr id="6" name="Slide Number Placeholder 5">
-            <a:extLst>
-              <a:ext uri="{FF2B5EF4-FFF2-40B4-BE49-F238E27FC236}">
-                <a16:creationId xmlns:a16="http://schemas.microsoft.com/office/drawing/2014/main" id="{702FE01B-1C4B-FE60-C467-34A1E64CD02F}"/>
-              </a:ext>
-            </a:extLst>
-          </p:cNvPr>
+          <p:cNvPr id="6" name="Slide Number Placeholder 5"/>
           <p:cNvSpPr>
             <a:spLocks noGrp="1"/>
           </p:cNvSpPr>
@@ -3003,8 +2627,8 @@
         </p:nvSpPr>
         <p:spPr>
           <a:xfrm>
-            <a:off x="8610600" y="6356350"/>
-            <a:ext cx="2743200" cy="365125"/>
+            <a:off x="4843463" y="9181397"/>
+            <a:ext cx="1543050" cy="527403"/>
           </a:xfrm>
           <a:prstGeom prst="rect">
             <a:avLst/>
@@ -3014,7 +2638,7 @@
           <a:bodyPr vert="horz" lIns="91440" tIns="45720" rIns="91440" bIns="45720" rtlCol="0" anchor="ctr"/>
           <a:lstStyle>
             <a:lvl1pPr algn="r">
-              <a:defRPr sz="1200">
+              <a:defRPr sz="900">
                 <a:solidFill>
                   <a:schemeClr val="tx1">
                     <a:tint val="75000"/>
@@ -3035,27 +2659,27 @@
     </p:spTree>
     <p:extLst>
       <p:ext uri="{BB962C8B-B14F-4D97-AF65-F5344CB8AC3E}">
-        <p14:creationId xmlns:p14="http://schemas.microsoft.com/office/powerpoint/2010/main" val="77318707"/>
+        <p14:creationId xmlns:p14="http://schemas.microsoft.com/office/powerpoint/2010/main" val="1959353317"/>
       </p:ext>
     </p:extLst>
   </p:cSld>
   <p:clrMap bg1="lt1" tx1="dk1" bg2="lt2" tx2="dk2" accent1="accent1" accent2="accent2" accent3="accent3" accent4="accent4" accent5="accent5" accent6="accent6" hlink="hlink" folHlink="folHlink"/>
   <p:sldLayoutIdLst>
-    <p:sldLayoutId id="2147483649" r:id="rId1"/>
-    <p:sldLayoutId id="2147483650" r:id="rId2"/>
-    <p:sldLayoutId id="2147483651" r:id="rId3"/>
-    <p:sldLayoutId id="2147483652" r:id="rId4"/>
-    <p:sldLayoutId id="2147483653" r:id="rId5"/>
-    <p:sldLayoutId id="2147483654" r:id="rId6"/>
-    <p:sldLayoutId id="2147483655" r:id="rId7"/>
-    <p:sldLayoutId id="2147483656" r:id="rId8"/>
-    <p:sldLayoutId id="2147483657" r:id="rId9"/>
-    <p:sldLayoutId id="2147483658" r:id="rId10"/>
-    <p:sldLayoutId id="2147483659" r:id="rId11"/>
+    <p:sldLayoutId id="2147483661" r:id="rId1"/>
+    <p:sldLayoutId id="2147483662" r:id="rId2"/>
+    <p:sldLayoutId id="2147483663" r:id="rId3"/>
+    <p:sldLayoutId id="2147483664" r:id="rId4"/>
+    <p:sldLayoutId id="2147483665" r:id="rId5"/>
+    <p:sldLayoutId id="2147483666" r:id="rId6"/>
+    <p:sldLayoutId id="2147483667" r:id="rId7"/>
+    <p:sldLayoutId id="2147483668" r:id="rId8"/>
+    <p:sldLayoutId id="2147483669" r:id="rId9"/>
+    <p:sldLayoutId id="2147483670" r:id="rId10"/>
+    <p:sldLayoutId id="2147483671" r:id="rId11"/>
   </p:sldLayoutIdLst>
   <p:txStyles>
     <p:titleStyle>
-      <a:lvl1pPr algn="l" defTabSz="914400" rtl="0" eaLnBrk="1" latinLnBrk="0" hangingPunct="1">
+      <a:lvl1pPr algn="l" defTabSz="685800" rtl="0" eaLnBrk="1" latinLnBrk="0" hangingPunct="1">
         <a:lnSpc>
           <a:spcPct val="90000"/>
         </a:lnSpc>
@@ -3063,7 +2687,7 @@
           <a:spcPct val="0"/>
         </a:spcBef>
         <a:buNone/>
-        <a:defRPr sz="4400" kern="1200">
+        <a:defRPr sz="3300" kern="1200">
           <a:solidFill>
             <a:schemeClr val="tx1"/>
           </a:solidFill>
@@ -3074,16 +2698,16 @@
       </a:lvl1pPr>
     </p:titleStyle>
     <p:bodyStyle>
-      <a:lvl1pPr marL="228600" indent="-228600" algn="l" defTabSz="914400" rtl="0" eaLnBrk="1" latinLnBrk="0" hangingPunct="1">
+      <a:lvl1pPr marL="171450" indent="-171450" algn="l" defTabSz="685800" rtl="0" eaLnBrk="1" latinLnBrk="0" hangingPunct="1">
         <a:lnSpc>
           <a:spcPct val="90000"/>
         </a:lnSpc>
         <a:spcBef>
-          <a:spcPts val="1000"/>
+          <a:spcPts val="750"/>
         </a:spcBef>
         <a:buFont typeface="Arial" panose="020B0604020202020204" pitchFamily="34" charset="0"/>
         <a:buChar char="•"/>
-        <a:defRPr sz="2800" kern="1200">
+        <a:defRPr sz="2100" kern="1200">
           <a:solidFill>
             <a:schemeClr val="tx1"/>
           </a:solidFill>
@@ -3092,48 +2716,12 @@
           <a:cs typeface="+mn-cs"/>
         </a:defRPr>
       </a:lvl1pPr>
-      <a:lvl2pPr marL="685800" indent="-228600" algn="l" defTabSz="914400" rtl="0" eaLnBrk="1" latinLnBrk="0" hangingPunct="1">
+      <a:lvl2pPr marL="514350" indent="-171450" algn="l" defTabSz="685800" rtl="0" eaLnBrk="1" latinLnBrk="0" hangingPunct="1">
         <a:lnSpc>
           <a:spcPct val="90000"/>
         </a:lnSpc>
         <a:spcBef>
-          <a:spcPts val="500"/>
-        </a:spcBef>
-        <a:buFont typeface="Arial" panose="020B0604020202020204" pitchFamily="34" charset="0"/>
-        <a:buChar char="•"/>
-        <a:defRPr sz="2400" kern="1200">
-          <a:solidFill>
-            <a:schemeClr val="tx1"/>
-          </a:solidFill>
-          <a:latin typeface="+mn-lt"/>
-          <a:ea typeface="+mn-ea"/>
-          <a:cs typeface="+mn-cs"/>
-        </a:defRPr>
-      </a:lvl2pPr>
-      <a:lvl3pPr marL="1143000" indent="-228600" algn="l" defTabSz="914400" rtl="0" eaLnBrk="1" latinLnBrk="0" hangingPunct="1">
-        <a:lnSpc>
-          <a:spcPct val="90000"/>
-        </a:lnSpc>
-        <a:spcBef>
-          <a:spcPts val="500"/>
-        </a:spcBef>
-        <a:buFont typeface="Arial" panose="020B0604020202020204" pitchFamily="34" charset="0"/>
-        <a:buChar char="•"/>
-        <a:defRPr sz="2000" kern="1200">
-          <a:solidFill>
-            <a:schemeClr val="tx1"/>
-          </a:solidFill>
-          <a:latin typeface="+mn-lt"/>
-          <a:ea typeface="+mn-ea"/>
-          <a:cs typeface="+mn-cs"/>
-        </a:defRPr>
-      </a:lvl3pPr>
-      <a:lvl4pPr marL="1600200" indent="-228600" algn="l" defTabSz="914400" rtl="0" eaLnBrk="1" latinLnBrk="0" hangingPunct="1">
-        <a:lnSpc>
-          <a:spcPct val="90000"/>
-        </a:lnSpc>
-        <a:spcBef>
-          <a:spcPts val="500"/>
+          <a:spcPts val="375"/>
         </a:spcBef>
         <a:buFont typeface="Arial" panose="020B0604020202020204" pitchFamily="34" charset="0"/>
         <a:buChar char="•"/>
@@ -3145,17 +2733,53 @@
           <a:ea typeface="+mn-ea"/>
           <a:cs typeface="+mn-cs"/>
         </a:defRPr>
-      </a:lvl4pPr>
-      <a:lvl5pPr marL="2057400" indent="-228600" algn="l" defTabSz="914400" rtl="0" eaLnBrk="1" latinLnBrk="0" hangingPunct="1">
+      </a:lvl2pPr>
+      <a:lvl3pPr marL="857250" indent="-171450" algn="l" defTabSz="685800" rtl="0" eaLnBrk="1" latinLnBrk="0" hangingPunct="1">
         <a:lnSpc>
           <a:spcPct val="90000"/>
         </a:lnSpc>
         <a:spcBef>
-          <a:spcPts val="500"/>
+          <a:spcPts val="375"/>
         </a:spcBef>
         <a:buFont typeface="Arial" panose="020B0604020202020204" pitchFamily="34" charset="0"/>
         <a:buChar char="•"/>
-        <a:defRPr sz="1800" kern="1200">
+        <a:defRPr sz="1500" kern="1200">
+          <a:solidFill>
+            <a:schemeClr val="tx1"/>
+          </a:solidFill>
+          <a:latin typeface="+mn-lt"/>
+          <a:ea typeface="+mn-ea"/>
+          <a:cs typeface="+mn-cs"/>
+        </a:defRPr>
+      </a:lvl3pPr>
+      <a:lvl4pPr marL="1200150" indent="-171450" algn="l" defTabSz="685800" rtl="0" eaLnBrk="1" latinLnBrk="0" hangingPunct="1">
+        <a:lnSpc>
+          <a:spcPct val="90000"/>
+        </a:lnSpc>
+        <a:spcBef>
+          <a:spcPts val="375"/>
+        </a:spcBef>
+        <a:buFont typeface="Arial" panose="020B0604020202020204" pitchFamily="34" charset="0"/>
+        <a:buChar char="•"/>
+        <a:defRPr sz="1350" kern="1200">
+          <a:solidFill>
+            <a:schemeClr val="tx1"/>
+          </a:solidFill>
+          <a:latin typeface="+mn-lt"/>
+          <a:ea typeface="+mn-ea"/>
+          <a:cs typeface="+mn-cs"/>
+        </a:defRPr>
+      </a:lvl4pPr>
+      <a:lvl5pPr marL="1543050" indent="-171450" algn="l" defTabSz="685800" rtl="0" eaLnBrk="1" latinLnBrk="0" hangingPunct="1">
+        <a:lnSpc>
+          <a:spcPct val="90000"/>
+        </a:lnSpc>
+        <a:spcBef>
+          <a:spcPts val="375"/>
+        </a:spcBef>
+        <a:buFont typeface="Arial" panose="020B0604020202020204" pitchFamily="34" charset="0"/>
+        <a:buChar char="•"/>
+        <a:defRPr sz="1350" kern="1200">
           <a:solidFill>
             <a:schemeClr val="tx1"/>
           </a:solidFill>
@@ -3164,16 +2788,16 @@
           <a:cs typeface="+mn-cs"/>
         </a:defRPr>
       </a:lvl5pPr>
-      <a:lvl6pPr marL="2514600" indent="-228600" algn="l" defTabSz="914400" rtl="0" eaLnBrk="1" latinLnBrk="0" hangingPunct="1">
+      <a:lvl6pPr marL="1885950" indent="-171450" algn="l" defTabSz="685800" rtl="0" eaLnBrk="1" latinLnBrk="0" hangingPunct="1">
         <a:lnSpc>
           <a:spcPct val="90000"/>
         </a:lnSpc>
         <a:spcBef>
-          <a:spcPts val="500"/>
+          <a:spcPts val="375"/>
         </a:spcBef>
         <a:buFont typeface="Arial" panose="020B0604020202020204" pitchFamily="34" charset="0"/>
         <a:buChar char="•"/>
-        <a:defRPr sz="1800" kern="1200">
+        <a:defRPr sz="1350" kern="1200">
           <a:solidFill>
             <a:schemeClr val="tx1"/>
           </a:solidFill>
@@ -3182,16 +2806,16 @@
           <a:cs typeface="+mn-cs"/>
         </a:defRPr>
       </a:lvl6pPr>
-      <a:lvl7pPr marL="2971800" indent="-228600" algn="l" defTabSz="914400" rtl="0" eaLnBrk="1" latinLnBrk="0" hangingPunct="1">
+      <a:lvl7pPr marL="2228850" indent="-171450" algn="l" defTabSz="685800" rtl="0" eaLnBrk="1" latinLnBrk="0" hangingPunct="1">
         <a:lnSpc>
           <a:spcPct val="90000"/>
         </a:lnSpc>
         <a:spcBef>
-          <a:spcPts val="500"/>
+          <a:spcPts val="375"/>
         </a:spcBef>
         <a:buFont typeface="Arial" panose="020B0604020202020204" pitchFamily="34" charset="0"/>
         <a:buChar char="•"/>
-        <a:defRPr sz="1800" kern="1200">
+        <a:defRPr sz="1350" kern="1200">
           <a:solidFill>
             <a:schemeClr val="tx1"/>
           </a:solidFill>
@@ -3200,16 +2824,16 @@
           <a:cs typeface="+mn-cs"/>
         </a:defRPr>
       </a:lvl7pPr>
-      <a:lvl8pPr marL="3429000" indent="-228600" algn="l" defTabSz="914400" rtl="0" eaLnBrk="1" latinLnBrk="0" hangingPunct="1">
+      <a:lvl8pPr marL="2571750" indent="-171450" algn="l" defTabSz="685800" rtl="0" eaLnBrk="1" latinLnBrk="0" hangingPunct="1">
         <a:lnSpc>
           <a:spcPct val="90000"/>
         </a:lnSpc>
         <a:spcBef>
-          <a:spcPts val="500"/>
+          <a:spcPts val="375"/>
         </a:spcBef>
         <a:buFont typeface="Arial" panose="020B0604020202020204" pitchFamily="34" charset="0"/>
         <a:buChar char="•"/>
-        <a:defRPr sz="1800" kern="1200">
+        <a:defRPr sz="1350" kern="1200">
           <a:solidFill>
             <a:schemeClr val="tx1"/>
           </a:solidFill>
@@ -3218,16 +2842,16 @@
           <a:cs typeface="+mn-cs"/>
         </a:defRPr>
       </a:lvl8pPr>
-      <a:lvl9pPr marL="3886200" indent="-228600" algn="l" defTabSz="914400" rtl="0" eaLnBrk="1" latinLnBrk="0" hangingPunct="1">
+      <a:lvl9pPr marL="2914650" indent="-171450" algn="l" defTabSz="685800" rtl="0" eaLnBrk="1" latinLnBrk="0" hangingPunct="1">
         <a:lnSpc>
           <a:spcPct val="90000"/>
         </a:lnSpc>
         <a:spcBef>
-          <a:spcPts val="500"/>
+          <a:spcPts val="375"/>
         </a:spcBef>
         <a:buFont typeface="Arial" panose="020B0604020202020204" pitchFamily="34" charset="0"/>
         <a:buChar char="•"/>
-        <a:defRPr sz="1800" kern="1200">
+        <a:defRPr sz="1350" kern="1200">
           <a:solidFill>
             <a:schemeClr val="tx1"/>
           </a:solidFill>
@@ -3239,10 +2863,10 @@
     </p:bodyStyle>
     <p:otherStyle>
       <a:defPPr>
-        <a:defRPr lang="en-DK"/>
+        <a:defRPr lang="en-US"/>
       </a:defPPr>
-      <a:lvl1pPr marL="0" algn="l" defTabSz="914400" rtl="0" eaLnBrk="1" latinLnBrk="0" hangingPunct="1">
-        <a:defRPr sz="1800" kern="1200">
+      <a:lvl1pPr marL="0" algn="l" defTabSz="685800" rtl="0" eaLnBrk="1" latinLnBrk="0" hangingPunct="1">
+        <a:defRPr sz="1350" kern="1200">
           <a:solidFill>
             <a:schemeClr val="tx1"/>
           </a:solidFill>
@@ -3251,8 +2875,8 @@
           <a:cs typeface="+mn-cs"/>
         </a:defRPr>
       </a:lvl1pPr>
-      <a:lvl2pPr marL="457200" algn="l" defTabSz="914400" rtl="0" eaLnBrk="1" latinLnBrk="0" hangingPunct="1">
-        <a:defRPr sz="1800" kern="1200">
+      <a:lvl2pPr marL="342900" algn="l" defTabSz="685800" rtl="0" eaLnBrk="1" latinLnBrk="0" hangingPunct="1">
+        <a:defRPr sz="1350" kern="1200">
           <a:solidFill>
             <a:schemeClr val="tx1"/>
           </a:solidFill>
@@ -3261,8 +2885,8 @@
           <a:cs typeface="+mn-cs"/>
         </a:defRPr>
       </a:lvl2pPr>
-      <a:lvl3pPr marL="914400" algn="l" defTabSz="914400" rtl="0" eaLnBrk="1" latinLnBrk="0" hangingPunct="1">
-        <a:defRPr sz="1800" kern="1200">
+      <a:lvl3pPr marL="685800" algn="l" defTabSz="685800" rtl="0" eaLnBrk="1" latinLnBrk="0" hangingPunct="1">
+        <a:defRPr sz="1350" kern="1200">
           <a:solidFill>
             <a:schemeClr val="tx1"/>
           </a:solidFill>
@@ -3271,8 +2895,8 @@
           <a:cs typeface="+mn-cs"/>
         </a:defRPr>
       </a:lvl3pPr>
-      <a:lvl4pPr marL="1371600" algn="l" defTabSz="914400" rtl="0" eaLnBrk="1" latinLnBrk="0" hangingPunct="1">
-        <a:defRPr sz="1800" kern="1200">
+      <a:lvl4pPr marL="1028700" algn="l" defTabSz="685800" rtl="0" eaLnBrk="1" latinLnBrk="0" hangingPunct="1">
+        <a:defRPr sz="1350" kern="1200">
           <a:solidFill>
             <a:schemeClr val="tx1"/>
           </a:solidFill>
@@ -3281,8 +2905,8 @@
           <a:cs typeface="+mn-cs"/>
         </a:defRPr>
       </a:lvl4pPr>
-      <a:lvl5pPr marL="1828800" algn="l" defTabSz="914400" rtl="0" eaLnBrk="1" latinLnBrk="0" hangingPunct="1">
-        <a:defRPr sz="1800" kern="1200">
+      <a:lvl5pPr marL="1371600" algn="l" defTabSz="685800" rtl="0" eaLnBrk="1" latinLnBrk="0" hangingPunct="1">
+        <a:defRPr sz="1350" kern="1200">
           <a:solidFill>
             <a:schemeClr val="tx1"/>
           </a:solidFill>
@@ -3291,8 +2915,8 @@
           <a:cs typeface="+mn-cs"/>
         </a:defRPr>
       </a:lvl5pPr>
-      <a:lvl6pPr marL="2286000" algn="l" defTabSz="914400" rtl="0" eaLnBrk="1" latinLnBrk="0" hangingPunct="1">
-        <a:defRPr sz="1800" kern="1200">
+      <a:lvl6pPr marL="1714500" algn="l" defTabSz="685800" rtl="0" eaLnBrk="1" latinLnBrk="0" hangingPunct="1">
+        <a:defRPr sz="1350" kern="1200">
           <a:solidFill>
             <a:schemeClr val="tx1"/>
           </a:solidFill>
@@ -3301,8 +2925,8 @@
           <a:cs typeface="+mn-cs"/>
         </a:defRPr>
       </a:lvl6pPr>
-      <a:lvl7pPr marL="2743200" algn="l" defTabSz="914400" rtl="0" eaLnBrk="1" latinLnBrk="0" hangingPunct="1">
-        <a:defRPr sz="1800" kern="1200">
+      <a:lvl7pPr marL="2057400" algn="l" defTabSz="685800" rtl="0" eaLnBrk="1" latinLnBrk="0" hangingPunct="1">
+        <a:defRPr sz="1350" kern="1200">
           <a:solidFill>
             <a:schemeClr val="tx1"/>
           </a:solidFill>
@@ -3311,8 +2935,8 @@
           <a:cs typeface="+mn-cs"/>
         </a:defRPr>
       </a:lvl7pPr>
-      <a:lvl8pPr marL="3200400" algn="l" defTabSz="914400" rtl="0" eaLnBrk="1" latinLnBrk="0" hangingPunct="1">
-        <a:defRPr sz="1800" kern="1200">
+      <a:lvl8pPr marL="2400300" algn="l" defTabSz="685800" rtl="0" eaLnBrk="1" latinLnBrk="0" hangingPunct="1">
+        <a:defRPr sz="1350" kern="1200">
           <a:solidFill>
             <a:schemeClr val="tx1"/>
           </a:solidFill>
@@ -3321,8 +2945,8 @@
           <a:cs typeface="+mn-cs"/>
         </a:defRPr>
       </a:lvl8pPr>
-      <a:lvl9pPr marL="3657600" algn="l" defTabSz="914400" rtl="0" eaLnBrk="1" latinLnBrk="0" hangingPunct="1">
-        <a:defRPr sz="1800" kern="1200">
+      <a:lvl9pPr marL="2743200" algn="l" defTabSz="685800" rtl="0" eaLnBrk="1" latinLnBrk="0" hangingPunct="1">
+        <a:defRPr sz="1350" kern="1200">
           <a:solidFill>
             <a:schemeClr val="tx1"/>
           </a:solidFill>
@@ -3375,8 +2999,8 @@
         </p:blipFill>
         <p:spPr>
           <a:xfrm>
-            <a:off x="-328774" y="-236306"/>
-            <a:ext cx="13839961" cy="7859730"/>
+            <a:off x="-184935" y="2891265"/>
+            <a:ext cx="7784978" cy="4421098"/>
           </a:xfrm>
           <a:prstGeom prst="rect">
             <a:avLst/>
@@ -3434,8 +3058,8 @@
         </p:blipFill>
         <p:spPr>
           <a:xfrm>
-            <a:off x="142240" y="121920"/>
-            <a:ext cx="8879840" cy="6522720"/>
+            <a:off x="80010" y="3092768"/>
+            <a:ext cx="4994910" cy="3669030"/>
           </a:xfrm>
           <a:prstGeom prst="rect">
             <a:avLst/>
@@ -3456,8 +3080,8 @@
         </p:nvGrpSpPr>
         <p:grpSpPr>
           <a:xfrm>
-            <a:off x="3123344" y="2204162"/>
-            <a:ext cx="5681372" cy="3268719"/>
+            <a:off x="1756881" y="4264029"/>
+            <a:ext cx="3195772" cy="1838654"/>
             <a:chOff x="3123344" y="2204162"/>
             <a:chExt cx="5681372" cy="3268719"/>
           </a:xfrm>
@@ -3895,8 +3519,8 @@
         </p:nvGrpSpPr>
         <p:grpSpPr>
           <a:xfrm rot="16200000">
-            <a:off x="3622718" y="1826081"/>
-            <a:ext cx="5572700" cy="3268719"/>
+            <a:off x="2037779" y="4051359"/>
+            <a:ext cx="3134644" cy="1838654"/>
             <a:chOff x="3123344" y="2204162"/>
             <a:chExt cx="5681372" cy="3268719"/>
           </a:xfrm>
@@ -4371,8 +3995,8 @@
         </p:blipFill>
         <p:spPr>
           <a:xfrm>
-            <a:off x="-325515" y="40559"/>
-            <a:ext cx="9217759" cy="6286728"/>
+            <a:off x="-183102" y="3047002"/>
+            <a:ext cx="5184989" cy="3536285"/>
           </a:xfrm>
           <a:prstGeom prst="rect">
             <a:avLst/>
@@ -4393,8 +4017,8 @@
         </p:nvGrpSpPr>
         <p:grpSpPr>
           <a:xfrm>
-            <a:off x="3168126" y="2204162"/>
-            <a:ext cx="5653623" cy="3377459"/>
+            <a:off x="1782071" y="4264029"/>
+            <a:ext cx="3180163" cy="1899821"/>
             <a:chOff x="3168126" y="2204162"/>
             <a:chExt cx="5653623" cy="3377459"/>
           </a:xfrm>
@@ -4908,8 +4532,8 @@
         </p:nvGrpSpPr>
         <p:grpSpPr>
           <a:xfrm rot="16200000">
-            <a:off x="3636192" y="1796370"/>
-            <a:ext cx="5653623" cy="3377459"/>
+            <a:off x="2045358" y="4034646"/>
+            <a:ext cx="3180163" cy="1899821"/>
             <a:chOff x="3168126" y="2204162"/>
             <a:chExt cx="5653623" cy="3377459"/>
           </a:xfrm>
@@ -5460,8 +5084,8 @@
         </p:blipFill>
         <p:spPr>
           <a:xfrm>
-            <a:off x="1747777" y="164387"/>
-            <a:ext cx="7940752" cy="6638329"/>
+            <a:off x="983125" y="3116656"/>
+            <a:ext cx="4466673" cy="3734060"/>
           </a:xfrm>
           <a:prstGeom prst="rect">
             <a:avLst/>
@@ -5489,8 +5113,8 @@
         </p:blipFill>
         <p:spPr>
           <a:xfrm>
-            <a:off x="9688529" y="256852"/>
-            <a:ext cx="1044541" cy="2604567"/>
+            <a:off x="5449798" y="3168667"/>
+            <a:ext cx="587554" cy="1465069"/>
           </a:xfrm>
           <a:prstGeom prst="rect">
             <a:avLst/>
@@ -5511,8 +5135,8 @@
         </p:nvSpPr>
         <p:spPr>
           <a:xfrm>
-            <a:off x="1138012" y="238637"/>
-            <a:ext cx="563488" cy="276999"/>
+            <a:off x="640132" y="3158421"/>
+            <a:ext cx="397866" cy="196208"/>
           </a:xfrm>
           <a:prstGeom prst="rect">
             <a:avLst/>
@@ -5526,7 +5150,7 @@
           <a:lstStyle/>
           <a:p>
             <a:r>
-              <a:rPr lang="en-DK" sz="1200" dirty="0"/>
+              <a:rPr lang="en-DK" sz="675" dirty="0"/>
               <a:t>GTxx4</a:t>
             </a:r>
           </a:p>
@@ -5546,8 +5170,8 @@
         </p:nvSpPr>
         <p:spPr>
           <a:xfrm>
-            <a:off x="1126302" y="2030459"/>
-            <a:ext cx="563488" cy="276999"/>
+            <a:off x="633545" y="4166321"/>
+            <a:ext cx="397866" cy="196208"/>
           </a:xfrm>
           <a:prstGeom prst="rect">
             <a:avLst/>
@@ -5561,7 +5185,7 @@
           <a:lstStyle/>
           <a:p>
             <a:r>
-              <a:rPr lang="en-DK" sz="1200" dirty="0"/>
+              <a:rPr lang="en-DK" sz="675" dirty="0"/>
               <a:t>GTxx5</a:t>
             </a:r>
           </a:p>
@@ -5581,8 +5205,8 @@
         </p:nvSpPr>
         <p:spPr>
           <a:xfrm>
-            <a:off x="1126302" y="2223067"/>
-            <a:ext cx="563488" cy="276999"/>
+            <a:off x="633545" y="4274663"/>
+            <a:ext cx="397866" cy="196208"/>
           </a:xfrm>
           <a:prstGeom prst="rect">
             <a:avLst/>
@@ -5596,7 +5220,7 @@
           <a:lstStyle/>
           <a:p>
             <a:r>
-              <a:rPr lang="en-DK" sz="1200" dirty="0"/>
+              <a:rPr lang="en-DK" sz="675" dirty="0"/>
               <a:t>GTxx6</a:t>
             </a:r>
           </a:p>
@@ -5616,8 +5240,8 @@
         </p:nvSpPr>
         <p:spPr>
           <a:xfrm>
-            <a:off x="1131509" y="2380477"/>
-            <a:ext cx="563488" cy="276999"/>
+            <a:off x="636474" y="4363206"/>
+            <a:ext cx="397866" cy="196208"/>
           </a:xfrm>
           <a:prstGeom prst="rect">
             <a:avLst/>
@@ -5631,7 +5255,7 @@
           <a:lstStyle/>
           <a:p>
             <a:r>
-              <a:rPr lang="en-DK" sz="1200" dirty="0"/>
+              <a:rPr lang="en-DK" sz="675" dirty="0"/>
               <a:t>GTxx7</a:t>
             </a:r>
           </a:p>
@@ -5651,8 +5275,8 @@
         </p:nvSpPr>
         <p:spPr>
           <a:xfrm>
-            <a:off x="1126301" y="3029294"/>
-            <a:ext cx="563488" cy="276999"/>
+            <a:off x="633544" y="4728165"/>
+            <a:ext cx="397866" cy="196208"/>
           </a:xfrm>
           <a:prstGeom prst="rect">
             <a:avLst/>
@@ -5666,7 +5290,7 @@
           <a:lstStyle/>
           <a:p>
             <a:r>
-              <a:rPr lang="en-DK" sz="1200" dirty="0"/>
+              <a:rPr lang="en-DK" sz="675" dirty="0"/>
               <a:t>GTxx8</a:t>
             </a:r>
           </a:p>
@@ -5686,8 +5310,8 @@
         </p:nvSpPr>
         <p:spPr>
           <a:xfrm>
-            <a:off x="1120288" y="3363958"/>
-            <a:ext cx="563488" cy="276999"/>
+            <a:off x="630162" y="4916414"/>
+            <a:ext cx="397866" cy="196208"/>
           </a:xfrm>
           <a:prstGeom prst="rect">
             <a:avLst/>
@@ -5701,7 +5325,7 @@
           <a:lstStyle/>
           <a:p>
             <a:r>
-              <a:rPr lang="en-DK" sz="1200" dirty="0"/>
+              <a:rPr lang="en-DK" sz="675" dirty="0"/>
               <a:t>GTxx9</a:t>
             </a:r>
           </a:p>
@@ -5721,8 +5345,8 @@
         </p:nvSpPr>
         <p:spPr>
           <a:xfrm>
-            <a:off x="1120288" y="3524317"/>
-            <a:ext cx="574709" cy="276999"/>
+            <a:off x="630162" y="5006616"/>
+            <a:ext cx="404278" cy="196208"/>
           </a:xfrm>
           <a:prstGeom prst="rect">
             <a:avLst/>
@@ -5736,7 +5360,7 @@
           <a:lstStyle/>
           <a:p>
             <a:r>
-              <a:rPr lang="en-DK" sz="1200" dirty="0"/>
+              <a:rPr lang="en-DK" sz="675" dirty="0"/>
               <a:t>GTx10</a:t>
             </a:r>
           </a:p>
@@ -5756,8 +5380,8 @@
         </p:nvSpPr>
         <p:spPr>
           <a:xfrm>
-            <a:off x="1120288" y="3670860"/>
-            <a:ext cx="574709" cy="276999"/>
+            <a:off x="630162" y="5089046"/>
+            <a:ext cx="404278" cy="196208"/>
           </a:xfrm>
           <a:prstGeom prst="rect">
             <a:avLst/>
@@ -5771,7 +5395,7 @@
           <a:lstStyle/>
           <a:p>
             <a:r>
-              <a:rPr lang="en-DK" sz="1200" dirty="0"/>
+              <a:rPr lang="en-DK" sz="675" dirty="0"/>
               <a:t>GTx11</a:t>
             </a:r>
           </a:p>
@@ -5791,8 +5415,8 @@
         </p:nvSpPr>
         <p:spPr>
           <a:xfrm>
-            <a:off x="1132402" y="3995907"/>
-            <a:ext cx="574709" cy="276999"/>
+            <a:off x="636976" y="5271885"/>
+            <a:ext cx="404278" cy="196208"/>
           </a:xfrm>
           <a:prstGeom prst="rect">
             <a:avLst/>
@@ -5806,7 +5430,7 @@
           <a:lstStyle/>
           <a:p>
             <a:r>
-              <a:rPr lang="en-DK" sz="1200" dirty="0"/>
+              <a:rPr lang="en-DK" sz="675" dirty="0"/>
               <a:t>GTx12</a:t>
             </a:r>
           </a:p>
@@ -5826,8 +5450,8 @@
         </p:nvSpPr>
         <p:spPr>
           <a:xfrm>
-            <a:off x="1120288" y="4217035"/>
-            <a:ext cx="574709" cy="276999"/>
+            <a:off x="630162" y="5396270"/>
+            <a:ext cx="404278" cy="196208"/>
           </a:xfrm>
           <a:prstGeom prst="rect">
             <a:avLst/>
@@ -5841,7 +5465,7 @@
           <a:lstStyle/>
           <a:p>
             <a:r>
-              <a:rPr lang="en-DK" sz="1200" dirty="0"/>
+              <a:rPr lang="en-DK" sz="675" dirty="0"/>
               <a:t>GTx13</a:t>
             </a:r>
           </a:p>
@@ -5861,8 +5485,8 @@
         </p:nvSpPr>
         <p:spPr>
           <a:xfrm>
-            <a:off x="1132402" y="4754242"/>
-            <a:ext cx="574709" cy="276999"/>
+            <a:off x="636976" y="5698449"/>
+            <a:ext cx="404278" cy="196208"/>
           </a:xfrm>
           <a:prstGeom prst="rect">
             <a:avLst/>
@@ -5876,7 +5500,7 @@
           <a:lstStyle/>
           <a:p>
             <a:r>
-              <a:rPr lang="en-DK" sz="1200" dirty="0"/>
+              <a:rPr lang="en-DK" sz="675" dirty="0"/>
               <a:t>GTx14</a:t>
             </a:r>
           </a:p>
@@ -5896,8 +5520,8 @@
         </p:nvSpPr>
         <p:spPr>
           <a:xfrm>
-            <a:off x="1120288" y="5003275"/>
-            <a:ext cx="574709" cy="276999"/>
+            <a:off x="630162" y="5838530"/>
+            <a:ext cx="404278" cy="196208"/>
           </a:xfrm>
           <a:prstGeom prst="rect">
             <a:avLst/>
@@ -5911,7 +5535,7 @@
           <a:lstStyle/>
           <a:p>
             <a:r>
-              <a:rPr lang="en-DK" sz="1200" dirty="0"/>
+              <a:rPr lang="en-DK" sz="675" dirty="0"/>
               <a:t>GTx15</a:t>
             </a:r>
           </a:p>
@@ -5931,8 +5555,8 @@
         </p:nvSpPr>
         <p:spPr>
           <a:xfrm>
-            <a:off x="1132402" y="5427708"/>
-            <a:ext cx="574709" cy="276999"/>
+            <a:off x="636976" y="6077273"/>
+            <a:ext cx="404278" cy="196208"/>
           </a:xfrm>
           <a:prstGeom prst="rect">
             <a:avLst/>
@@ -5946,7 +5570,7 @@
           <a:lstStyle/>
           <a:p>
             <a:r>
-              <a:rPr lang="en-DK" sz="1200" dirty="0"/>
+              <a:rPr lang="en-DK" sz="675" dirty="0"/>
               <a:t>GTx16</a:t>
             </a:r>
           </a:p>
@@ -5966,8 +5590,8 @@
         </p:nvSpPr>
         <p:spPr>
           <a:xfrm>
-            <a:off x="1120288" y="5993420"/>
-            <a:ext cx="574709" cy="276999"/>
+            <a:off x="630162" y="6395486"/>
+            <a:ext cx="404278" cy="196208"/>
           </a:xfrm>
           <a:prstGeom prst="rect">
             <a:avLst/>
@@ -5981,7 +5605,7 @@
           <a:lstStyle/>
           <a:p>
             <a:r>
-              <a:rPr lang="en-DK" sz="1200" dirty="0"/>
+              <a:rPr lang="en-DK" sz="675" dirty="0"/>
               <a:t>GTx17</a:t>
             </a:r>
           </a:p>
@@ -6001,8 +5625,8 @@
         </p:nvGrpSpPr>
         <p:grpSpPr>
           <a:xfrm>
-            <a:off x="3175200" y="285252"/>
-            <a:ext cx="6435174" cy="6413487"/>
+            <a:off x="1786050" y="3184642"/>
+            <a:ext cx="3619785" cy="3607586"/>
             <a:chOff x="959749" y="285252"/>
             <a:chExt cx="8650625" cy="6413487"/>
           </a:xfrm>
@@ -6620,8 +6244,8 @@
         </p:blipFill>
         <p:spPr>
           <a:xfrm rot="16200000" flipH="1">
-            <a:off x="5679016" y="-3749199"/>
-            <a:ext cx="1399882" cy="6638329"/>
+            <a:off x="3194446" y="915263"/>
+            <a:ext cx="787434" cy="3734060"/>
           </a:xfrm>
           <a:prstGeom prst="rect">
             <a:avLst/>
@@ -6679,8 +6303,8 @@
         </p:blipFill>
         <p:spPr>
           <a:xfrm>
-            <a:off x="1452282" y="0"/>
-            <a:ext cx="8013195" cy="6766560"/>
+            <a:off x="816909" y="3024188"/>
+            <a:ext cx="4507422" cy="3806190"/>
           </a:xfrm>
           <a:prstGeom prst="rect">
             <a:avLst/>
@@ -6701,8 +6325,8 @@
         </p:nvSpPr>
         <p:spPr>
           <a:xfrm>
-            <a:off x="879827" y="106836"/>
-            <a:ext cx="563488" cy="276999"/>
+            <a:off x="494903" y="3084283"/>
+            <a:ext cx="397866" cy="196208"/>
           </a:xfrm>
           <a:prstGeom prst="rect">
             <a:avLst/>
@@ -6716,7 +6340,7 @@
           <a:lstStyle/>
           <a:p>
             <a:r>
-              <a:rPr lang="en-DK" sz="1200" dirty="0"/>
+              <a:rPr lang="en-DK" sz="675" dirty="0"/>
               <a:t>GTxx4</a:t>
             </a:r>
           </a:p>
@@ -6736,8 +6360,8 @@
         </p:nvSpPr>
         <p:spPr>
           <a:xfrm>
-            <a:off x="878455" y="2001310"/>
-            <a:ext cx="563488" cy="276999"/>
+            <a:off x="494131" y="4149924"/>
+            <a:ext cx="397866" cy="196208"/>
           </a:xfrm>
           <a:prstGeom prst="rect">
             <a:avLst/>
@@ -6751,7 +6375,7 @@
           <a:lstStyle/>
           <a:p>
             <a:r>
-              <a:rPr lang="en-DK" sz="1200" dirty="0"/>
+              <a:rPr lang="en-DK" sz="675" dirty="0"/>
               <a:t>GTxx5</a:t>
             </a:r>
           </a:p>
@@ -6771,8 +6395,8 @@
         </p:nvSpPr>
         <p:spPr>
           <a:xfrm>
-            <a:off x="883625" y="2285078"/>
-            <a:ext cx="563488" cy="276999"/>
+            <a:off x="497039" y="4309544"/>
+            <a:ext cx="397866" cy="196208"/>
           </a:xfrm>
           <a:prstGeom prst="rect">
             <a:avLst/>
@@ -6786,7 +6410,7 @@
           <a:lstStyle/>
           <a:p>
             <a:r>
-              <a:rPr lang="en-DK" sz="1200" dirty="0"/>
+              <a:rPr lang="en-DK" sz="675" dirty="0"/>
               <a:t>GTxx6</a:t>
             </a:r>
           </a:p>
@@ -6806,8 +6430,8 @@
         </p:nvSpPr>
         <p:spPr>
           <a:xfrm>
-            <a:off x="883625" y="2521685"/>
-            <a:ext cx="563488" cy="276999"/>
+            <a:off x="497039" y="4442635"/>
+            <a:ext cx="397866" cy="196208"/>
           </a:xfrm>
           <a:prstGeom prst="rect">
             <a:avLst/>
@@ -6821,7 +6445,7 @@
           <a:lstStyle/>
           <a:p>
             <a:r>
-              <a:rPr lang="en-DK" sz="1200" dirty="0"/>
+              <a:rPr lang="en-DK" sz="675" dirty="0"/>
               <a:t>GTxx7</a:t>
             </a:r>
           </a:p>
@@ -6841,8 +6465,8 @@
         </p:nvSpPr>
         <p:spPr>
           <a:xfrm>
-            <a:off x="877573" y="3224239"/>
-            <a:ext cx="563488" cy="276999"/>
+            <a:off x="493635" y="4837822"/>
+            <a:ext cx="397866" cy="196208"/>
           </a:xfrm>
           <a:prstGeom prst="rect">
             <a:avLst/>
@@ -6856,7 +6480,7 @@
           <a:lstStyle/>
           <a:p>
             <a:r>
-              <a:rPr lang="en-DK" sz="1200" dirty="0"/>
+              <a:rPr lang="en-DK" sz="675" dirty="0"/>
               <a:t>GTxx8</a:t>
             </a:r>
           </a:p>
@@ -6876,8 +6500,8 @@
         </p:nvSpPr>
         <p:spPr>
           <a:xfrm>
-            <a:off x="874217" y="3559654"/>
-            <a:ext cx="563488" cy="276999"/>
+            <a:off x="491747" y="5026493"/>
+            <a:ext cx="397866" cy="196208"/>
           </a:xfrm>
           <a:prstGeom prst="rect">
             <a:avLst/>
@@ -6891,7 +6515,7 @@
           <a:lstStyle/>
           <a:p>
             <a:r>
-              <a:rPr lang="en-DK" sz="1200" dirty="0"/>
+              <a:rPr lang="en-DK" sz="675" dirty="0"/>
               <a:t>GTxx9</a:t>
             </a:r>
           </a:p>
@@ -6911,8 +6535,8 @@
         </p:nvSpPr>
         <p:spPr>
           <a:xfrm>
-            <a:off x="874988" y="3747488"/>
-            <a:ext cx="574709" cy="276999"/>
+            <a:off x="492181" y="5132150"/>
+            <a:ext cx="404278" cy="196208"/>
           </a:xfrm>
           <a:prstGeom prst="rect">
             <a:avLst/>
@@ -6926,7 +6550,7 @@
           <a:lstStyle/>
           <a:p>
             <a:r>
-              <a:rPr lang="en-DK" sz="1200" dirty="0"/>
+              <a:rPr lang="en-DK" sz="675" dirty="0"/>
               <a:t>GTx10</a:t>
             </a:r>
           </a:p>
@@ -6946,8 +6570,8 @@
         </p:nvSpPr>
         <p:spPr>
           <a:xfrm>
-            <a:off x="874987" y="3884765"/>
-            <a:ext cx="574709" cy="276999"/>
+            <a:off x="492180" y="5209368"/>
+            <a:ext cx="404278" cy="196208"/>
           </a:xfrm>
           <a:prstGeom prst="rect">
             <a:avLst/>
@@ -6961,7 +6585,7 @@
           <a:lstStyle/>
           <a:p>
             <a:r>
-              <a:rPr lang="en-DK" sz="1200" dirty="0"/>
+              <a:rPr lang="en-DK" sz="675" dirty="0"/>
               <a:t>GTx11</a:t>
             </a:r>
           </a:p>
@@ -6981,8 +6605,8 @@
         </p:nvSpPr>
         <p:spPr>
           <a:xfrm>
-            <a:off x="883624" y="4230248"/>
-            <a:ext cx="574709" cy="276999"/>
+            <a:off x="497039" y="5403702"/>
+            <a:ext cx="404278" cy="196208"/>
           </a:xfrm>
           <a:prstGeom prst="rect">
             <a:avLst/>
@@ -6996,7 +6620,7 @@
           <a:lstStyle/>
           <a:p>
             <a:r>
-              <a:rPr lang="en-DK" sz="1200" dirty="0"/>
+              <a:rPr lang="en-DK" sz="675" dirty="0"/>
               <a:t>GTx12</a:t>
             </a:r>
           </a:p>
@@ -7016,8 +6640,8 @@
         </p:nvSpPr>
         <p:spPr>
           <a:xfrm>
-            <a:off x="883624" y="4383578"/>
-            <a:ext cx="574709" cy="276999"/>
+            <a:off x="497039" y="5489950"/>
+            <a:ext cx="404278" cy="196208"/>
           </a:xfrm>
           <a:prstGeom prst="rect">
             <a:avLst/>
@@ -7031,7 +6655,7 @@
           <a:lstStyle/>
           <a:p>
             <a:r>
-              <a:rPr lang="en-DK" sz="1200" dirty="0"/>
+              <a:rPr lang="en-DK" sz="675" dirty="0"/>
               <a:t>GTx13</a:t>
             </a:r>
           </a:p>
@@ -7051,8 +6675,8 @@
         </p:nvSpPr>
         <p:spPr>
           <a:xfrm>
-            <a:off x="883623" y="4941197"/>
-            <a:ext cx="574709" cy="276999"/>
+            <a:off x="497038" y="5803611"/>
+            <a:ext cx="404278" cy="196208"/>
           </a:xfrm>
           <a:prstGeom prst="rect">
             <a:avLst/>
@@ -7066,7 +6690,7 @@
           <a:lstStyle/>
           <a:p>
             <a:r>
-              <a:rPr lang="en-DK" sz="1200" dirty="0"/>
+              <a:rPr lang="en-DK" sz="675" dirty="0"/>
               <a:t>GTx14</a:t>
             </a:r>
           </a:p>
@@ -7086,8 +6710,8 @@
         </p:nvSpPr>
         <p:spPr>
           <a:xfrm>
-            <a:off x="886208" y="5213234"/>
-            <a:ext cx="574709" cy="276999"/>
+            <a:off x="498492" y="5956632"/>
+            <a:ext cx="404278" cy="196208"/>
           </a:xfrm>
           <a:prstGeom prst="rect">
             <a:avLst/>
@@ -7101,7 +6725,7 @@
           <a:lstStyle/>
           <a:p>
             <a:r>
-              <a:rPr lang="en-DK" sz="1200" dirty="0"/>
+              <a:rPr lang="en-DK" sz="675" dirty="0"/>
               <a:t>GTx15</a:t>
             </a:r>
           </a:p>
@@ -7121,8 +6745,8 @@
         </p:nvSpPr>
         <p:spPr>
           <a:xfrm>
-            <a:off x="874217" y="5511593"/>
-            <a:ext cx="574709" cy="276999"/>
+            <a:off x="491747" y="6124459"/>
+            <a:ext cx="404278" cy="196208"/>
           </a:xfrm>
           <a:prstGeom prst="rect">
             <a:avLst/>
@@ -7136,7 +6760,7 @@
           <a:lstStyle/>
           <a:p>
             <a:r>
-              <a:rPr lang="en-DK" sz="1200" dirty="0"/>
+              <a:rPr lang="en-DK" sz="675" dirty="0"/>
               <a:t>GTx16</a:t>
             </a:r>
           </a:p>
@@ -7156,8 +6780,8 @@
         </p:nvSpPr>
         <p:spPr>
           <a:xfrm>
-            <a:off x="883623" y="6036918"/>
-            <a:ext cx="574709" cy="276999"/>
+            <a:off x="497038" y="6419954"/>
+            <a:ext cx="404278" cy="196208"/>
           </a:xfrm>
           <a:prstGeom prst="rect">
             <a:avLst/>
@@ -7171,7 +6795,7 @@
           <a:lstStyle/>
           <a:p>
             <a:r>
-              <a:rPr lang="en-DK" sz="1200" dirty="0"/>
+              <a:rPr lang="en-DK" sz="675" dirty="0"/>
               <a:t>GTx17</a:t>
             </a:r>
           </a:p>
@@ -7193,8 +6817,8 @@
         </p:nvCxnSpPr>
         <p:spPr>
           <a:xfrm>
-            <a:off x="2950082" y="167742"/>
-            <a:ext cx="6371718" cy="0"/>
+            <a:off x="1659421" y="3118542"/>
+            <a:ext cx="3584091" cy="0"/>
           </a:xfrm>
           <a:prstGeom prst="line">
             <a:avLst/>
@@ -7231,8 +6855,8 @@
         </p:nvCxnSpPr>
         <p:spPr>
           <a:xfrm>
-            <a:off x="2945868" y="6538087"/>
-            <a:ext cx="6375932" cy="0"/>
+            <a:off x="1657051" y="6701861"/>
+            <a:ext cx="3586462" cy="0"/>
           </a:xfrm>
           <a:prstGeom prst="line">
             <a:avLst/>
@@ -7269,8 +6893,8 @@
         </p:nvCxnSpPr>
         <p:spPr>
           <a:xfrm>
-            <a:off x="2950082" y="2001310"/>
-            <a:ext cx="6371718" cy="0"/>
+            <a:off x="1659421" y="4149924"/>
+            <a:ext cx="3584091" cy="0"/>
           </a:xfrm>
           <a:prstGeom prst="line">
             <a:avLst/>
@@ -7307,8 +6931,8 @@
         </p:nvCxnSpPr>
         <p:spPr>
           <a:xfrm>
-            <a:off x="2950082" y="2294302"/>
-            <a:ext cx="6371718" cy="0"/>
+            <a:off x="1659421" y="4314732"/>
+            <a:ext cx="3584091" cy="0"/>
           </a:xfrm>
           <a:prstGeom prst="line">
             <a:avLst/>
@@ -7345,8 +6969,8 @@
         </p:nvCxnSpPr>
         <p:spPr>
           <a:xfrm>
-            <a:off x="2945868" y="2581265"/>
-            <a:ext cx="6371718" cy="0"/>
+            <a:off x="1657051" y="4476149"/>
+            <a:ext cx="3584091" cy="0"/>
           </a:xfrm>
           <a:prstGeom prst="line">
             <a:avLst/>
@@ -7383,8 +7007,8 @@
         </p:nvCxnSpPr>
         <p:spPr>
           <a:xfrm>
-            <a:off x="2945868" y="3207910"/>
-            <a:ext cx="6371718" cy="0"/>
+            <a:off x="1657051" y="4828637"/>
+            <a:ext cx="3584091" cy="0"/>
           </a:xfrm>
           <a:prstGeom prst="line">
             <a:avLst/>
@@ -7421,8 +7045,8 @@
         </p:nvCxnSpPr>
         <p:spPr>
           <a:xfrm>
-            <a:off x="2945868" y="3594352"/>
-            <a:ext cx="6371718" cy="0"/>
+            <a:off x="1657051" y="5046011"/>
+            <a:ext cx="3584091" cy="0"/>
           </a:xfrm>
           <a:prstGeom prst="line">
             <a:avLst/>
@@ -7459,8 +7083,8 @@
         </p:nvCxnSpPr>
         <p:spPr>
           <a:xfrm>
-            <a:off x="2951311" y="3838719"/>
-            <a:ext cx="6371718" cy="0"/>
+            <a:off x="1660113" y="5183467"/>
+            <a:ext cx="3584091" cy="0"/>
           </a:xfrm>
           <a:prstGeom prst="line">
             <a:avLst/>
@@ -7497,8 +7121,8 @@
         </p:nvCxnSpPr>
         <p:spPr>
           <a:xfrm>
-            <a:off x="2945868" y="3931248"/>
-            <a:ext cx="6371718" cy="0"/>
+            <a:off x="1657051" y="5235515"/>
+            <a:ext cx="3584091" cy="0"/>
           </a:xfrm>
           <a:prstGeom prst="line">
             <a:avLst/>
@@ -7535,8 +7159,8 @@
         </p:nvCxnSpPr>
         <p:spPr>
           <a:xfrm>
-            <a:off x="2945868" y="4317691"/>
-            <a:ext cx="6371718" cy="0"/>
+            <a:off x="1657051" y="5452889"/>
+            <a:ext cx="3584091" cy="0"/>
           </a:xfrm>
           <a:prstGeom prst="line">
             <a:avLst/>
@@ -7573,8 +7197,8 @@
         </p:nvCxnSpPr>
         <p:spPr>
           <a:xfrm>
-            <a:off x="2945868" y="4991689"/>
-            <a:ext cx="6371718" cy="0"/>
+            <a:off x="1657051" y="5832013"/>
+            <a:ext cx="3584091" cy="0"/>
           </a:xfrm>
           <a:prstGeom prst="line">
             <a:avLst/>
@@ -7611,8 +7235,8 @@
         </p:nvCxnSpPr>
         <p:spPr>
           <a:xfrm>
-            <a:off x="2945868" y="5236617"/>
-            <a:ext cx="6371718" cy="0"/>
+            <a:off x="1657051" y="5969785"/>
+            <a:ext cx="3584091" cy="0"/>
           </a:xfrm>
           <a:prstGeom prst="line">
             <a:avLst/>
@@ -7649,8 +7273,8 @@
         </p:nvCxnSpPr>
         <p:spPr>
           <a:xfrm>
-            <a:off x="2949826" y="5572093"/>
-            <a:ext cx="6371718" cy="0"/>
+            <a:off x="1659277" y="6158490"/>
+            <a:ext cx="3584091" cy="0"/>
           </a:xfrm>
           <a:prstGeom prst="line">
             <a:avLst/>
@@ -7687,8 +7311,8 @@
         </p:nvCxnSpPr>
         <p:spPr>
           <a:xfrm>
-            <a:off x="2949826" y="6005543"/>
-            <a:ext cx="6371718" cy="0"/>
+            <a:off x="1659277" y="6402305"/>
+            <a:ext cx="3584091" cy="0"/>
           </a:xfrm>
           <a:prstGeom prst="line">
             <a:avLst/>
@@ -7760,8 +7384,8 @@
         </p:blipFill>
         <p:spPr>
           <a:xfrm>
-            <a:off x="2173045" y="-237655"/>
-            <a:ext cx="7315207" cy="6943924"/>
+            <a:off x="1080655" y="2276310"/>
+            <a:ext cx="5322026" cy="5051906"/>
           </a:xfrm>
           <a:prstGeom prst="rect">
             <a:avLst/>
@@ -7782,8 +7406,8 @@
         </p:nvSpPr>
         <p:spPr>
           <a:xfrm>
-            <a:off x="1620606" y="106836"/>
-            <a:ext cx="563488" cy="276999"/>
+            <a:off x="616778" y="2532049"/>
+            <a:ext cx="752719" cy="215444"/>
           </a:xfrm>
           <a:prstGeom prst="rect">
             <a:avLst/>
@@ -7791,14 +7415,17 @@
           <a:noFill/>
         </p:spPr>
         <p:txBody>
-          <a:bodyPr wrap="none" rtlCol="0">
+          <a:bodyPr wrap="square" rtlCol="0">
             <a:spAutoFit/>
           </a:bodyPr>
           <a:lstStyle/>
           <a:p>
             <a:r>
-              <a:rPr lang="en-DK" sz="1200" dirty="0"/>
-              <a:t>GTxx4</a:t>
+              <a:rPr lang="en-DK" sz="800" dirty="0">
+                <a:latin typeface="Arial" panose="020B0604020202020204" pitchFamily="34" charset="0"/>
+                <a:cs typeface="Arial" panose="020B0604020202020204" pitchFamily="34" charset="0"/>
+              </a:rPr>
+              <a:t>GT122</a:t>
             </a:r>
           </a:p>
         </p:txBody>
@@ -7817,8 +7444,8 @@
         </p:nvSpPr>
         <p:spPr>
           <a:xfrm>
-            <a:off x="1619234" y="1966585"/>
-            <a:ext cx="563488" cy="276999"/>
+            <a:off x="616133" y="3878744"/>
+            <a:ext cx="752719" cy="215444"/>
           </a:xfrm>
           <a:prstGeom prst="rect">
             <a:avLst/>
@@ -7826,14 +7453,17 @@
           <a:noFill/>
         </p:spPr>
         <p:txBody>
-          <a:bodyPr wrap="none" rtlCol="0">
+          <a:bodyPr wrap="square" rtlCol="0">
             <a:spAutoFit/>
           </a:bodyPr>
           <a:lstStyle/>
           <a:p>
             <a:r>
-              <a:rPr lang="en-DK" sz="1200" dirty="0"/>
-              <a:t>GTxx5</a:t>
+              <a:rPr lang="en-DK" sz="800" dirty="0">
+                <a:latin typeface="Arial" panose="020B0604020202020204" pitchFamily="34" charset="0"/>
+                <a:cs typeface="Arial" panose="020B0604020202020204" pitchFamily="34" charset="0"/>
+              </a:rPr>
+              <a:t>GT123</a:t>
             </a:r>
           </a:p>
         </p:txBody>
@@ -7852,8 +7482,8 @@
         </p:nvSpPr>
         <p:spPr>
           <a:xfrm>
-            <a:off x="1624404" y="2250353"/>
-            <a:ext cx="563488" cy="276999"/>
+            <a:off x="616134" y="4102064"/>
+            <a:ext cx="752719" cy="215444"/>
           </a:xfrm>
           <a:prstGeom prst="rect">
             <a:avLst/>
@@ -7861,14 +7491,17 @@
           <a:noFill/>
         </p:spPr>
         <p:txBody>
-          <a:bodyPr wrap="none" rtlCol="0">
+          <a:bodyPr wrap="square" rtlCol="0">
             <a:spAutoFit/>
           </a:bodyPr>
           <a:lstStyle/>
           <a:p>
             <a:r>
-              <a:rPr lang="en-DK" sz="1200" dirty="0"/>
-              <a:t>GTxx6</a:t>
+              <a:rPr lang="en-DK" sz="800" dirty="0">
+                <a:latin typeface="Arial" panose="020B0604020202020204" pitchFamily="34" charset="0"/>
+                <a:cs typeface="Arial" panose="020B0604020202020204" pitchFamily="34" charset="0"/>
+              </a:rPr>
+              <a:t>GT124</a:t>
             </a:r>
           </a:p>
         </p:txBody>
@@ -7887,8 +7520,8 @@
         </p:nvSpPr>
         <p:spPr>
           <a:xfrm>
-            <a:off x="1624404" y="2486960"/>
-            <a:ext cx="563488" cy="276999"/>
+            <a:off x="608856" y="4267990"/>
+            <a:ext cx="752719" cy="215444"/>
           </a:xfrm>
           <a:prstGeom prst="rect">
             <a:avLst/>
@@ -7896,14 +7529,17 @@
           <a:noFill/>
         </p:spPr>
         <p:txBody>
-          <a:bodyPr wrap="none" rtlCol="0">
+          <a:bodyPr wrap="square" rtlCol="0">
             <a:spAutoFit/>
           </a:bodyPr>
           <a:lstStyle/>
           <a:p>
             <a:r>
-              <a:rPr lang="en-DK" sz="1200" dirty="0"/>
-              <a:t>GTxx7</a:t>
+              <a:rPr lang="en-DK" sz="800" dirty="0">
+                <a:latin typeface="Arial" panose="020B0604020202020204" pitchFamily="34" charset="0"/>
+                <a:cs typeface="Arial" panose="020B0604020202020204" pitchFamily="34" charset="0"/>
+              </a:rPr>
+              <a:t>GT125</a:t>
             </a:r>
           </a:p>
         </p:txBody>
@@ -7922,8 +7558,8 @@
         </p:nvSpPr>
         <p:spPr>
           <a:xfrm>
-            <a:off x="1618352" y="3212664"/>
-            <a:ext cx="563488" cy="276999"/>
+            <a:off x="608858" y="4769197"/>
+            <a:ext cx="752719" cy="215444"/>
           </a:xfrm>
           <a:prstGeom prst="rect">
             <a:avLst/>
@@ -7931,14 +7567,17 @@
           <a:noFill/>
         </p:spPr>
         <p:txBody>
-          <a:bodyPr wrap="none" rtlCol="0">
+          <a:bodyPr wrap="square" rtlCol="0">
             <a:spAutoFit/>
           </a:bodyPr>
           <a:lstStyle/>
           <a:p>
             <a:r>
-              <a:rPr lang="en-DK" sz="1200" dirty="0"/>
-              <a:t>GTxx8</a:t>
+              <a:rPr lang="en-DK" sz="800" dirty="0">
+                <a:latin typeface="Arial" panose="020B0604020202020204" pitchFamily="34" charset="0"/>
+                <a:cs typeface="Arial" panose="020B0604020202020204" pitchFamily="34" charset="0"/>
+              </a:rPr>
+              <a:t>GT126</a:t>
             </a:r>
           </a:p>
         </p:txBody>
@@ -7957,8 +7596,8 @@
         </p:nvSpPr>
         <p:spPr>
           <a:xfrm>
-            <a:off x="1614996" y="3559654"/>
-            <a:ext cx="563488" cy="276999"/>
+            <a:off x="608857" y="5024143"/>
+            <a:ext cx="752719" cy="215444"/>
           </a:xfrm>
           <a:prstGeom prst="rect">
             <a:avLst/>
@@ -7966,14 +7605,17 @@
           <a:noFill/>
         </p:spPr>
         <p:txBody>
-          <a:bodyPr wrap="none" rtlCol="0">
+          <a:bodyPr wrap="square" rtlCol="0">
             <a:spAutoFit/>
           </a:bodyPr>
           <a:lstStyle/>
           <a:p>
             <a:r>
-              <a:rPr lang="en-DK" sz="1200" dirty="0"/>
-              <a:t>GTxx9</a:t>
+              <a:rPr lang="en-DK" sz="800" dirty="0">
+                <a:latin typeface="Arial" panose="020B0604020202020204" pitchFamily="34" charset="0"/>
+                <a:cs typeface="Arial" panose="020B0604020202020204" pitchFamily="34" charset="0"/>
+              </a:rPr>
+              <a:t>GT127</a:t>
             </a:r>
           </a:p>
         </p:txBody>
@@ -7992,8 +7634,8 @@
         </p:nvSpPr>
         <p:spPr>
           <a:xfrm>
-            <a:off x="1615767" y="3747488"/>
-            <a:ext cx="574709" cy="276999"/>
+            <a:off x="608858" y="5156303"/>
+            <a:ext cx="752719" cy="215444"/>
           </a:xfrm>
           <a:prstGeom prst="rect">
             <a:avLst/>
@@ -8001,14 +7643,17 @@
           <a:noFill/>
         </p:spPr>
         <p:txBody>
-          <a:bodyPr wrap="none" rtlCol="0">
+          <a:bodyPr wrap="square" rtlCol="0">
             <a:spAutoFit/>
           </a:bodyPr>
           <a:lstStyle/>
           <a:p>
             <a:r>
-              <a:rPr lang="en-DK" sz="1200" dirty="0"/>
-              <a:t>GTx10</a:t>
+              <a:rPr lang="en-DK" sz="800" dirty="0">
+                <a:latin typeface="Arial" panose="020B0604020202020204" pitchFamily="34" charset="0"/>
+                <a:cs typeface="Arial" panose="020B0604020202020204" pitchFamily="34" charset="0"/>
+              </a:rPr>
+              <a:t>GT128</a:t>
             </a:r>
           </a:p>
         </p:txBody>
@@ -8027,8 +7672,8 @@
         </p:nvSpPr>
         <p:spPr>
           <a:xfrm>
-            <a:off x="1615766" y="3884765"/>
-            <a:ext cx="574709" cy="276999"/>
+            <a:off x="608859" y="5264025"/>
+            <a:ext cx="752719" cy="215444"/>
           </a:xfrm>
           <a:prstGeom prst="rect">
             <a:avLst/>
@@ -8036,14 +7681,17 @@
           <a:noFill/>
         </p:spPr>
         <p:txBody>
-          <a:bodyPr wrap="none" rtlCol="0">
+          <a:bodyPr wrap="square" rtlCol="0">
             <a:spAutoFit/>
           </a:bodyPr>
           <a:lstStyle/>
           <a:p>
             <a:r>
-              <a:rPr lang="en-DK" sz="1200" dirty="0"/>
-              <a:t>GTx11</a:t>
+              <a:rPr lang="en-DK" sz="800" dirty="0">
+                <a:latin typeface="Arial" panose="020B0604020202020204" pitchFamily="34" charset="0"/>
+                <a:cs typeface="Arial" panose="020B0604020202020204" pitchFamily="34" charset="0"/>
+              </a:rPr>
+              <a:t>GT129</a:t>
             </a:r>
           </a:p>
         </p:txBody>
@@ -8062,8 +7710,8 @@
         </p:nvSpPr>
         <p:spPr>
           <a:xfrm>
-            <a:off x="1624403" y="4230248"/>
-            <a:ext cx="574709" cy="276999"/>
+            <a:off x="608860" y="5510863"/>
+            <a:ext cx="752719" cy="215444"/>
           </a:xfrm>
           <a:prstGeom prst="rect">
             <a:avLst/>
@@ -8071,14 +7719,17 @@
           <a:noFill/>
         </p:spPr>
         <p:txBody>
-          <a:bodyPr wrap="none" rtlCol="0">
+          <a:bodyPr wrap="square" rtlCol="0">
             <a:spAutoFit/>
           </a:bodyPr>
           <a:lstStyle/>
           <a:p>
             <a:r>
-              <a:rPr lang="en-DK" sz="1200" dirty="0"/>
-              <a:t>GTx12</a:t>
+              <a:rPr lang="en-DK" sz="800" dirty="0">
+                <a:latin typeface="Arial" panose="020B0604020202020204" pitchFamily="34" charset="0"/>
+                <a:cs typeface="Arial" panose="020B0604020202020204" pitchFamily="34" charset="0"/>
+              </a:rPr>
+              <a:t>GT130</a:t>
             </a:r>
           </a:p>
         </p:txBody>
@@ -8097,8 +7748,8 @@
         </p:nvSpPr>
         <p:spPr>
           <a:xfrm>
-            <a:off x="1624403" y="4383578"/>
-            <a:ext cx="574709" cy="276999"/>
+            <a:off x="608861" y="5627271"/>
+            <a:ext cx="752719" cy="215444"/>
           </a:xfrm>
           <a:prstGeom prst="rect">
             <a:avLst/>
@@ -8106,14 +7757,17 @@
           <a:noFill/>
         </p:spPr>
         <p:txBody>
-          <a:bodyPr wrap="none" rtlCol="0">
+          <a:bodyPr wrap="square" rtlCol="0">
             <a:spAutoFit/>
           </a:bodyPr>
           <a:lstStyle/>
           <a:p>
             <a:r>
-              <a:rPr lang="en-DK" sz="1200" dirty="0"/>
-              <a:t>GTx13</a:t>
+              <a:rPr lang="en-DK" sz="800" dirty="0">
+                <a:latin typeface="Arial" panose="020B0604020202020204" pitchFamily="34" charset="0"/>
+                <a:cs typeface="Arial" panose="020B0604020202020204" pitchFamily="34" charset="0"/>
+              </a:rPr>
+              <a:t>GT131</a:t>
             </a:r>
           </a:p>
         </p:txBody>
@@ -8132,8 +7786,8 @@
         </p:nvSpPr>
         <p:spPr>
           <a:xfrm>
-            <a:off x="1624402" y="4941197"/>
-            <a:ext cx="574709" cy="276999"/>
+            <a:off x="616134" y="6030771"/>
+            <a:ext cx="752719" cy="215444"/>
           </a:xfrm>
           <a:prstGeom prst="rect">
             <a:avLst/>
@@ -8141,14 +7795,17 @@
           <a:noFill/>
         </p:spPr>
         <p:txBody>
-          <a:bodyPr wrap="none" rtlCol="0">
+          <a:bodyPr wrap="square" rtlCol="0">
             <a:spAutoFit/>
           </a:bodyPr>
           <a:lstStyle/>
           <a:p>
             <a:r>
-              <a:rPr lang="en-DK" sz="1200" dirty="0"/>
-              <a:t>GTx14</a:t>
+              <a:rPr lang="en-DK" sz="800" dirty="0">
+                <a:latin typeface="Arial" panose="020B0604020202020204" pitchFamily="34" charset="0"/>
+                <a:cs typeface="Arial" panose="020B0604020202020204" pitchFamily="34" charset="0"/>
+              </a:rPr>
+              <a:t>GT132</a:t>
             </a:r>
           </a:p>
         </p:txBody>
@@ -8167,8 +7824,8 @@
         </p:nvSpPr>
         <p:spPr>
           <a:xfrm>
-            <a:off x="1626987" y="5213234"/>
-            <a:ext cx="574709" cy="276999"/>
+            <a:off x="614237" y="6236200"/>
+            <a:ext cx="752719" cy="215444"/>
           </a:xfrm>
           <a:prstGeom prst="rect">
             <a:avLst/>
@@ -8176,14 +7833,17 @@
           <a:noFill/>
         </p:spPr>
         <p:txBody>
-          <a:bodyPr wrap="none" rtlCol="0">
+          <a:bodyPr wrap="square" rtlCol="0">
             <a:spAutoFit/>
           </a:bodyPr>
           <a:lstStyle/>
           <a:p>
             <a:r>
-              <a:rPr lang="en-DK" sz="1200" dirty="0"/>
-              <a:t>GTx15</a:t>
+              <a:rPr lang="en-DK" sz="800" dirty="0">
+                <a:latin typeface="Arial" panose="020B0604020202020204" pitchFamily="34" charset="0"/>
+                <a:cs typeface="Arial" panose="020B0604020202020204" pitchFamily="34" charset="0"/>
+              </a:rPr>
+              <a:t>GT133</a:t>
             </a:r>
           </a:p>
         </p:txBody>
@@ -8202,8 +7862,8 @@
         </p:nvSpPr>
         <p:spPr>
           <a:xfrm>
-            <a:off x="1614996" y="5511593"/>
-            <a:ext cx="574709" cy="276999"/>
+            <a:off x="614237" y="6451644"/>
+            <a:ext cx="752719" cy="215444"/>
           </a:xfrm>
           <a:prstGeom prst="rect">
             <a:avLst/>
@@ -8211,14 +7871,17 @@
           <a:noFill/>
         </p:spPr>
         <p:txBody>
-          <a:bodyPr wrap="none" rtlCol="0">
+          <a:bodyPr wrap="square" rtlCol="0">
             <a:spAutoFit/>
           </a:bodyPr>
           <a:lstStyle/>
           <a:p>
             <a:r>
-              <a:rPr lang="en-DK" sz="1200" dirty="0"/>
-              <a:t>GTx16</a:t>
+              <a:rPr lang="en-DK" sz="800" dirty="0">
+                <a:latin typeface="Arial" panose="020B0604020202020204" pitchFamily="34" charset="0"/>
+                <a:cs typeface="Arial" panose="020B0604020202020204" pitchFamily="34" charset="0"/>
+              </a:rPr>
+              <a:t>GT134</a:t>
             </a:r>
           </a:p>
         </p:txBody>
@@ -8237,8 +7900,8 @@
         </p:nvSpPr>
         <p:spPr>
           <a:xfrm>
-            <a:off x="1624402" y="6036918"/>
-            <a:ext cx="574709" cy="276999"/>
+            <a:off x="614237" y="6827756"/>
+            <a:ext cx="752719" cy="215444"/>
           </a:xfrm>
           <a:prstGeom prst="rect">
             <a:avLst/>
@@ -8246,14 +7909,17 @@
           <a:noFill/>
         </p:spPr>
         <p:txBody>
-          <a:bodyPr wrap="none" rtlCol="0">
+          <a:bodyPr wrap="square" rtlCol="0">
             <a:spAutoFit/>
           </a:bodyPr>
           <a:lstStyle/>
           <a:p>
             <a:r>
-              <a:rPr lang="en-DK" sz="1200" dirty="0"/>
-              <a:t>GTx17</a:t>
+              <a:rPr lang="en-DK" sz="800" dirty="0">
+                <a:latin typeface="Arial" panose="020B0604020202020204" pitchFamily="34" charset="0"/>
+                <a:cs typeface="Arial" panose="020B0604020202020204" pitchFamily="34" charset="0"/>
+              </a:rPr>
+              <a:t>GT135</a:t>
             </a:r>
           </a:p>
         </p:txBody>
@@ -8274,8 +7940,8 @@
         </p:nvCxnSpPr>
         <p:spPr>
           <a:xfrm>
-            <a:off x="2950082" y="188762"/>
-            <a:ext cx="6371718" cy="0"/>
+            <a:off x="1659699" y="2588635"/>
+            <a:ext cx="4625008" cy="0"/>
           </a:xfrm>
           <a:prstGeom prst="line">
             <a:avLst/>
@@ -8312,8 +7978,8 @@
         </p:nvCxnSpPr>
         <p:spPr>
           <a:xfrm>
-            <a:off x="2945868" y="6538087"/>
-            <a:ext cx="6375932" cy="0"/>
+            <a:off x="1657049" y="6827756"/>
+            <a:ext cx="4623557" cy="0"/>
           </a:xfrm>
           <a:prstGeom prst="line">
             <a:avLst/>
@@ -8350,8 +8016,8 @@
         </p:nvCxnSpPr>
         <p:spPr>
           <a:xfrm>
-            <a:off x="2950082" y="1983142"/>
-            <a:ext cx="6371718" cy="0"/>
+            <a:off x="1659421" y="3896037"/>
+            <a:ext cx="4621186" cy="0"/>
           </a:xfrm>
           <a:prstGeom prst="line">
             <a:avLst/>
@@ -8388,8 +8054,8 @@
         </p:nvCxnSpPr>
         <p:spPr>
           <a:xfrm>
-            <a:off x="2950082" y="2276134"/>
-            <a:ext cx="6371718" cy="0"/>
+            <a:off x="1659421" y="4105163"/>
+            <a:ext cx="4621187" cy="0"/>
           </a:xfrm>
           <a:prstGeom prst="line">
             <a:avLst/>
@@ -8426,8 +8092,8 @@
         </p:nvCxnSpPr>
         <p:spPr>
           <a:xfrm>
-            <a:off x="2945868" y="2566392"/>
-            <a:ext cx="6371718" cy="0"/>
+            <a:off x="1657051" y="4315385"/>
+            <a:ext cx="4623557" cy="0"/>
           </a:xfrm>
           <a:prstGeom prst="line">
             <a:avLst/>
@@ -8464,8 +8130,8 @@
         </p:nvCxnSpPr>
         <p:spPr>
           <a:xfrm>
-            <a:off x="2945868" y="3201854"/>
-            <a:ext cx="6371718" cy="0"/>
+            <a:off x="1657051" y="4778848"/>
+            <a:ext cx="4623557" cy="0"/>
           </a:xfrm>
           <a:prstGeom prst="line">
             <a:avLst/>
@@ -8502,8 +8168,8 @@
         </p:nvCxnSpPr>
         <p:spPr>
           <a:xfrm>
-            <a:off x="2945868" y="3588296"/>
-            <a:ext cx="6371718" cy="0"/>
+            <a:off x="1657051" y="5055856"/>
+            <a:ext cx="4623557" cy="0"/>
           </a:xfrm>
           <a:prstGeom prst="line">
             <a:avLst/>
@@ -8540,8 +8206,8 @@
         </p:nvCxnSpPr>
         <p:spPr>
           <a:xfrm>
-            <a:off x="2951311" y="3826607"/>
-            <a:ext cx="6371718" cy="0"/>
+            <a:off x="1660112" y="5305076"/>
+            <a:ext cx="4620495" cy="0"/>
           </a:xfrm>
           <a:prstGeom prst="line">
             <a:avLst/>
@@ -8578,8 +8244,8 @@
         </p:nvCxnSpPr>
         <p:spPr>
           <a:xfrm>
-            <a:off x="2945868" y="3925192"/>
-            <a:ext cx="6371718" cy="0"/>
+            <a:off x="1657051" y="5232108"/>
+            <a:ext cx="4623557" cy="0"/>
           </a:xfrm>
           <a:prstGeom prst="line">
             <a:avLst/>
@@ -8616,8 +8282,8 @@
         </p:nvCxnSpPr>
         <p:spPr>
           <a:xfrm>
-            <a:off x="2945868" y="4317691"/>
-            <a:ext cx="6371718" cy="0"/>
+            <a:off x="1657051" y="5585409"/>
+            <a:ext cx="4623557" cy="0"/>
           </a:xfrm>
           <a:prstGeom prst="line">
             <a:avLst/>
@@ -8654,8 +8320,8 @@
         </p:nvCxnSpPr>
         <p:spPr>
           <a:xfrm>
-            <a:off x="2945868" y="4991689"/>
-            <a:ext cx="6371718" cy="0"/>
+            <a:off x="1657051" y="5659737"/>
+            <a:ext cx="4623557" cy="0"/>
           </a:xfrm>
           <a:prstGeom prst="line">
             <a:avLst/>
@@ -8692,8 +8358,8 @@
         </p:nvCxnSpPr>
         <p:spPr>
           <a:xfrm>
-            <a:off x="2945868" y="5236617"/>
-            <a:ext cx="6371718" cy="0"/>
+            <a:off x="1657051" y="6075801"/>
+            <a:ext cx="4623557" cy="0"/>
           </a:xfrm>
           <a:prstGeom prst="line">
             <a:avLst/>
@@ -8730,8 +8396,8 @@
         </p:nvCxnSpPr>
         <p:spPr>
           <a:xfrm>
-            <a:off x="2949826" y="5572093"/>
-            <a:ext cx="6371718" cy="0"/>
+            <a:off x="1659277" y="6257880"/>
+            <a:ext cx="4621331" cy="0"/>
           </a:xfrm>
           <a:prstGeom prst="line">
             <a:avLst/>
@@ -8768,8 +8434,8 @@
         </p:nvCxnSpPr>
         <p:spPr>
           <a:xfrm>
-            <a:off x="2949826" y="6005543"/>
-            <a:ext cx="6371718" cy="0"/>
+            <a:off x="1659275" y="6501696"/>
+            <a:ext cx="4621331" cy="0"/>
           </a:xfrm>
           <a:prstGeom prst="line">
             <a:avLst/>
@@ -8806,8 +8472,8 @@
         </p:nvCxnSpPr>
         <p:spPr>
           <a:xfrm>
-            <a:off x="2943288" y="4408099"/>
-            <a:ext cx="6371718" cy="0"/>
+            <a:off x="1655599" y="7206648"/>
+            <a:ext cx="4625007" cy="0"/>
           </a:xfrm>
           <a:prstGeom prst="line">
             <a:avLst/>
@@ -8828,6 +8494,36 @@
           </a:fontRef>
         </p:style>
       </p:cxnSp>
+      <p:pic>
+        <p:nvPicPr>
+          <p:cNvPr id="48" name="Picture 47">
+            <a:extLst>
+              <a:ext uri="{FF2B5EF4-FFF2-40B4-BE49-F238E27FC236}">
+                <a16:creationId xmlns:a16="http://schemas.microsoft.com/office/drawing/2014/main" id="{1A70126B-0E08-DE79-00FF-E5D2878F9E05}"/>
+              </a:ext>
+            </a:extLst>
+          </p:cNvPr>
+          <p:cNvPicPr>
+            <a:picLocks noChangeAspect="1"/>
+          </p:cNvPicPr>
+          <p:nvPr/>
+        </p:nvPicPr>
+        <p:blipFill>
+          <a:blip r:embed="rId3"/>
+          <a:stretch>
+            <a:fillRect/>
+          </a:stretch>
+        </p:blipFill>
+        <p:spPr>
+          <a:xfrm>
+            <a:off x="5899421" y="2606323"/>
+            <a:ext cx="283937" cy="1477360"/>
+          </a:xfrm>
+          <a:prstGeom prst="rect">
+            <a:avLst/>
+          </a:prstGeom>
+        </p:spPr>
+      </p:pic>
     </p:spTree>
     <p:extLst>
       <p:ext uri="{BB962C8B-B14F-4D97-AF65-F5344CB8AC3E}">
@@ -8879,8 +8575,8 @@
         </p:blipFill>
         <p:spPr>
           <a:xfrm>
-            <a:off x="219333" y="1880018"/>
-            <a:ext cx="4590131" cy="3319459"/>
+            <a:off x="123375" y="4081698"/>
+            <a:ext cx="2581949" cy="1867196"/>
           </a:xfrm>
           <a:prstGeom prst="rect">
             <a:avLst/>
@@ -8908,8 +8604,8 @@
         </p:blipFill>
         <p:spPr>
           <a:xfrm>
-            <a:off x="6533414" y="1555185"/>
-            <a:ext cx="3442607" cy="3454891"/>
+            <a:off x="3675046" y="3898979"/>
+            <a:ext cx="1936466" cy="1943376"/>
           </a:xfrm>
           <a:prstGeom prst="rect">
             <a:avLst/>
@@ -8938,8 +8634,8 @@
         </p:blipFill>
         <p:spPr>
           <a:xfrm>
-            <a:off x="4055702" y="1880019"/>
-            <a:ext cx="2353897" cy="2928791"/>
+            <a:off x="2281333" y="4081698"/>
+            <a:ext cx="1324067" cy="1647445"/>
           </a:xfrm>
           <a:prstGeom prst="rect">
             <a:avLst/>
@@ -8960,9 +8656,9 @@
 </file>
 
 <file path=ppt/theme/theme1.xml><?xml version="1.0" encoding="utf-8"?>
-<a:theme xmlns:a="http://schemas.openxmlformats.org/drawingml/2006/main" name="Office Theme">
+<a:theme xmlns:a="http://schemas.openxmlformats.org/drawingml/2006/main" name="Office 2013 - 2022 Theme">
   <a:themeElements>
-    <a:clrScheme name="Office">
+    <a:clrScheme name="Office 2013 - 2022 Theme">
       <a:dk1>
         <a:sysClr val="windowText" lastClr="000000"/>
       </a:dk1>
@@ -9000,7 +8696,7 @@
         <a:srgbClr val="954F72"/>
       </a:folHlink>
     </a:clrScheme>
-    <a:fontScheme name="Office">
+    <a:fontScheme name="Office 2013 - 2022 Theme">
       <a:majorFont>
         <a:latin typeface="Calibri Light" panose="020F0302020204030204"/>
         <a:ea typeface=""/>
@@ -9035,23 +8731,6 @@
         <a:font script="Viet" typeface="Times New Roman"/>
         <a:font script="Uigh" typeface="Microsoft Uighur"/>
         <a:font script="Geor" typeface="Sylfaen"/>
-        <a:font script="Armn" typeface="Arial"/>
-        <a:font script="Bugi" typeface="Leelawadee UI"/>
-        <a:font script="Bopo" typeface="Microsoft JhengHei"/>
-        <a:font script="Java" typeface="Javanese Text"/>
-        <a:font script="Lisu" typeface="Segoe UI"/>
-        <a:font script="Mymr" typeface="Myanmar Text"/>
-        <a:font script="Nkoo" typeface="Ebrima"/>
-        <a:font script="Olck" typeface="Nirmala UI"/>
-        <a:font script="Osma" typeface="Ebrima"/>
-        <a:font script="Phag" typeface="Phagspa"/>
-        <a:font script="Syrn" typeface="Estrangelo Edessa"/>
-        <a:font script="Syrj" typeface="Estrangelo Edessa"/>
-        <a:font script="Syre" typeface="Estrangelo Edessa"/>
-        <a:font script="Sora" typeface="Nirmala UI"/>
-        <a:font script="Tale" typeface="Microsoft Tai Le"/>
-        <a:font script="Talu" typeface="Microsoft New Tai Lue"/>
-        <a:font script="Tfng" typeface="Ebrima"/>
       </a:majorFont>
       <a:minorFont>
         <a:latin typeface="Calibri" panose="020F0502020204030204"/>
@@ -9087,26 +8766,9 @@
         <a:font script="Viet" typeface="Arial"/>
         <a:font script="Uigh" typeface="Microsoft Uighur"/>
         <a:font script="Geor" typeface="Sylfaen"/>
-        <a:font script="Armn" typeface="Arial"/>
-        <a:font script="Bugi" typeface="Leelawadee UI"/>
-        <a:font script="Bopo" typeface="Microsoft JhengHei"/>
-        <a:font script="Java" typeface="Javanese Text"/>
-        <a:font script="Lisu" typeface="Segoe UI"/>
-        <a:font script="Mymr" typeface="Myanmar Text"/>
-        <a:font script="Nkoo" typeface="Ebrima"/>
-        <a:font script="Olck" typeface="Nirmala UI"/>
-        <a:font script="Osma" typeface="Ebrima"/>
-        <a:font script="Phag" typeface="Phagspa"/>
-        <a:font script="Syrn" typeface="Estrangelo Edessa"/>
-        <a:font script="Syrj" typeface="Estrangelo Edessa"/>
-        <a:font script="Syre" typeface="Estrangelo Edessa"/>
-        <a:font script="Sora" typeface="Nirmala UI"/>
-        <a:font script="Tale" typeface="Microsoft Tai Le"/>
-        <a:font script="Talu" typeface="Microsoft New Tai Lue"/>
-        <a:font script="Tfng" typeface="Ebrima"/>
       </a:minorFont>
     </a:fontScheme>
-    <a:fmtScheme name="Office">
+    <a:fmtScheme name="Office 2013 - 2022 Theme">
       <a:fillStyleLst>
         <a:solidFill>
           <a:schemeClr val="phClr"/>
@@ -9248,7 +8910,7 @@
   <a:extraClrSchemeLst/>
   <a:extLst>
     <a:ext uri="{05A4C25C-085E-4340-85A3-A5531E510DB2}">
-      <thm15:themeFamily xmlns:thm15="http://schemas.microsoft.com/office/thememl/2012/main" name="Office Theme" id="{62F939B6-93AF-4DB8-9C6B-D6C7DFDC589F}" vid="{4A3C46E8-61CC-4603-A589-7422A47A8E4A}"/>
+      <thm15:themeFamily xmlns:thm15="http://schemas.microsoft.com/office/thememl/2012/main" name="Office 2013 - 2022 Theme" id="{62F939B6-93AF-4DB8-9C6B-D6C7DFDC589F}" vid="{4A3C46E8-61CC-4603-A589-7422A47A8E4A}"/>
     </a:ext>
   </a:extLst>
 </a:theme>

--- a/manuscript/figures/garry-heatmap/garry-heatmap.pptx
+++ b/manuscript/figures/garry-heatmap/garry-heatmap.pptx
@@ -8494,36 +8494,249 @@
           </a:fontRef>
         </p:style>
       </p:cxnSp>
-      <p:pic>
-        <p:nvPicPr>
-          <p:cNvPr id="48" name="Picture 47">
+      <p:sp>
+        <p:nvSpPr>
+          <p:cNvPr id="2" name="TextBox 1">
             <a:extLst>
               <a:ext uri="{FF2B5EF4-FFF2-40B4-BE49-F238E27FC236}">
-                <a16:creationId xmlns:a16="http://schemas.microsoft.com/office/drawing/2014/main" id="{1A70126B-0E08-DE79-00FF-E5D2878F9E05}"/>
+                <a16:creationId xmlns:a16="http://schemas.microsoft.com/office/drawing/2014/main" id="{813DBBC1-FC2C-AE20-5D75-4078F44E4E31}"/>
               </a:ext>
             </a:extLst>
           </p:cNvPr>
-          <p:cNvPicPr>
-            <a:picLocks noChangeAspect="1"/>
-          </p:cNvPicPr>
+          <p:cNvSpPr txBox="1"/>
           <p:nvPr/>
-        </p:nvPicPr>
-        <p:blipFill>
-          <a:blip r:embed="rId3"/>
-          <a:stretch>
-            <a:fillRect/>
-          </a:stretch>
-        </p:blipFill>
-        <p:spPr>
-          <a:xfrm>
-            <a:off x="5899421" y="2606323"/>
-            <a:ext cx="283937" cy="1477360"/>
+        </p:nvSpPr>
+        <p:spPr>
+          <a:xfrm>
+            <a:off x="5840561" y="3372278"/>
+            <a:ext cx="505267" cy="338554"/>
           </a:xfrm>
           <a:prstGeom prst="rect">
             <a:avLst/>
           </a:prstGeom>
-        </p:spPr>
-      </p:pic>
+          <a:noFill/>
+        </p:spPr>
+        <p:txBody>
+          <a:bodyPr wrap="none" rtlCol="0">
+            <a:spAutoFit/>
+          </a:bodyPr>
+          <a:lstStyle/>
+          <a:p>
+            <a:r>
+              <a:rPr lang="en-DK" sz="800" dirty="0">
+                <a:latin typeface="Arial" panose="020B0604020202020204" pitchFamily="34" charset="0"/>
+                <a:cs typeface="Arial" panose="020B0604020202020204" pitchFamily="34" charset="0"/>
+              </a:rPr>
+              <a:t>Glycan</a:t>
+            </a:r>
+          </a:p>
+          <a:p>
+            <a:pPr algn="ctr"/>
+            <a:r>
+              <a:rPr lang="en-DK" sz="800" dirty="0">
+                <a:latin typeface="Arial" panose="020B0604020202020204" pitchFamily="34" charset="0"/>
+                <a:cs typeface="Arial" panose="020B0604020202020204" pitchFamily="34" charset="0"/>
+              </a:rPr>
+              <a:t>score</a:t>
+            </a:r>
+          </a:p>
+        </p:txBody>
+      </p:sp>
+      <p:grpSp>
+        <p:nvGrpSpPr>
+          <p:cNvPr id="28" name="Group 27">
+            <a:extLst>
+              <a:ext uri="{FF2B5EF4-FFF2-40B4-BE49-F238E27FC236}">
+                <a16:creationId xmlns:a16="http://schemas.microsoft.com/office/drawing/2014/main" id="{E226B176-1D12-576E-7039-1150DC97DB8D}"/>
+              </a:ext>
+            </a:extLst>
+          </p:cNvPr>
+          <p:cNvGrpSpPr/>
+          <p:nvPr/>
+        </p:nvGrpSpPr>
+        <p:grpSpPr>
+          <a:xfrm>
+            <a:off x="5991594" y="2613814"/>
+            <a:ext cx="284265" cy="801431"/>
+            <a:chOff x="137390" y="4291603"/>
+            <a:chExt cx="284265" cy="801431"/>
+          </a:xfrm>
+        </p:grpSpPr>
+        <p:pic>
+          <p:nvPicPr>
+            <p:cNvPr id="22" name="Picture 21">
+              <a:extLst>
+                <a:ext uri="{FF2B5EF4-FFF2-40B4-BE49-F238E27FC236}">
+                  <a16:creationId xmlns:a16="http://schemas.microsoft.com/office/drawing/2014/main" id="{66AF8923-2C23-137B-8ABA-6EEDD94066C6}"/>
+                </a:ext>
+              </a:extLst>
+            </p:cNvPr>
+            <p:cNvPicPr>
+              <a:picLocks noChangeAspect="1"/>
+            </p:cNvPicPr>
+            <p:nvPr/>
+          </p:nvPicPr>
+          <p:blipFill rotWithShape="1">
+            <a:blip r:embed="rId3"/>
+            <a:srcRect t="53554" b="36987"/>
+            <a:stretch/>
+          </p:blipFill>
+          <p:spPr>
+            <a:xfrm>
+              <a:off x="137390" y="4672095"/>
+              <a:ext cx="283937" cy="139736"/>
+            </a:xfrm>
+            <a:prstGeom prst="rect">
+              <a:avLst/>
+            </a:prstGeom>
+          </p:spPr>
+        </p:pic>
+        <p:pic>
+          <p:nvPicPr>
+            <p:cNvPr id="5" name="Picture 4">
+              <a:extLst>
+                <a:ext uri="{FF2B5EF4-FFF2-40B4-BE49-F238E27FC236}">
+                  <a16:creationId xmlns:a16="http://schemas.microsoft.com/office/drawing/2014/main" id="{E90DB922-F6F8-9684-3C0A-66C18E0E37B1}"/>
+                </a:ext>
+              </a:extLst>
+            </p:cNvPr>
+            <p:cNvPicPr>
+              <a:picLocks noChangeAspect="1"/>
+            </p:cNvPicPr>
+            <p:nvPr/>
+          </p:nvPicPr>
+          <p:blipFill rotWithShape="1">
+            <a:blip r:embed="rId3"/>
+            <a:srcRect t="17882" b="73307"/>
+            <a:stretch/>
+          </p:blipFill>
+          <p:spPr>
+            <a:xfrm>
+              <a:off x="137390" y="4419504"/>
+              <a:ext cx="283937" cy="130175"/>
+            </a:xfrm>
+            <a:prstGeom prst="rect">
+              <a:avLst/>
+            </a:prstGeom>
+          </p:spPr>
+        </p:pic>
+        <p:pic>
+          <p:nvPicPr>
+            <p:cNvPr id="21" name="Picture 20">
+              <a:extLst>
+                <a:ext uri="{FF2B5EF4-FFF2-40B4-BE49-F238E27FC236}">
+                  <a16:creationId xmlns:a16="http://schemas.microsoft.com/office/drawing/2014/main" id="{BF10D6DE-2CDC-71B9-EF39-127D663AD629}"/>
+                </a:ext>
+              </a:extLst>
+            </p:cNvPr>
+            <p:cNvPicPr>
+              <a:picLocks noChangeAspect="1"/>
+            </p:cNvPicPr>
+            <p:nvPr/>
+          </p:nvPicPr>
+          <p:blipFill rotWithShape="1">
+            <a:blip r:embed="rId3"/>
+            <a:srcRect t="36148" b="54825"/>
+            <a:stretch/>
+          </p:blipFill>
+          <p:spPr>
+            <a:xfrm>
+              <a:off x="137390" y="4547405"/>
+              <a:ext cx="283937" cy="133350"/>
+            </a:xfrm>
+            <a:prstGeom prst="rect">
+              <a:avLst/>
+            </a:prstGeom>
+          </p:spPr>
+        </p:pic>
+        <p:pic>
+          <p:nvPicPr>
+            <p:cNvPr id="23" name="Picture 22">
+              <a:extLst>
+                <a:ext uri="{FF2B5EF4-FFF2-40B4-BE49-F238E27FC236}">
+                  <a16:creationId xmlns:a16="http://schemas.microsoft.com/office/drawing/2014/main" id="{2796E9A0-B762-85EB-8012-FA41263269F9}"/>
+                </a:ext>
+              </a:extLst>
+            </p:cNvPr>
+            <p:cNvPicPr>
+              <a:picLocks noChangeAspect="1"/>
+            </p:cNvPicPr>
+            <p:nvPr/>
+          </p:nvPicPr>
+          <p:blipFill rotWithShape="1">
+            <a:blip r:embed="rId3"/>
+            <a:srcRect t="72470" b="18719"/>
+            <a:stretch/>
+          </p:blipFill>
+          <p:spPr>
+            <a:xfrm>
+              <a:off x="137390" y="4811831"/>
+              <a:ext cx="283937" cy="130175"/>
+            </a:xfrm>
+            <a:prstGeom prst="rect">
+              <a:avLst/>
+            </a:prstGeom>
+          </p:spPr>
+        </p:pic>
+        <p:pic>
+          <p:nvPicPr>
+            <p:cNvPr id="24" name="Picture 23">
+              <a:extLst>
+                <a:ext uri="{FF2B5EF4-FFF2-40B4-BE49-F238E27FC236}">
+                  <a16:creationId xmlns:a16="http://schemas.microsoft.com/office/drawing/2014/main" id="{95B68A13-729C-D20D-A906-5D7196A95F07}"/>
+                </a:ext>
+              </a:extLst>
+            </p:cNvPr>
+            <p:cNvPicPr>
+              <a:picLocks noChangeAspect="1"/>
+            </p:cNvPicPr>
+            <p:nvPr/>
+          </p:nvPicPr>
+          <p:blipFill rotWithShape="1">
+            <a:blip r:embed="rId3"/>
+            <a:srcRect t="89684"/>
+            <a:stretch/>
+          </p:blipFill>
+          <p:spPr>
+            <a:xfrm>
+              <a:off x="137718" y="4940634"/>
+              <a:ext cx="283937" cy="152400"/>
+            </a:xfrm>
+            <a:prstGeom prst="rect">
+              <a:avLst/>
+            </a:prstGeom>
+          </p:spPr>
+        </p:pic>
+        <p:pic>
+          <p:nvPicPr>
+            <p:cNvPr id="26" name="Picture 25">
+              <a:extLst>
+                <a:ext uri="{FF2B5EF4-FFF2-40B4-BE49-F238E27FC236}">
+                  <a16:creationId xmlns:a16="http://schemas.microsoft.com/office/drawing/2014/main" id="{92308765-37CA-D429-563C-6BB385459419}"/>
+                </a:ext>
+              </a:extLst>
+            </p:cNvPr>
+            <p:cNvPicPr>
+              <a:picLocks noChangeAspect="1"/>
+            </p:cNvPicPr>
+            <p:nvPr/>
+          </p:nvPicPr>
+          <p:blipFill rotWithShape="1">
+            <a:blip r:embed="rId3"/>
+            <a:srcRect b="91263"/>
+            <a:stretch/>
+          </p:blipFill>
+          <p:spPr>
+            <a:xfrm>
+              <a:off x="137572" y="4291603"/>
+              <a:ext cx="283937" cy="129073"/>
+            </a:xfrm>
+            <a:prstGeom prst="rect">
+              <a:avLst/>
+            </a:prstGeom>
+          </p:spPr>
+        </p:pic>
+      </p:grpSp>
     </p:spTree>
     <p:extLst>
       <p:ext uri="{BB962C8B-B14F-4D97-AF65-F5344CB8AC3E}">
